--- a/ppt/侯国坤-面试陈述_20210629_19.35.pptx
+++ b/ppt/侯国坤-面试陈述_20210629_19.35.pptx
@@ -5,7 +5,7 @@
     <p:sldMasterId id="2147483648" r:id="rId1"/>
   </p:sldMasterIdLst>
   <p:notesMasterIdLst>
-    <p:notesMasterId r:id="rId25"/>
+    <p:notesMasterId r:id="rId26"/>
   </p:notesMasterIdLst>
   <p:sldIdLst>
     <p:sldId id="649" r:id="rId2"/>
@@ -23,19 +23,20 @@
     <p:sldId id="681" r:id="rId14"/>
     <p:sldId id="599" r:id="rId15"/>
     <p:sldId id="598" r:id="rId16"/>
-    <p:sldId id="601" r:id="rId17"/>
-    <p:sldId id="679" r:id="rId18"/>
-    <p:sldId id="678" r:id="rId19"/>
-    <p:sldId id="680" r:id="rId20"/>
-    <p:sldId id="619" r:id="rId21"/>
-    <p:sldId id="620" r:id="rId22"/>
-    <p:sldId id="631" r:id="rId23"/>
-    <p:sldId id="632" r:id="rId24"/>
+    <p:sldId id="684" r:id="rId17"/>
+    <p:sldId id="601" r:id="rId18"/>
+    <p:sldId id="679" r:id="rId19"/>
+    <p:sldId id="678" r:id="rId20"/>
+    <p:sldId id="680" r:id="rId21"/>
+    <p:sldId id="619" r:id="rId22"/>
+    <p:sldId id="620" r:id="rId23"/>
+    <p:sldId id="631" r:id="rId24"/>
+    <p:sldId id="632" r:id="rId25"/>
   </p:sldIdLst>
   <p:sldSz cx="12192000" cy="6858000"/>
   <p:notesSz cx="6858000" cy="9144000"/>
   <p:custDataLst>
-    <p:tags r:id="rId26"/>
+    <p:tags r:id="rId27"/>
   </p:custDataLst>
   <p:defaultTextStyle>
     <a:defPPr>
@@ -143,2491 +144,1004 @@
 <file path=ppt/commentAuthors.xml><?xml version="1.0" encoding="utf-8"?>
 <p:cmAuthorLst xmlns:a="http://schemas.openxmlformats.org/drawingml/2006/main" xmlns:r="http://schemas.openxmlformats.org/officeDocument/2006/relationships" xmlns:p="http://schemas.openxmlformats.org/presentationml/2006/main">
   <p:cmAuthor id="1" name="王笛" initials="王" lastIdx="1" clrIdx="0"/>
-  <p:cmAuthor id="2" name="android1@lazyaudio.com" initials="a" lastIdx="1" clrIdx="1"/>
+  <p:cmAuthor id="2" name="android1@lazyaudio.com" initials="a" lastIdx="2" clrIdx="1"/>
 </p:cmAuthorLst>
 </file>
 
-<file path=ppt/diagrams/colors1.xml><?xml version="1.0" encoding="utf-8"?>
-<dgm:colorsDef xmlns:dgm="http://schemas.openxmlformats.org/drawingml/2006/diagram" xmlns:a="http://schemas.openxmlformats.org/drawingml/2006/main" uniqueId="urn:microsoft.com/office/officeart/2005/8/colors/accent1_2#1">
-  <dgm:title val=""/>
-  <dgm:desc val=""/>
-  <dgm:catLst>
-    <dgm:cat type="accent1" pri="11200"/>
-  </dgm:catLst>
-  <dgm:styleLbl name="alignAcc1">
-    <dgm:fillClrLst meth="repeat">
-      <a:schemeClr val="lt1">
-        <a:alpha val="90000"/>
-      </a:schemeClr>
-    </dgm:fillClrLst>
-    <dgm:linClrLst meth="repeat">
-      <a:schemeClr val="accent1"/>
-    </dgm:linClrLst>
-    <dgm:effectClrLst/>
-    <dgm:txLinClrLst/>
-    <dgm:txFillClrLst meth="repeat">
-      <a:schemeClr val="dk1"/>
-    </dgm:txFillClrLst>
-    <dgm:txEffectClrLst/>
-  </dgm:styleLbl>
-  <dgm:styleLbl name="alignAccFollowNode1">
-    <dgm:fillClrLst meth="repeat">
-      <a:schemeClr val="accent1">
-        <a:alpha val="90000"/>
-        <a:tint val="40000"/>
-      </a:schemeClr>
-    </dgm:fillClrLst>
-    <dgm:linClrLst meth="repeat">
-      <a:schemeClr val="accent1">
-        <a:alpha val="90000"/>
-        <a:tint val="40000"/>
-      </a:schemeClr>
-    </dgm:linClrLst>
-    <dgm:effectClrLst/>
-    <dgm:txLinClrLst/>
-    <dgm:txFillClrLst meth="repeat">
-      <a:schemeClr val="dk1"/>
-    </dgm:txFillClrLst>
-    <dgm:txEffectClrLst/>
-  </dgm:styleLbl>
-  <dgm:styleLbl name="alignImgPlace1">
-    <dgm:fillClrLst meth="repeat">
-      <a:schemeClr val="accent1">
-        <a:tint val="50000"/>
-      </a:schemeClr>
-    </dgm:fillClrLst>
-    <dgm:linClrLst meth="repeat">
-      <a:schemeClr val="lt1"/>
-    </dgm:linClrLst>
-    <dgm:effectClrLst/>
-    <dgm:txLinClrLst/>
-    <dgm:txFillClrLst meth="repeat">
-      <a:schemeClr val="lt1"/>
-    </dgm:txFillClrLst>
-    <dgm:txEffectClrLst/>
-  </dgm:styleLbl>
-  <dgm:styleLbl name="alignNode1">
-    <dgm:fillClrLst meth="repeat">
-      <a:schemeClr val="accent1"/>
-    </dgm:fillClrLst>
-    <dgm:linClrLst meth="repeat">
-      <a:schemeClr val="accent1"/>
-    </dgm:linClrLst>
-    <dgm:effectClrLst/>
-    <dgm:txLinClrLst/>
-    <dgm:txFillClrLst/>
-    <dgm:txEffectClrLst/>
-  </dgm:styleLbl>
-  <dgm:styleLbl name="asst0">
-    <dgm:fillClrLst meth="repeat">
-      <a:schemeClr val="accent1"/>
-    </dgm:fillClrLst>
-    <dgm:linClrLst meth="repeat">
-      <a:schemeClr val="lt1"/>
-    </dgm:linClrLst>
-    <dgm:effectClrLst/>
-    <dgm:txLinClrLst/>
-    <dgm:txFillClrLst/>
-    <dgm:txEffectClrLst/>
-  </dgm:styleLbl>
-  <dgm:styleLbl name="asst1">
-    <dgm:fillClrLst meth="repeat">
-      <a:schemeClr val="accent1"/>
-    </dgm:fillClrLst>
-    <dgm:linClrLst meth="repeat">
-      <a:schemeClr val="lt1"/>
-    </dgm:linClrLst>
-    <dgm:effectClrLst/>
-    <dgm:txLinClrLst/>
-    <dgm:txFillClrLst/>
-    <dgm:txEffectClrLst/>
-  </dgm:styleLbl>
-  <dgm:styleLbl name="asst2">
-    <dgm:fillClrLst meth="repeat">
-      <a:schemeClr val="accent1"/>
-    </dgm:fillClrLst>
-    <dgm:linClrLst meth="repeat">
-      <a:schemeClr val="lt1"/>
-    </dgm:linClrLst>
-    <dgm:effectClrLst/>
-    <dgm:txLinClrLst/>
-    <dgm:txFillClrLst/>
-    <dgm:txEffectClrLst/>
-  </dgm:styleLbl>
-  <dgm:styleLbl name="asst3">
-    <dgm:fillClrLst meth="repeat">
-      <a:schemeClr val="accent1"/>
-    </dgm:fillClrLst>
-    <dgm:linClrLst meth="repeat">
-      <a:schemeClr val="lt1"/>
-    </dgm:linClrLst>
-    <dgm:effectClrLst/>
-    <dgm:txLinClrLst/>
-    <dgm:txFillClrLst/>
-    <dgm:txEffectClrLst/>
-  </dgm:styleLbl>
-  <dgm:styleLbl name="asst4">
-    <dgm:fillClrLst meth="repeat">
-      <a:schemeClr val="accent1"/>
-    </dgm:fillClrLst>
-    <dgm:linClrLst meth="repeat">
-      <a:schemeClr val="lt1"/>
-    </dgm:linClrLst>
-    <dgm:effectClrLst/>
-    <dgm:txLinClrLst/>
-    <dgm:txFillClrLst/>
-    <dgm:txEffectClrLst/>
-  </dgm:styleLbl>
-  <dgm:styleLbl name="bgAcc1">
-    <dgm:fillClrLst meth="repeat">
-      <a:schemeClr val="lt1">
-        <a:alpha val="90000"/>
-      </a:schemeClr>
-    </dgm:fillClrLst>
-    <dgm:linClrLst meth="repeat">
-      <a:schemeClr val="accent1"/>
-    </dgm:linClrLst>
-    <dgm:effectClrLst/>
-    <dgm:txLinClrLst/>
-    <dgm:txFillClrLst meth="repeat">
-      <a:schemeClr val="dk1"/>
-    </dgm:txFillClrLst>
-    <dgm:txEffectClrLst/>
-  </dgm:styleLbl>
-  <dgm:styleLbl name="bgAccFollowNode1">
-    <dgm:fillClrLst meth="repeat">
-      <a:schemeClr val="accent1">
-        <a:alpha val="90000"/>
-        <a:tint val="40000"/>
-      </a:schemeClr>
-    </dgm:fillClrLst>
-    <dgm:linClrLst meth="repeat">
-      <a:schemeClr val="accent1">
-        <a:alpha val="90000"/>
-        <a:tint val="40000"/>
-      </a:schemeClr>
-    </dgm:linClrLst>
-    <dgm:effectClrLst/>
-    <dgm:txLinClrLst/>
-    <dgm:txFillClrLst meth="repeat">
-      <a:schemeClr val="dk1"/>
-    </dgm:txFillClrLst>
-    <dgm:txEffectClrLst/>
-  </dgm:styleLbl>
-  <dgm:styleLbl name="bgImgPlace1">
-    <dgm:fillClrLst meth="repeat">
-      <a:schemeClr val="accent1">
-        <a:tint val="50000"/>
-      </a:schemeClr>
-    </dgm:fillClrLst>
-    <dgm:linClrLst meth="repeat">
-      <a:schemeClr val="lt1"/>
-    </dgm:linClrLst>
-    <dgm:effectClrLst/>
-    <dgm:txLinClrLst/>
-    <dgm:txFillClrLst meth="repeat">
-      <a:schemeClr val="lt1"/>
-    </dgm:txFillClrLst>
-    <dgm:txEffectClrLst/>
-  </dgm:styleLbl>
-  <dgm:styleLbl name="bgShp">
-    <dgm:fillClrLst meth="repeat">
-      <a:schemeClr val="accent1">
-        <a:tint val="40000"/>
-      </a:schemeClr>
-    </dgm:fillClrLst>
-    <dgm:linClrLst meth="repeat">
-      <a:schemeClr val="accent1"/>
-    </dgm:linClrLst>
-    <dgm:effectClrLst/>
-    <dgm:txLinClrLst/>
-    <dgm:txFillClrLst meth="repeat">
-      <a:schemeClr val="dk1"/>
-    </dgm:txFillClrLst>
-    <dgm:txEffectClrLst/>
-  </dgm:styleLbl>
-  <dgm:styleLbl name="bgSibTrans2D1">
-    <dgm:fillClrLst meth="repeat">
-      <a:schemeClr val="accent1">
-        <a:tint val="60000"/>
-      </a:schemeClr>
-    </dgm:fillClrLst>
-    <dgm:linClrLst meth="repeat">
-      <a:schemeClr val="accent1">
-        <a:tint val="60000"/>
-      </a:schemeClr>
-    </dgm:linClrLst>
-    <dgm:effectClrLst/>
-    <dgm:txLinClrLst/>
-    <dgm:txFillClrLst/>
-    <dgm:txEffectClrLst/>
-  </dgm:styleLbl>
-  <dgm:styleLbl name="callout">
-    <dgm:fillClrLst meth="repeat">
-      <a:schemeClr val="accent1"/>
-    </dgm:fillClrLst>
-    <dgm:linClrLst meth="repeat">
-      <a:schemeClr val="accent1">
-        <a:tint val="50000"/>
-      </a:schemeClr>
-    </dgm:linClrLst>
-    <dgm:effectClrLst/>
-    <dgm:txLinClrLst/>
-    <dgm:txFillClrLst meth="repeat">
-      <a:schemeClr val="tx1"/>
-    </dgm:txFillClrLst>
-    <dgm:txEffectClrLst/>
-  </dgm:styleLbl>
-  <dgm:styleLbl name="conFgAcc1">
-    <dgm:fillClrLst meth="repeat">
-      <a:schemeClr val="lt1">
-        <a:alpha val="90000"/>
-      </a:schemeClr>
-    </dgm:fillClrLst>
-    <dgm:linClrLst meth="repeat">
-      <a:schemeClr val="accent1"/>
-    </dgm:linClrLst>
-    <dgm:effectClrLst/>
-    <dgm:txLinClrLst/>
-    <dgm:txFillClrLst meth="repeat">
-      <a:schemeClr val="dk1"/>
-    </dgm:txFillClrLst>
-    <dgm:txEffectClrLst/>
-  </dgm:styleLbl>
-  <dgm:styleLbl name="dkBgShp">
-    <dgm:fillClrLst meth="repeat">
-      <a:schemeClr val="accent1">
-        <a:shade val="80000"/>
-      </a:schemeClr>
-    </dgm:fillClrLst>
-    <dgm:linClrLst meth="repeat">
-      <a:schemeClr val="accent1"/>
-    </dgm:linClrLst>
-    <dgm:effectClrLst/>
-    <dgm:txLinClrLst/>
-    <dgm:txFillClrLst meth="repeat">
-      <a:schemeClr val="lt1"/>
-    </dgm:txFillClrLst>
-    <dgm:txEffectClrLst/>
-  </dgm:styleLbl>
-  <dgm:styleLbl name="fgAcc0">
-    <dgm:fillClrLst meth="repeat">
-      <a:schemeClr val="lt1">
-        <a:alpha val="90000"/>
-      </a:schemeClr>
-    </dgm:fillClrLst>
-    <dgm:linClrLst meth="repeat">
-      <a:schemeClr val="accent1"/>
-    </dgm:linClrLst>
-    <dgm:effectClrLst/>
-    <dgm:txLinClrLst/>
-    <dgm:txFillClrLst meth="repeat">
-      <a:schemeClr val="dk1"/>
-    </dgm:txFillClrLst>
-    <dgm:txEffectClrLst/>
-  </dgm:styleLbl>
-  <dgm:styleLbl name="fgAcc1">
-    <dgm:fillClrLst meth="repeat">
-      <a:schemeClr val="lt1">
-        <a:alpha val="90000"/>
-      </a:schemeClr>
-    </dgm:fillClrLst>
-    <dgm:linClrLst meth="repeat">
-      <a:schemeClr val="accent1"/>
-    </dgm:linClrLst>
-    <dgm:effectClrLst/>
-    <dgm:txLinClrLst/>
-    <dgm:txFillClrLst meth="repeat">
-      <a:schemeClr val="dk1"/>
-    </dgm:txFillClrLst>
-    <dgm:txEffectClrLst/>
-  </dgm:styleLbl>
-  <dgm:styleLbl name="fgAcc2">
-    <dgm:fillClrLst meth="repeat">
-      <a:schemeClr val="lt1">
-        <a:alpha val="90000"/>
-      </a:schemeClr>
-    </dgm:fillClrLst>
-    <dgm:linClrLst meth="repeat">
-      <a:schemeClr val="accent1"/>
-    </dgm:linClrLst>
-    <dgm:effectClrLst/>
-    <dgm:txLinClrLst/>
-    <dgm:txFillClrLst meth="repeat">
-      <a:schemeClr val="dk1"/>
-    </dgm:txFillClrLst>
-    <dgm:txEffectClrLst/>
-  </dgm:styleLbl>
-  <dgm:styleLbl name="fgAcc3">
-    <dgm:fillClrLst meth="repeat">
-      <a:schemeClr val="lt1">
-        <a:alpha val="90000"/>
-      </a:schemeClr>
-    </dgm:fillClrLst>
-    <dgm:linClrLst meth="repeat">
-      <a:schemeClr val="accent1"/>
-    </dgm:linClrLst>
-    <dgm:effectClrLst/>
-    <dgm:txLinClrLst/>
-    <dgm:txFillClrLst meth="repeat">
-      <a:schemeClr val="dk1"/>
-    </dgm:txFillClrLst>
-    <dgm:txEffectClrLst/>
-  </dgm:styleLbl>
-  <dgm:styleLbl name="fgAcc4">
-    <dgm:fillClrLst meth="repeat">
-      <a:schemeClr val="lt1">
-        <a:alpha val="90000"/>
-      </a:schemeClr>
-    </dgm:fillClrLst>
-    <dgm:linClrLst meth="repeat">
-      <a:schemeClr val="accent1"/>
-    </dgm:linClrLst>
-    <dgm:effectClrLst/>
-    <dgm:txLinClrLst/>
-    <dgm:txFillClrLst meth="repeat">
-      <a:schemeClr val="dk1"/>
-    </dgm:txFillClrLst>
-    <dgm:txEffectClrLst/>
-  </dgm:styleLbl>
-  <dgm:styleLbl name="fgAccFollowNode1">
-    <dgm:fillClrLst meth="repeat">
-      <a:schemeClr val="accent1">
-        <a:alpha val="90000"/>
-        <a:tint val="40000"/>
-      </a:schemeClr>
-    </dgm:fillClrLst>
-    <dgm:linClrLst meth="repeat">
-      <a:schemeClr val="accent1">
-        <a:alpha val="90000"/>
-        <a:tint val="40000"/>
-      </a:schemeClr>
-    </dgm:linClrLst>
-    <dgm:effectClrLst/>
-    <dgm:txLinClrLst/>
-    <dgm:txFillClrLst meth="repeat">
-      <a:schemeClr val="dk1"/>
-    </dgm:txFillClrLst>
-    <dgm:txEffectClrLst/>
-  </dgm:styleLbl>
-  <dgm:styleLbl name="fgImgPlace1">
-    <dgm:fillClrLst meth="repeat">
-      <a:schemeClr val="accent1">
-        <a:tint val="50000"/>
-      </a:schemeClr>
-    </dgm:fillClrLst>
-    <dgm:linClrLst meth="repeat">
-      <a:schemeClr val="lt1"/>
-    </dgm:linClrLst>
-    <dgm:effectClrLst/>
-    <dgm:txLinClrLst/>
-    <dgm:txFillClrLst meth="repeat">
-      <a:schemeClr val="lt1"/>
-    </dgm:txFillClrLst>
-    <dgm:txEffectClrLst/>
-  </dgm:styleLbl>
-  <dgm:styleLbl name="fgShp">
-    <dgm:fillClrLst meth="repeat">
-      <a:schemeClr val="accent1">
-        <a:tint val="60000"/>
-      </a:schemeClr>
-    </dgm:fillClrLst>
-    <dgm:linClrLst meth="repeat">
-      <a:schemeClr val="lt1"/>
-    </dgm:linClrLst>
-    <dgm:effectClrLst/>
-    <dgm:txLinClrLst/>
-    <dgm:txFillClrLst meth="repeat">
-      <a:schemeClr val="dk1"/>
-    </dgm:txFillClrLst>
-    <dgm:txEffectClrLst/>
-  </dgm:styleLbl>
-  <dgm:styleLbl name="fgSibTrans2D1">
-    <dgm:fillClrLst meth="repeat">
-      <a:schemeClr val="accent1">
-        <a:tint val="60000"/>
-      </a:schemeClr>
-    </dgm:fillClrLst>
-    <dgm:linClrLst meth="repeat">
-      <a:schemeClr val="accent1">
-        <a:tint val="60000"/>
-      </a:schemeClr>
-    </dgm:linClrLst>
-    <dgm:effectClrLst/>
-    <dgm:txLinClrLst/>
-    <dgm:txFillClrLst/>
-    <dgm:txEffectClrLst/>
-  </dgm:styleLbl>
-  <dgm:styleLbl name="lnNode1">
-    <dgm:fillClrLst meth="repeat">
-      <a:schemeClr val="accent1"/>
-    </dgm:fillClrLst>
-    <dgm:linClrLst meth="repeat">
-      <a:schemeClr val="lt1"/>
-    </dgm:linClrLst>
-    <dgm:effectClrLst/>
-    <dgm:txLinClrLst/>
-    <dgm:txFillClrLst/>
-    <dgm:txEffectClrLst/>
-  </dgm:styleLbl>
-  <dgm:styleLbl name="node0">
-    <dgm:fillClrLst meth="repeat">
-      <a:schemeClr val="accent1"/>
-    </dgm:fillClrLst>
-    <dgm:linClrLst meth="repeat">
-      <a:schemeClr val="lt1"/>
-    </dgm:linClrLst>
-    <dgm:effectClrLst/>
-    <dgm:txLinClrLst/>
-    <dgm:txFillClrLst/>
-    <dgm:txEffectClrLst/>
-  </dgm:styleLbl>
-  <dgm:styleLbl name="node1">
-    <dgm:fillClrLst meth="repeat">
-      <a:schemeClr val="accent1"/>
-    </dgm:fillClrLst>
-    <dgm:linClrLst meth="repeat">
-      <a:schemeClr val="lt1"/>
-    </dgm:linClrLst>
-    <dgm:effectClrLst/>
-    <dgm:txLinClrLst/>
-    <dgm:txFillClrLst/>
-    <dgm:txEffectClrLst/>
-  </dgm:styleLbl>
-  <dgm:styleLbl name="node2">
-    <dgm:fillClrLst meth="repeat">
-      <a:schemeClr val="accent1"/>
-    </dgm:fillClrLst>
-    <dgm:linClrLst meth="repeat">
-      <a:schemeClr val="lt1"/>
-    </dgm:linClrLst>
-    <dgm:effectClrLst/>
-    <dgm:txLinClrLst/>
-    <dgm:txFillClrLst/>
-    <dgm:txEffectClrLst/>
-  </dgm:styleLbl>
-  <dgm:styleLbl name="node3">
-    <dgm:fillClrLst meth="repeat">
-      <a:schemeClr val="accent1"/>
-    </dgm:fillClrLst>
-    <dgm:linClrLst meth="repeat">
-      <a:schemeClr val="lt1"/>
-    </dgm:linClrLst>
-    <dgm:effectClrLst/>
-    <dgm:txLinClrLst/>
-    <dgm:txFillClrLst/>
-    <dgm:txEffectClrLst/>
-  </dgm:styleLbl>
-  <dgm:styleLbl name="node4">
-    <dgm:fillClrLst meth="repeat">
-      <a:schemeClr val="accent1"/>
-    </dgm:fillClrLst>
-    <dgm:linClrLst meth="repeat">
-      <a:schemeClr val="lt1"/>
-    </dgm:linClrLst>
-    <dgm:effectClrLst/>
-    <dgm:txLinClrLst/>
-    <dgm:txFillClrLst/>
-    <dgm:txEffectClrLst/>
-  </dgm:styleLbl>
-  <dgm:styleLbl name="parChTrans1D1">
-    <dgm:fillClrLst meth="repeat">
-      <a:schemeClr val="accent1"/>
-    </dgm:fillClrLst>
-    <dgm:linClrLst meth="repeat">
-      <a:schemeClr val="accent1">
-        <a:shade val="60000"/>
-      </a:schemeClr>
-    </dgm:linClrLst>
-    <dgm:effectClrLst/>
-    <dgm:txLinClrLst/>
-    <dgm:txFillClrLst meth="repeat">
-      <a:schemeClr val="tx1"/>
-    </dgm:txFillClrLst>
-    <dgm:txEffectClrLst/>
-  </dgm:styleLbl>
-  <dgm:styleLbl name="parChTrans1D2">
-    <dgm:fillClrLst meth="repeat">
-      <a:schemeClr val="accent1"/>
-    </dgm:fillClrLst>
-    <dgm:linClrLst meth="repeat">
-      <a:schemeClr val="accent1">
-        <a:shade val="60000"/>
-      </a:schemeClr>
-    </dgm:linClrLst>
-    <dgm:effectClrLst/>
-    <dgm:txLinClrLst/>
-    <dgm:txFillClrLst meth="repeat">
-      <a:schemeClr val="tx1"/>
-    </dgm:txFillClrLst>
-    <dgm:txEffectClrLst/>
-  </dgm:styleLbl>
-  <dgm:styleLbl name="parChTrans1D3">
-    <dgm:fillClrLst meth="repeat">
-      <a:schemeClr val="accent1"/>
-    </dgm:fillClrLst>
-    <dgm:linClrLst meth="repeat">
-      <a:schemeClr val="accent1">
-        <a:shade val="80000"/>
-      </a:schemeClr>
-    </dgm:linClrLst>
-    <dgm:effectClrLst/>
-    <dgm:txLinClrLst/>
-    <dgm:txFillClrLst meth="repeat">
-      <a:schemeClr val="tx1"/>
-    </dgm:txFillClrLst>
-    <dgm:txEffectClrLst/>
-  </dgm:styleLbl>
-  <dgm:styleLbl name="parChTrans1D4">
-    <dgm:fillClrLst meth="repeat">
-      <a:schemeClr val="accent1"/>
-    </dgm:fillClrLst>
-    <dgm:linClrLst meth="repeat">
-      <a:schemeClr val="accent1">
-        <a:shade val="80000"/>
-      </a:schemeClr>
-    </dgm:linClrLst>
-    <dgm:effectClrLst/>
-    <dgm:txLinClrLst/>
-    <dgm:txFillClrLst meth="repeat">
-      <a:schemeClr val="tx1"/>
-    </dgm:txFillClrLst>
-    <dgm:txEffectClrLst/>
-  </dgm:styleLbl>
-  <dgm:styleLbl name="parChTrans2D1">
-    <dgm:fillClrLst meth="repeat">
-      <a:schemeClr val="accent1">
-        <a:tint val="60000"/>
-      </a:schemeClr>
-    </dgm:fillClrLst>
-    <dgm:linClrLst meth="repeat">
-      <a:schemeClr val="accent1">
-        <a:tint val="60000"/>
-      </a:schemeClr>
-    </dgm:linClrLst>
-    <dgm:effectClrLst/>
-    <dgm:txLinClrLst/>
-    <dgm:txFillClrLst meth="repeat">
-      <a:schemeClr val="lt1"/>
-    </dgm:txFillClrLst>
-    <dgm:txEffectClrLst/>
-  </dgm:styleLbl>
-  <dgm:styleLbl name="parChTrans2D2">
-    <dgm:fillClrLst meth="repeat">
-      <a:schemeClr val="accent1"/>
-    </dgm:fillClrLst>
-    <dgm:linClrLst meth="repeat">
-      <a:schemeClr val="accent1"/>
-    </dgm:linClrLst>
-    <dgm:effectClrLst/>
-    <dgm:txLinClrLst/>
-    <dgm:txFillClrLst meth="repeat">
-      <a:schemeClr val="lt1"/>
-    </dgm:txFillClrLst>
-    <dgm:txEffectClrLst/>
-  </dgm:styleLbl>
-  <dgm:styleLbl name="parChTrans2D3">
-    <dgm:fillClrLst meth="repeat">
-      <a:schemeClr val="accent1"/>
-    </dgm:fillClrLst>
-    <dgm:linClrLst meth="repeat">
-      <a:schemeClr val="accent1"/>
-    </dgm:linClrLst>
-    <dgm:effectClrLst/>
-    <dgm:txLinClrLst/>
-    <dgm:txFillClrLst meth="repeat">
-      <a:schemeClr val="lt1"/>
-    </dgm:txFillClrLst>
-    <dgm:txEffectClrLst/>
-  </dgm:styleLbl>
-  <dgm:styleLbl name="parChTrans2D4">
-    <dgm:fillClrLst meth="repeat">
-      <a:schemeClr val="accent1"/>
-    </dgm:fillClrLst>
-    <dgm:linClrLst meth="repeat">
-      <a:schemeClr val="accent1"/>
-    </dgm:linClrLst>
-    <dgm:effectClrLst/>
-    <dgm:txLinClrLst/>
-    <dgm:txFillClrLst meth="repeat">
-      <a:schemeClr val="lt1"/>
-    </dgm:txFillClrLst>
-    <dgm:txEffectClrLst/>
-  </dgm:styleLbl>
-  <dgm:styleLbl name="revTx">
-    <dgm:fillClrLst meth="repeat">
-      <a:schemeClr val="lt1">
-        <a:alpha val="0"/>
-      </a:schemeClr>
-    </dgm:fillClrLst>
-    <dgm:linClrLst meth="repeat">
-      <a:schemeClr val="dk1">
-        <a:alpha val="0"/>
-      </a:schemeClr>
-    </dgm:linClrLst>
-    <dgm:effectClrLst/>
-    <dgm:txLinClrLst/>
-    <dgm:txFillClrLst meth="repeat">
-      <a:schemeClr val="tx1"/>
-    </dgm:txFillClrLst>
-    <dgm:txEffectClrLst/>
-  </dgm:styleLbl>
-  <dgm:styleLbl name="sibTrans1D1">
-    <dgm:fillClrLst meth="repeat">
-      <a:schemeClr val="accent1"/>
-    </dgm:fillClrLst>
-    <dgm:linClrLst meth="repeat">
-      <a:schemeClr val="accent1"/>
-    </dgm:linClrLst>
-    <dgm:effectClrLst/>
-    <dgm:txLinClrLst/>
-    <dgm:txFillClrLst meth="repeat">
-      <a:schemeClr val="tx1"/>
-    </dgm:txFillClrLst>
-    <dgm:txEffectClrLst/>
-  </dgm:styleLbl>
-  <dgm:styleLbl name="sibTrans2D1">
-    <dgm:fillClrLst meth="repeat">
-      <a:schemeClr val="accent1">
-        <a:tint val="60000"/>
-      </a:schemeClr>
-    </dgm:fillClrLst>
-    <dgm:linClrLst meth="repeat">
-      <a:schemeClr val="accent1">
-        <a:tint val="60000"/>
-      </a:schemeClr>
-    </dgm:linClrLst>
-    <dgm:effectClrLst/>
-    <dgm:txLinClrLst/>
-    <dgm:txFillClrLst/>
-    <dgm:txEffectClrLst/>
-  </dgm:styleLbl>
-  <dgm:styleLbl name="solidAlignAcc1">
-    <dgm:fillClrLst meth="repeat">
-      <a:schemeClr val="lt1"/>
-    </dgm:fillClrLst>
-    <dgm:linClrLst meth="repeat">
-      <a:schemeClr val="accent1"/>
-    </dgm:linClrLst>
-    <dgm:effectClrLst/>
-    <dgm:txLinClrLst/>
-    <dgm:txFillClrLst meth="repeat">
-      <a:schemeClr val="dk1"/>
-    </dgm:txFillClrLst>
-    <dgm:txEffectClrLst/>
-  </dgm:styleLbl>
-  <dgm:styleLbl name="solidBgAcc1">
-    <dgm:fillClrLst meth="repeat">
-      <a:schemeClr val="lt1"/>
-    </dgm:fillClrLst>
-    <dgm:linClrLst meth="repeat">
-      <a:schemeClr val="accent1"/>
-    </dgm:linClrLst>
-    <dgm:effectClrLst/>
-    <dgm:txLinClrLst/>
-    <dgm:txFillClrLst meth="repeat">
-      <a:schemeClr val="dk1"/>
-    </dgm:txFillClrLst>
-    <dgm:txEffectClrLst/>
-  </dgm:styleLbl>
-  <dgm:styleLbl name="solidFgAcc1">
-    <dgm:fillClrLst meth="repeat">
-      <a:schemeClr val="lt1"/>
-    </dgm:fillClrLst>
-    <dgm:linClrLst meth="repeat">
-      <a:schemeClr val="accent1"/>
-    </dgm:linClrLst>
-    <dgm:effectClrLst/>
-    <dgm:txLinClrLst/>
-    <dgm:txFillClrLst meth="repeat">
-      <a:schemeClr val="dk1"/>
-    </dgm:txFillClrLst>
-    <dgm:txEffectClrLst/>
-  </dgm:styleLbl>
-  <dgm:styleLbl name="trAlignAcc1">
-    <dgm:fillClrLst meth="repeat">
-      <a:schemeClr val="lt1">
-        <a:alpha val="40000"/>
-      </a:schemeClr>
-    </dgm:fillClrLst>
-    <dgm:linClrLst meth="repeat">
-      <a:schemeClr val="accent1"/>
-    </dgm:linClrLst>
-    <dgm:effectClrLst/>
-    <dgm:txLinClrLst/>
-    <dgm:txFillClrLst meth="repeat">
-      <a:schemeClr val="dk1"/>
-    </dgm:txFillClrLst>
-    <dgm:txEffectClrLst/>
-  </dgm:styleLbl>
-  <dgm:styleLbl name="trBgShp">
-    <dgm:fillClrLst meth="repeat">
-      <a:schemeClr val="accent1">
-        <a:tint val="50000"/>
-        <a:alpha val="40000"/>
-      </a:schemeClr>
-    </dgm:fillClrLst>
-    <dgm:linClrLst meth="repeat">
-      <a:schemeClr val="accent1"/>
-    </dgm:linClrLst>
-    <dgm:effectClrLst/>
-    <dgm:txLinClrLst/>
-    <dgm:txFillClrLst meth="repeat">
-      <a:schemeClr val="lt1"/>
-    </dgm:txFillClrLst>
-    <dgm:txEffectClrLst/>
-  </dgm:styleLbl>
-  <dgm:styleLbl name="vennNode1">
-    <dgm:fillClrLst meth="repeat">
-      <a:schemeClr val="accent1">
-        <a:alpha val="50000"/>
-      </a:schemeClr>
-    </dgm:fillClrLst>
-    <dgm:linClrLst meth="repeat">
-      <a:schemeClr val="lt1"/>
-    </dgm:linClrLst>
-    <dgm:effectClrLst/>
-    <dgm:txLinClrLst/>
-    <dgm:txFillClrLst/>
-    <dgm:txEffectClrLst/>
-  </dgm:styleLbl>
-</dgm:colorsDef>
+<file path=ppt/charts/chart1.xml><?xml version="1.0" encoding="utf-8"?>
+<c:chartSpace xmlns:c="http://schemas.openxmlformats.org/drawingml/2006/chart" xmlns:a="http://schemas.openxmlformats.org/drawingml/2006/main" xmlns:r="http://schemas.openxmlformats.org/officeDocument/2006/relationships" xmlns:c16r2="http://schemas.microsoft.com/office/drawing/2015/06/chart">
+  <c:date1904 val="0"/>
+  <c:lang val="zh-CN"/>
+  <c:roundedCorners val="0"/>
+  <mc:AlternateContent xmlns:mc="http://schemas.openxmlformats.org/markup-compatibility/2006">
+    <mc:Choice xmlns:c14="http://schemas.microsoft.com/office/drawing/2007/8/2/chart" Requires="c14">
+      <c14:style val="102"/>
+    </mc:Choice>
+    <mc:Fallback>
+      <c:style val="2"/>
+    </mc:Fallback>
+  </mc:AlternateContent>
+  <c:chart>
+    <c:title>
+      <c:tx>
+        <c:rich>
+          <a:bodyPr rot="0" spcFirstLastPara="1" vertOverflow="ellipsis" vert="horz" wrap="square" anchor="ctr" anchorCtr="1"/>
+          <a:lstStyle/>
+          <a:p>
+            <a:pPr>
+              <a:defRPr sz="1862" b="0" i="0" u="none" strike="noStrike" kern="1200" spc="0" baseline="0">
+                <a:solidFill>
+                  <a:schemeClr val="tx1">
+                    <a:lumMod val="65000"/>
+                    <a:lumOff val="35000"/>
+                  </a:schemeClr>
+                </a:solidFill>
+                <a:latin typeface="+mn-lt"/>
+                <a:ea typeface="+mn-ea"/>
+                <a:cs typeface="+mn-cs"/>
+              </a:defRPr>
+            </a:pPr>
+            <a:r>
+              <a:rPr lang="zh-CN" altLang="en-US" dirty="0"/>
+              <a:t>启动耗时</a:t>
+            </a:r>
+          </a:p>
+        </c:rich>
+      </c:tx>
+      <c:overlay val="0"/>
+      <c:spPr>
+        <a:noFill/>
+        <a:ln>
+          <a:noFill/>
+        </a:ln>
+        <a:effectLst/>
+      </c:spPr>
+      <c:txPr>
+        <a:bodyPr rot="0" spcFirstLastPara="1" vertOverflow="ellipsis" vert="horz" wrap="square" anchor="ctr" anchorCtr="1"/>
+        <a:lstStyle/>
+        <a:p>
+          <a:pPr>
+            <a:defRPr sz="1862" b="0" i="0" u="none" strike="noStrike" kern="1200" spc="0" baseline="0">
+              <a:solidFill>
+                <a:schemeClr val="tx1">
+                  <a:lumMod val="65000"/>
+                  <a:lumOff val="35000"/>
+                </a:schemeClr>
+              </a:solidFill>
+              <a:latin typeface="+mn-lt"/>
+              <a:ea typeface="+mn-ea"/>
+              <a:cs typeface="+mn-cs"/>
+            </a:defRPr>
+          </a:pPr>
+          <a:endParaRPr lang="zh-CN"/>
+        </a:p>
+      </c:txPr>
+    </c:title>
+    <c:autoTitleDeleted val="0"/>
+    <c:plotArea>
+      <c:layout>
+        <c:manualLayout>
+          <c:layoutTarget val="inner"/>
+          <c:xMode val="edge"/>
+          <c:yMode val="edge"/>
+          <c:x val="4.9627829724409447E-2"/>
+          <c:y val="0.10225799075676729"/>
+          <c:w val="0.9253721702755906"/>
+          <c:h val="0.75400038422733862"/>
+        </c:manualLayout>
+      </c:layout>
+      <c:barChart>
+        <c:barDir val="col"/>
+        <c:grouping val="clustered"/>
+        <c:varyColors val="0"/>
+        <c:ser>
+          <c:idx val="0"/>
+          <c:order val="0"/>
+          <c:tx>
+            <c:strRef>
+              <c:f>Sheet1!$B$1</c:f>
+              <c:strCache>
+                <c:ptCount val="1"/>
+                <c:pt idx="0">
+                  <c:v>老版播放器页</c:v>
+                </c:pt>
+              </c:strCache>
+            </c:strRef>
+          </c:tx>
+          <c:spPr>
+            <a:solidFill>
+              <a:schemeClr val="accent1"/>
+            </a:solidFill>
+            <a:ln>
+              <a:noFill/>
+            </a:ln>
+            <a:effectLst/>
+          </c:spPr>
+          <c:invertIfNegative val="0"/>
+          <c:cat>
+            <c:strRef>
+              <c:f>Sheet1!$A$2:$A$6</c:f>
+              <c:strCache>
+                <c:ptCount val="5"/>
+                <c:pt idx="0">
+                  <c:v>Pause Cost</c:v>
+                </c:pt>
+                <c:pt idx="1">
+                  <c:v>Launch Cost</c:v>
+                </c:pt>
+                <c:pt idx="2">
+                  <c:v>Remder Cost</c:v>
+                </c:pt>
+                <c:pt idx="3">
+                  <c:v>Other Cost</c:v>
+                </c:pt>
+                <c:pt idx="4">
+                  <c:v>Total Cost</c:v>
+                </c:pt>
+              </c:strCache>
+            </c:strRef>
+          </c:cat>
+          <c:val>
+            <c:numRef>
+              <c:f>Sheet1!$B$2:$B$6</c:f>
+              <c:numCache>
+                <c:formatCode>General</c:formatCode>
+                <c:ptCount val="5"/>
+                <c:pt idx="0">
+                  <c:v>14</c:v>
+                </c:pt>
+                <c:pt idx="1">
+                  <c:v>77</c:v>
+                </c:pt>
+                <c:pt idx="2">
+                  <c:v>119</c:v>
+                </c:pt>
+                <c:pt idx="3">
+                  <c:v>2</c:v>
+                </c:pt>
+                <c:pt idx="4">
+                  <c:v>212</c:v>
+                </c:pt>
+              </c:numCache>
+            </c:numRef>
+          </c:val>
+          <c:extLst>
+            <c:ext xmlns:c16="http://schemas.microsoft.com/office/drawing/2014/chart" uri="{C3380CC4-5D6E-409C-BE32-E72D297353CC}">
+              <c16:uniqueId val="{00000000-7D6C-42A2-88C1-28814F7CCE69}"/>
+            </c:ext>
+          </c:extLst>
+        </c:ser>
+        <c:ser>
+          <c:idx val="1"/>
+          <c:order val="1"/>
+          <c:tx>
+            <c:strRef>
+              <c:f>Sheet1!$C$1</c:f>
+              <c:strCache>
+                <c:ptCount val="1"/>
+                <c:pt idx="0">
+                  <c:v>新版播放器页</c:v>
+                </c:pt>
+              </c:strCache>
+            </c:strRef>
+          </c:tx>
+          <c:spPr>
+            <a:solidFill>
+              <a:schemeClr val="accent2"/>
+            </a:solidFill>
+            <a:ln>
+              <a:noFill/>
+            </a:ln>
+            <a:effectLst/>
+          </c:spPr>
+          <c:invertIfNegative val="0"/>
+          <c:cat>
+            <c:strRef>
+              <c:f>Sheet1!$A$2:$A$6</c:f>
+              <c:strCache>
+                <c:ptCount val="5"/>
+                <c:pt idx="0">
+                  <c:v>Pause Cost</c:v>
+                </c:pt>
+                <c:pt idx="1">
+                  <c:v>Launch Cost</c:v>
+                </c:pt>
+                <c:pt idx="2">
+                  <c:v>Remder Cost</c:v>
+                </c:pt>
+                <c:pt idx="3">
+                  <c:v>Other Cost</c:v>
+                </c:pt>
+                <c:pt idx="4">
+                  <c:v>Total Cost</c:v>
+                </c:pt>
+              </c:strCache>
+            </c:strRef>
+          </c:cat>
+          <c:val>
+            <c:numRef>
+              <c:f>Sheet1!$C$2:$C$6</c:f>
+              <c:numCache>
+                <c:formatCode>General</c:formatCode>
+                <c:ptCount val="5"/>
+                <c:pt idx="0">
+                  <c:v>10</c:v>
+                </c:pt>
+                <c:pt idx="1">
+                  <c:v>96</c:v>
+                </c:pt>
+                <c:pt idx="2">
+                  <c:v>50</c:v>
+                </c:pt>
+                <c:pt idx="3">
+                  <c:v>2</c:v>
+                </c:pt>
+                <c:pt idx="4">
+                  <c:v>158</c:v>
+                </c:pt>
+              </c:numCache>
+            </c:numRef>
+          </c:val>
+          <c:extLst>
+            <c:ext xmlns:c16="http://schemas.microsoft.com/office/drawing/2014/chart" uri="{C3380CC4-5D6E-409C-BE32-E72D297353CC}">
+              <c16:uniqueId val="{00000001-7D6C-42A2-88C1-28814F7CCE69}"/>
+            </c:ext>
+          </c:extLst>
+        </c:ser>
+        <c:dLbls>
+          <c:showLegendKey val="0"/>
+          <c:showVal val="0"/>
+          <c:showCatName val="0"/>
+          <c:showSerName val="0"/>
+          <c:showPercent val="0"/>
+          <c:showBubbleSize val="0"/>
+        </c:dLbls>
+        <c:gapWidth val="219"/>
+        <c:overlap val="-27"/>
+        <c:axId val="1863750031"/>
+        <c:axId val="1863745455"/>
+      </c:barChart>
+      <c:catAx>
+        <c:axId val="1863750031"/>
+        <c:scaling>
+          <c:orientation val="minMax"/>
+        </c:scaling>
+        <c:delete val="0"/>
+        <c:axPos val="b"/>
+        <c:numFmt formatCode="General" sourceLinked="1"/>
+        <c:majorTickMark val="none"/>
+        <c:minorTickMark val="none"/>
+        <c:tickLblPos val="nextTo"/>
+        <c:spPr>
+          <a:noFill/>
+          <a:ln w="9525" cap="flat" cmpd="sng" algn="ctr">
+            <a:solidFill>
+              <a:schemeClr val="tx1">
+                <a:lumMod val="15000"/>
+                <a:lumOff val="85000"/>
+              </a:schemeClr>
+            </a:solidFill>
+            <a:round/>
+          </a:ln>
+          <a:effectLst/>
+        </c:spPr>
+        <c:txPr>
+          <a:bodyPr rot="-60000000" spcFirstLastPara="1" vertOverflow="ellipsis" vert="horz" wrap="square" anchor="ctr" anchorCtr="1"/>
+          <a:lstStyle/>
+          <a:p>
+            <a:pPr>
+              <a:defRPr sz="1197" b="0" i="0" u="none" strike="noStrike" kern="1200" baseline="0">
+                <a:ln>
+                  <a:noFill/>
+                </a:ln>
+                <a:solidFill>
+                  <a:schemeClr val="tx1">
+                    <a:lumMod val="65000"/>
+                    <a:lumOff val="35000"/>
+                  </a:schemeClr>
+                </a:solidFill>
+                <a:latin typeface="+mn-lt"/>
+                <a:ea typeface="+mn-ea"/>
+                <a:cs typeface="+mn-cs"/>
+              </a:defRPr>
+            </a:pPr>
+            <a:endParaRPr lang="zh-CN"/>
+          </a:p>
+        </c:txPr>
+        <c:crossAx val="1863745455"/>
+        <c:crosses val="autoZero"/>
+        <c:auto val="1"/>
+        <c:lblAlgn val="ctr"/>
+        <c:lblOffset val="100"/>
+        <c:noMultiLvlLbl val="0"/>
+      </c:catAx>
+      <c:valAx>
+        <c:axId val="1863745455"/>
+        <c:scaling>
+          <c:orientation val="minMax"/>
+          <c:max val="220"/>
+          <c:min val="0"/>
+        </c:scaling>
+        <c:delete val="0"/>
+        <c:axPos val="l"/>
+        <c:majorGridlines>
+          <c:spPr>
+            <a:ln w="9525" cap="flat" cmpd="sng" algn="ctr">
+              <a:solidFill>
+                <a:schemeClr val="tx1">
+                  <a:lumMod val="15000"/>
+                  <a:lumOff val="85000"/>
+                </a:schemeClr>
+              </a:solidFill>
+              <a:round/>
+            </a:ln>
+            <a:effectLst/>
+          </c:spPr>
+        </c:majorGridlines>
+        <c:numFmt formatCode="General" sourceLinked="1"/>
+        <c:majorTickMark val="in"/>
+        <c:minorTickMark val="in"/>
+        <c:tickLblPos val="nextTo"/>
+        <c:spPr>
+          <a:noFill/>
+          <a:ln>
+            <a:solidFill>
+              <a:schemeClr val="accent1"/>
+            </a:solidFill>
+          </a:ln>
+          <a:effectLst/>
+        </c:spPr>
+        <c:txPr>
+          <a:bodyPr rot="-60000000" spcFirstLastPara="1" vertOverflow="ellipsis" vert="horz" wrap="square" anchor="ctr" anchorCtr="1"/>
+          <a:lstStyle/>
+          <a:p>
+            <a:pPr>
+              <a:defRPr sz="1197" b="0" i="0" u="none" strike="noStrike" kern="1200" baseline="0">
+                <a:solidFill>
+                  <a:schemeClr val="tx1">
+                    <a:lumMod val="65000"/>
+                    <a:lumOff val="35000"/>
+                  </a:schemeClr>
+                </a:solidFill>
+                <a:latin typeface="+mn-lt"/>
+                <a:ea typeface="+mn-ea"/>
+                <a:cs typeface="+mn-cs"/>
+              </a:defRPr>
+            </a:pPr>
+            <a:endParaRPr lang="zh-CN"/>
+          </a:p>
+        </c:txPr>
+        <c:crossAx val="1863750031"/>
+        <c:crosses val="autoZero"/>
+        <c:crossBetween val="between"/>
+        <c:majorUnit val="20"/>
+      </c:valAx>
+      <c:spPr>
+        <a:noFill/>
+        <a:ln w="12700">
+          <a:solidFill>
+            <a:schemeClr val="accent1"/>
+          </a:solidFill>
+        </a:ln>
+        <a:effectLst/>
+      </c:spPr>
+    </c:plotArea>
+    <c:legend>
+      <c:legendPos val="b"/>
+      <c:layout>
+        <c:manualLayout>
+          <c:xMode val="edge"/>
+          <c:yMode val="edge"/>
+          <c:x val="0.21152546751968501"/>
+          <c:y val="0.94085224281174684"/>
+          <c:w val="0.50194894192913386"/>
+          <c:h val="4.5085258053318276E-2"/>
+        </c:manualLayout>
+      </c:layout>
+      <c:overlay val="0"/>
+      <c:spPr>
+        <a:noFill/>
+        <a:ln>
+          <a:noFill/>
+        </a:ln>
+        <a:effectLst/>
+      </c:spPr>
+      <c:txPr>
+        <a:bodyPr rot="0" spcFirstLastPara="1" vertOverflow="ellipsis" vert="horz" wrap="square" anchor="ctr" anchorCtr="1"/>
+        <a:lstStyle/>
+        <a:p>
+          <a:pPr>
+            <a:defRPr sz="1197" b="0" i="0" u="none" strike="noStrike" kern="1200" baseline="0">
+              <a:solidFill>
+                <a:schemeClr val="tx1">
+                  <a:lumMod val="65000"/>
+                  <a:lumOff val="35000"/>
+                </a:schemeClr>
+              </a:solidFill>
+              <a:latin typeface="+mn-lt"/>
+              <a:ea typeface="+mn-ea"/>
+              <a:cs typeface="+mn-cs"/>
+            </a:defRPr>
+          </a:pPr>
+          <a:endParaRPr lang="zh-CN"/>
+        </a:p>
+      </c:txPr>
+    </c:legend>
+    <c:plotVisOnly val="1"/>
+    <c:dispBlanksAs val="gap"/>
+    <c:extLst>
+      <c:ext xmlns:c16r3="http://schemas.microsoft.com/office/drawing/2017/03/chart" uri="{56B9EC1D-385E-4148-901F-78D8002777C0}">
+        <c16r3:dataDisplayOptions16>
+          <c16r3:dispNaAsBlank val="1"/>
+        </c16r3:dataDisplayOptions16>
+      </c:ext>
+    </c:extLst>
+    <c:showDLblsOverMax val="0"/>
+  </c:chart>
+  <c:spPr>
+    <a:noFill/>
+    <a:ln>
+      <a:noFill/>
+    </a:ln>
+    <a:effectLst/>
+  </c:spPr>
+  <c:txPr>
+    <a:bodyPr/>
+    <a:lstStyle/>
+    <a:p>
+      <a:pPr>
+        <a:defRPr/>
+      </a:pPr>
+      <a:endParaRPr lang="zh-CN"/>
+    </a:p>
+  </c:txPr>
+  <c:externalData r:id="rId3">
+    <c:autoUpdate val="0"/>
+  </c:externalData>
+</c:chartSpace>
 </file>
 
-<file path=ppt/diagrams/data1.xml><?xml version="1.0" encoding="utf-8"?>
-<dgm:dataModel xmlns:dgm="http://schemas.openxmlformats.org/drawingml/2006/diagram" xmlns:a="http://schemas.openxmlformats.org/drawingml/2006/main">
-  <dgm:ptLst>
-    <dgm:pt modelId="{5B100C0B-57F9-4419-9294-EA3F42D05BA3}" type="doc">
-      <dgm:prSet loTypeId="urn:microsoft.com/office/officeart/2005/8/layout/pyramid1#1" loCatId="pyramid" qsTypeId="urn:microsoft.com/office/officeart/2005/8/quickstyle/simple1#1" qsCatId="simple" csTypeId="urn:microsoft.com/office/officeart/2005/8/colors/accent1_2#1" csCatId="accent1" phldr="1"/>
-      <dgm:spPr/>
-    </dgm:pt>
-    <dgm:pt modelId="{4B704A55-A49A-4D01-9C18-FAB14C4782D4}">
-      <dgm:prSet phldrT="[文本]" custT="1"/>
-      <dgm:spPr>
-        <a:solidFill>
-          <a:schemeClr val="bg1"/>
-        </a:solidFill>
-        <a:ln w="25400"/>
-      </dgm:spPr>
-      <dgm:t>
-        <a:bodyPr/>
-        <a:lstStyle/>
-        <a:p>
-          <a:r>
-            <a:rPr lang="zh-CN" altLang="en-US" sz="2000" b="1" dirty="0"/>
-            <a:t>广 告</a:t>
-          </a:r>
-        </a:p>
-      </dgm:t>
-    </dgm:pt>
-    <dgm:pt modelId="{5EE34607-FC50-46F5-B7B7-1BCF6F803FE7}" type="parTrans" cxnId="{CBEF27BF-7BE4-466F-A3D2-F247723A31D2}">
-      <dgm:prSet/>
-      <dgm:spPr/>
-      <dgm:t>
-        <a:bodyPr/>
-        <a:lstStyle/>
-        <a:p>
-          <a:endParaRPr lang="zh-CN" altLang="en-US"/>
-        </a:p>
-      </dgm:t>
-    </dgm:pt>
-    <dgm:pt modelId="{31DC5AE8-F43A-4ED2-A122-1F72AA402CDF}" type="sibTrans" cxnId="{CBEF27BF-7BE4-466F-A3D2-F247723A31D2}">
-      <dgm:prSet/>
-      <dgm:spPr/>
-      <dgm:t>
-        <a:bodyPr/>
-        <a:lstStyle/>
-        <a:p>
-          <a:endParaRPr lang="zh-CN" altLang="en-US"/>
-        </a:p>
-      </dgm:t>
-    </dgm:pt>
-    <dgm:pt modelId="{BE526066-4996-4A59-89AD-5F44CBA4FEB2}">
-      <dgm:prSet phldrT="[文本]" custT="1"/>
-      <dgm:spPr>
-        <a:solidFill>
-          <a:schemeClr val="bg1"/>
-        </a:solidFill>
-        <a:ln w="25400">
-          <a:solidFill>
-            <a:schemeClr val="tx1"/>
-          </a:solidFill>
-        </a:ln>
-      </dgm:spPr>
-      <dgm:t>
-        <a:bodyPr/>
-        <a:lstStyle/>
-        <a:p>
-          <a:r>
-            <a:rPr lang="zh-CN" altLang="en-US" sz="2000" b="1" dirty="0"/>
-            <a:t>功 能</a:t>
-          </a:r>
-        </a:p>
-      </dgm:t>
-    </dgm:pt>
-    <dgm:pt modelId="{309EC555-3648-490E-B8DC-1CB10127EF0C}" type="parTrans" cxnId="{097BAAC7-0026-4784-94E3-99416F0C046A}">
-      <dgm:prSet/>
-      <dgm:spPr/>
-      <dgm:t>
-        <a:bodyPr/>
-        <a:lstStyle/>
-        <a:p>
-          <a:endParaRPr lang="zh-CN" altLang="en-US"/>
-        </a:p>
-      </dgm:t>
-    </dgm:pt>
-    <dgm:pt modelId="{4B9D801B-C84F-4545-96F8-F38EFFA3ECF7}" type="sibTrans" cxnId="{097BAAC7-0026-4784-94E3-99416F0C046A}">
-      <dgm:prSet/>
-      <dgm:spPr/>
-      <dgm:t>
-        <a:bodyPr/>
-        <a:lstStyle/>
-        <a:p>
-          <a:endParaRPr lang="zh-CN" altLang="en-US"/>
-        </a:p>
-      </dgm:t>
-    </dgm:pt>
-    <dgm:pt modelId="{A5F95D8A-18FF-42CF-9F77-4FD9B87CA18B}">
-      <dgm:prSet phldrT="[文本]" custT="1"/>
-      <dgm:spPr>
-        <a:solidFill>
-          <a:schemeClr val="bg1"/>
-        </a:solidFill>
-        <a:ln w="25400"/>
-      </dgm:spPr>
-      <dgm:t>
-        <a:bodyPr/>
-        <a:lstStyle/>
-        <a:p>
-          <a:r>
-            <a:rPr lang="zh-CN" altLang="en-US" sz="1800" b="1" dirty="0">
-              <a:latin typeface="+mn-ea"/>
-              <a:ea typeface="+mn-ea"/>
-            </a:rPr>
-            <a:t>页 面</a:t>
-          </a:r>
-        </a:p>
-      </dgm:t>
-    </dgm:pt>
-    <dgm:pt modelId="{3B121A49-A0C1-4333-BFEF-0820D85249DE}" type="parTrans" cxnId="{3C8E4620-718B-4EE1-AB31-9727691CD22C}">
-      <dgm:prSet/>
-      <dgm:spPr/>
-      <dgm:t>
-        <a:bodyPr/>
-        <a:lstStyle/>
-        <a:p>
-          <a:endParaRPr lang="zh-CN" altLang="en-US"/>
-        </a:p>
-      </dgm:t>
-    </dgm:pt>
-    <dgm:pt modelId="{799AF0ED-8478-4561-95A6-0990850F9873}" type="sibTrans" cxnId="{3C8E4620-718B-4EE1-AB31-9727691CD22C}">
-      <dgm:prSet/>
-      <dgm:spPr/>
-      <dgm:t>
-        <a:bodyPr/>
-        <a:lstStyle/>
-        <a:p>
-          <a:endParaRPr lang="zh-CN" altLang="en-US"/>
-        </a:p>
-      </dgm:t>
-    </dgm:pt>
-    <dgm:pt modelId="{B31189A2-4AA4-4514-8C04-8AF332658619}" type="pres">
-      <dgm:prSet presAssocID="{5B100C0B-57F9-4419-9294-EA3F42D05BA3}" presName="Name0" presStyleCnt="0">
-        <dgm:presLayoutVars>
-          <dgm:dir/>
-          <dgm:animLvl val="lvl"/>
-          <dgm:resizeHandles val="exact"/>
-        </dgm:presLayoutVars>
-      </dgm:prSet>
-      <dgm:spPr/>
-    </dgm:pt>
-    <dgm:pt modelId="{1ACF99F7-AB6B-4892-B61D-5812ACEE0A93}" type="pres">
-      <dgm:prSet presAssocID="{4B704A55-A49A-4D01-9C18-FAB14C4782D4}" presName="Name8" presStyleCnt="0"/>
-      <dgm:spPr/>
-    </dgm:pt>
-    <dgm:pt modelId="{EB8FA073-BAC6-4A1B-9989-9753B2AC70AB}" type="pres">
-      <dgm:prSet presAssocID="{4B704A55-A49A-4D01-9C18-FAB14C4782D4}" presName="level" presStyleLbl="node1" presStyleIdx="0" presStyleCnt="3">
-        <dgm:presLayoutVars>
-          <dgm:chMax val="1"/>
-          <dgm:bulletEnabled val="1"/>
-        </dgm:presLayoutVars>
-      </dgm:prSet>
-      <dgm:spPr/>
-    </dgm:pt>
-    <dgm:pt modelId="{07C1A8AE-C6C9-41F7-A4FB-F89EF16C69F9}" type="pres">
-      <dgm:prSet presAssocID="{4B704A55-A49A-4D01-9C18-FAB14C4782D4}" presName="levelTx" presStyleLbl="revTx" presStyleIdx="0" presStyleCnt="0">
-        <dgm:presLayoutVars>
-          <dgm:chMax val="1"/>
-          <dgm:bulletEnabled val="1"/>
-        </dgm:presLayoutVars>
-      </dgm:prSet>
-      <dgm:spPr/>
-    </dgm:pt>
-    <dgm:pt modelId="{3D0C079E-CEA6-4314-9F7A-20FE82CDCD94}" type="pres">
-      <dgm:prSet presAssocID="{BE526066-4996-4A59-89AD-5F44CBA4FEB2}" presName="Name8" presStyleCnt="0"/>
-      <dgm:spPr/>
-    </dgm:pt>
-    <dgm:pt modelId="{7DB184B8-D21B-4BF5-B622-B54FDDC65652}" type="pres">
-      <dgm:prSet presAssocID="{BE526066-4996-4A59-89AD-5F44CBA4FEB2}" presName="level" presStyleLbl="node1" presStyleIdx="1" presStyleCnt="3">
-        <dgm:presLayoutVars>
-          <dgm:chMax val="1"/>
-          <dgm:bulletEnabled val="1"/>
-        </dgm:presLayoutVars>
-      </dgm:prSet>
-      <dgm:spPr/>
-    </dgm:pt>
-    <dgm:pt modelId="{1FC87184-59B0-4BE8-B6FC-74B246A78FCA}" type="pres">
-      <dgm:prSet presAssocID="{BE526066-4996-4A59-89AD-5F44CBA4FEB2}" presName="levelTx" presStyleLbl="revTx" presStyleIdx="0" presStyleCnt="0">
-        <dgm:presLayoutVars>
-          <dgm:chMax val="1"/>
-          <dgm:bulletEnabled val="1"/>
-        </dgm:presLayoutVars>
-      </dgm:prSet>
-      <dgm:spPr/>
-    </dgm:pt>
-    <dgm:pt modelId="{34D69687-9557-4DF5-B680-E5A747645FC2}" type="pres">
-      <dgm:prSet presAssocID="{A5F95D8A-18FF-42CF-9F77-4FD9B87CA18B}" presName="Name8" presStyleCnt="0"/>
-      <dgm:spPr/>
-    </dgm:pt>
-    <dgm:pt modelId="{203C675A-4109-4200-BFF1-815A58E15384}" type="pres">
-      <dgm:prSet presAssocID="{A5F95D8A-18FF-42CF-9F77-4FD9B87CA18B}" presName="level" presStyleLbl="node1" presStyleIdx="2" presStyleCnt="3">
-        <dgm:presLayoutVars>
-          <dgm:chMax val="1"/>
-          <dgm:bulletEnabled val="1"/>
-        </dgm:presLayoutVars>
-      </dgm:prSet>
-      <dgm:spPr/>
-    </dgm:pt>
-    <dgm:pt modelId="{D3C0383D-2FC9-4BFE-9040-0C5D24DC1DAC}" type="pres">
-      <dgm:prSet presAssocID="{A5F95D8A-18FF-42CF-9F77-4FD9B87CA18B}" presName="levelTx" presStyleLbl="revTx" presStyleIdx="0" presStyleCnt="0">
-        <dgm:presLayoutVars>
-          <dgm:chMax val="1"/>
-          <dgm:bulletEnabled val="1"/>
-        </dgm:presLayoutVars>
-      </dgm:prSet>
-      <dgm:spPr/>
-    </dgm:pt>
-  </dgm:ptLst>
-  <dgm:cxnLst>
-    <dgm:cxn modelId="{3C8E4620-718B-4EE1-AB31-9727691CD22C}" srcId="{5B100C0B-57F9-4419-9294-EA3F42D05BA3}" destId="{A5F95D8A-18FF-42CF-9F77-4FD9B87CA18B}" srcOrd="2" destOrd="0" parTransId="{3B121A49-A0C1-4333-BFEF-0820D85249DE}" sibTransId="{799AF0ED-8478-4561-95A6-0990850F9873}"/>
-    <dgm:cxn modelId="{95A10933-82DC-4EF2-93B3-26A36098CB5A}" type="presOf" srcId="{4B704A55-A49A-4D01-9C18-FAB14C4782D4}" destId="{EB8FA073-BAC6-4A1B-9989-9753B2AC70AB}" srcOrd="0" destOrd="0" presId="urn:microsoft.com/office/officeart/2005/8/layout/pyramid1#1"/>
-    <dgm:cxn modelId="{7642CA84-CEDA-4AA3-9610-4F68AD3BD73C}" type="presOf" srcId="{BE526066-4996-4A59-89AD-5F44CBA4FEB2}" destId="{7DB184B8-D21B-4BF5-B622-B54FDDC65652}" srcOrd="0" destOrd="0" presId="urn:microsoft.com/office/officeart/2005/8/layout/pyramid1#1"/>
-    <dgm:cxn modelId="{5551D999-D260-42B3-8848-8797A077E460}" type="presOf" srcId="{5B100C0B-57F9-4419-9294-EA3F42D05BA3}" destId="{B31189A2-4AA4-4514-8C04-8AF332658619}" srcOrd="0" destOrd="0" presId="urn:microsoft.com/office/officeart/2005/8/layout/pyramid1#1"/>
-    <dgm:cxn modelId="{CEE1ADAE-211E-4EC7-B2CB-8D6138A9B9FF}" type="presOf" srcId="{BE526066-4996-4A59-89AD-5F44CBA4FEB2}" destId="{1FC87184-59B0-4BE8-B6FC-74B246A78FCA}" srcOrd="1" destOrd="0" presId="urn:microsoft.com/office/officeart/2005/8/layout/pyramid1#1"/>
-    <dgm:cxn modelId="{00F1EBBB-CD43-4726-80BD-4523843729DF}" type="presOf" srcId="{A5F95D8A-18FF-42CF-9F77-4FD9B87CA18B}" destId="{203C675A-4109-4200-BFF1-815A58E15384}" srcOrd="0" destOrd="0" presId="urn:microsoft.com/office/officeart/2005/8/layout/pyramid1#1"/>
-    <dgm:cxn modelId="{CBEF27BF-7BE4-466F-A3D2-F247723A31D2}" srcId="{5B100C0B-57F9-4419-9294-EA3F42D05BA3}" destId="{4B704A55-A49A-4D01-9C18-FAB14C4782D4}" srcOrd="0" destOrd="0" parTransId="{5EE34607-FC50-46F5-B7B7-1BCF6F803FE7}" sibTransId="{31DC5AE8-F43A-4ED2-A122-1F72AA402CDF}"/>
-    <dgm:cxn modelId="{76F272C0-98EE-4FA4-9BC2-AFF79BBA9545}" type="presOf" srcId="{4B704A55-A49A-4D01-9C18-FAB14C4782D4}" destId="{07C1A8AE-C6C9-41F7-A4FB-F89EF16C69F9}" srcOrd="1" destOrd="0" presId="urn:microsoft.com/office/officeart/2005/8/layout/pyramid1#1"/>
-    <dgm:cxn modelId="{097BAAC7-0026-4784-94E3-99416F0C046A}" srcId="{5B100C0B-57F9-4419-9294-EA3F42D05BA3}" destId="{BE526066-4996-4A59-89AD-5F44CBA4FEB2}" srcOrd="1" destOrd="0" parTransId="{309EC555-3648-490E-B8DC-1CB10127EF0C}" sibTransId="{4B9D801B-C84F-4545-96F8-F38EFFA3ECF7}"/>
-    <dgm:cxn modelId="{4E6334D9-2EA8-439A-9D27-87370908BC6E}" type="presOf" srcId="{A5F95D8A-18FF-42CF-9F77-4FD9B87CA18B}" destId="{D3C0383D-2FC9-4BFE-9040-0C5D24DC1DAC}" srcOrd="1" destOrd="0" presId="urn:microsoft.com/office/officeart/2005/8/layout/pyramid1#1"/>
-    <dgm:cxn modelId="{37A159D4-508D-4A58-8941-CAC36B19A9EA}" type="presParOf" srcId="{B31189A2-4AA4-4514-8C04-8AF332658619}" destId="{1ACF99F7-AB6B-4892-B61D-5812ACEE0A93}" srcOrd="0" destOrd="0" presId="urn:microsoft.com/office/officeart/2005/8/layout/pyramid1#1"/>
-    <dgm:cxn modelId="{A82395B6-38DC-45F8-BBA6-9FE161D8ED7C}" type="presParOf" srcId="{1ACF99F7-AB6B-4892-B61D-5812ACEE0A93}" destId="{EB8FA073-BAC6-4A1B-9989-9753B2AC70AB}" srcOrd="0" destOrd="0" presId="urn:microsoft.com/office/officeart/2005/8/layout/pyramid1#1"/>
-    <dgm:cxn modelId="{D9769C97-25DE-4DE0-AC90-46A9CE1755EA}" type="presParOf" srcId="{1ACF99F7-AB6B-4892-B61D-5812ACEE0A93}" destId="{07C1A8AE-C6C9-41F7-A4FB-F89EF16C69F9}" srcOrd="1" destOrd="0" presId="urn:microsoft.com/office/officeart/2005/8/layout/pyramid1#1"/>
-    <dgm:cxn modelId="{238E2862-7DBF-4E2E-A0E0-539678CA20B0}" type="presParOf" srcId="{B31189A2-4AA4-4514-8C04-8AF332658619}" destId="{3D0C079E-CEA6-4314-9F7A-20FE82CDCD94}" srcOrd="1" destOrd="0" presId="urn:microsoft.com/office/officeart/2005/8/layout/pyramid1#1"/>
-    <dgm:cxn modelId="{E5ABB5B3-5ABB-4840-988C-FE823DFC2BD2}" type="presParOf" srcId="{3D0C079E-CEA6-4314-9F7A-20FE82CDCD94}" destId="{7DB184B8-D21B-4BF5-B622-B54FDDC65652}" srcOrd="0" destOrd="0" presId="urn:microsoft.com/office/officeart/2005/8/layout/pyramid1#1"/>
-    <dgm:cxn modelId="{7B342AEC-06A2-41D1-9989-CE87390D137F}" type="presParOf" srcId="{3D0C079E-CEA6-4314-9F7A-20FE82CDCD94}" destId="{1FC87184-59B0-4BE8-B6FC-74B246A78FCA}" srcOrd="1" destOrd="0" presId="urn:microsoft.com/office/officeart/2005/8/layout/pyramid1#1"/>
-    <dgm:cxn modelId="{C01FE317-6F93-41F6-B59A-E1DB6F9FB4F0}" type="presParOf" srcId="{B31189A2-4AA4-4514-8C04-8AF332658619}" destId="{34D69687-9557-4DF5-B680-E5A747645FC2}" srcOrd="2" destOrd="0" presId="urn:microsoft.com/office/officeart/2005/8/layout/pyramid1#1"/>
-    <dgm:cxn modelId="{D94A7DC3-DCB0-4560-B66C-5B13250F1D8F}" type="presParOf" srcId="{34D69687-9557-4DF5-B680-E5A747645FC2}" destId="{203C675A-4109-4200-BFF1-815A58E15384}" srcOrd="0" destOrd="0" presId="urn:microsoft.com/office/officeart/2005/8/layout/pyramid1#1"/>
-    <dgm:cxn modelId="{987121C8-EF15-47E8-A5D6-30A500B50CC0}" type="presParOf" srcId="{34D69687-9557-4DF5-B680-E5A747645FC2}" destId="{D3C0383D-2FC9-4BFE-9040-0C5D24DC1DAC}" srcOrd="1" destOrd="0" presId="urn:microsoft.com/office/officeart/2005/8/layout/pyramid1#1"/>
-  </dgm:cxnLst>
-  <dgm:bg/>
-  <dgm:whole/>
-  <dgm:extLst>
-    <a:ext uri="http://schemas.microsoft.com/office/drawing/2008/diagram">
-      <dsp:dataModelExt xmlns:dsp="http://schemas.microsoft.com/office/drawing/2008/diagram" relId="rId7" minVer="http://schemas.openxmlformats.org/drawingml/2006/diagram"/>
-    </a:ext>
-  </dgm:extLst>
-</dgm:dataModel>
+<file path=ppt/charts/colors1.xml><?xml version="1.0" encoding="utf-8"?>
+<cs:colorStyle xmlns:cs="http://schemas.microsoft.com/office/drawing/2012/chartStyle" xmlns:a="http://schemas.openxmlformats.org/drawingml/2006/main" meth="cycle" id="10">
+  <a:schemeClr val="accent1"/>
+  <a:schemeClr val="accent2"/>
+  <a:schemeClr val="accent3"/>
+  <a:schemeClr val="accent4"/>
+  <a:schemeClr val="accent5"/>
+  <a:schemeClr val="accent6"/>
+  <cs:variation/>
+  <cs:variation>
+    <a:lumMod val="60000"/>
+  </cs:variation>
+  <cs:variation>
+    <a:lumMod val="80000"/>
+    <a:lumOff val="20000"/>
+  </cs:variation>
+  <cs:variation>
+    <a:lumMod val="80000"/>
+  </cs:variation>
+  <cs:variation>
+    <a:lumMod val="60000"/>
+    <a:lumOff val="40000"/>
+  </cs:variation>
+  <cs:variation>
+    <a:lumMod val="50000"/>
+  </cs:variation>
+  <cs:variation>
+    <a:lumMod val="70000"/>
+    <a:lumOff val="30000"/>
+  </cs:variation>
+  <cs:variation>
+    <a:lumMod val="70000"/>
+  </cs:variation>
+  <cs:variation>
+    <a:lumMod val="50000"/>
+    <a:lumOff val="50000"/>
+  </cs:variation>
+</cs:colorStyle>
 </file>
 
-<file path=ppt/diagrams/drawing1.xml><?xml version="1.0" encoding="utf-8"?>
-<dsp:drawing xmlns:dgm="http://schemas.openxmlformats.org/drawingml/2006/diagram" xmlns:dsp="http://schemas.microsoft.com/office/drawing/2008/diagram" xmlns:a="http://schemas.openxmlformats.org/drawingml/2006/main">
-  <dsp:spTree>
-    <dsp:nvGrpSpPr>
-      <dsp:cNvPr id="0" name=""/>
-      <dsp:cNvGrpSpPr/>
-    </dsp:nvGrpSpPr>
-    <dsp:grpSpPr/>
-    <dsp:sp modelId="{EB8FA073-BAC6-4A1B-9989-9753B2AC70AB}">
-      <dsp:nvSpPr>
-        <dsp:cNvPr id="0" name=""/>
-        <dsp:cNvSpPr/>
-      </dsp:nvSpPr>
-      <dsp:spPr>
-        <a:xfrm>
-          <a:off x="2126304" y="0"/>
-          <a:ext cx="2126304" cy="1343440"/>
-        </a:xfrm>
-        <a:prstGeom prst="trapezoid">
-          <a:avLst>
-            <a:gd name="adj" fmla="val 79137"/>
-          </a:avLst>
-        </a:prstGeom>
+<file path=ppt/charts/style1.xml><?xml version="1.0" encoding="utf-8"?>
+<cs:chartStyle xmlns:cs="http://schemas.microsoft.com/office/drawing/2012/chartStyle" xmlns:a="http://schemas.openxmlformats.org/drawingml/2006/main" id="201">
+  <cs:axisTitle>
+    <cs:lnRef idx="0"/>
+    <cs:fillRef idx="0"/>
+    <cs:effectRef idx="0"/>
+    <cs:fontRef idx="minor">
+      <a:schemeClr val="tx1">
+        <a:lumMod val="65000"/>
+        <a:lumOff val="35000"/>
+      </a:schemeClr>
+    </cs:fontRef>
+    <cs:defRPr sz="1330" kern="1200"/>
+  </cs:axisTitle>
+  <cs:categoryAxis>
+    <cs:lnRef idx="0"/>
+    <cs:fillRef idx="0"/>
+    <cs:effectRef idx="0"/>
+    <cs:fontRef idx="minor">
+      <a:schemeClr val="tx1">
+        <a:lumMod val="65000"/>
+        <a:lumOff val="35000"/>
+      </a:schemeClr>
+    </cs:fontRef>
+    <cs:spPr>
+      <a:ln w="9525" cap="flat" cmpd="sng" algn="ctr">
         <a:solidFill>
-          <a:schemeClr val="bg1"/>
+          <a:schemeClr val="tx1">
+            <a:lumMod val="15000"/>
+            <a:lumOff val="85000"/>
+          </a:schemeClr>
         </a:solidFill>
-        <a:ln w="25400" cap="flat" cmpd="sng" algn="ctr">
-          <a:solidFill>
-            <a:scrgbClr r="0" g="0" b="0"/>
-          </a:solidFill>
-          <a:prstDash val="solid"/>
-          <a:miter lim="800000"/>
-        </a:ln>
-        <a:effectLst/>
-      </dsp:spPr>
-      <dsp:style>
-        <a:lnRef idx="2">
-          <a:scrgbClr r="0" g="0" b="0"/>
-        </a:lnRef>
-        <a:fillRef idx="1">
-          <a:scrgbClr r="0" g="0" b="0"/>
-        </a:fillRef>
-        <a:effectRef idx="0">
-          <a:scrgbClr r="0" g="0" b="0"/>
-        </a:effectRef>
-        <a:fontRef idx="minor">
-          <a:schemeClr val="lt1"/>
-        </a:fontRef>
-      </dsp:style>
-      <dsp:txBody>
-        <a:bodyPr spcFirstLastPara="0" vert="horz" wrap="square" lIns="25400" tIns="25400" rIns="25400" bIns="25400" numCol="1" spcCol="1270" anchor="ctr" anchorCtr="0">
-          <a:noAutofit/>
-        </a:bodyPr>
-        <a:lstStyle/>
-        <a:p>
-          <a:pPr marL="0" lvl="0" indent="0" algn="ctr" defTabSz="889000">
-            <a:lnSpc>
-              <a:spcPct val="90000"/>
-            </a:lnSpc>
-            <a:spcBef>
-              <a:spcPct val="0"/>
-            </a:spcBef>
-            <a:spcAft>
-              <a:spcPct val="35000"/>
-            </a:spcAft>
-            <a:buNone/>
-          </a:pPr>
-          <a:r>
-            <a:rPr lang="zh-CN" altLang="en-US" sz="2000" b="1" kern="1200" dirty="0"/>
-            <a:t>广 告</a:t>
-          </a:r>
-        </a:p>
-      </dsp:txBody>
-      <dsp:txXfrm>
-        <a:off x="2126304" y="0"/>
-        <a:ext cx="2126304" cy="1343440"/>
-      </dsp:txXfrm>
-    </dsp:sp>
-    <dsp:sp modelId="{7DB184B8-D21B-4BF5-B622-B54FDDC65652}">
-      <dsp:nvSpPr>
-        <dsp:cNvPr id="0" name=""/>
-        <dsp:cNvSpPr/>
-      </dsp:nvSpPr>
-      <dsp:spPr>
-        <a:xfrm>
-          <a:off x="1063152" y="1343440"/>
-          <a:ext cx="4252609" cy="1343440"/>
-        </a:xfrm>
-        <a:prstGeom prst="trapezoid">
-          <a:avLst>
-            <a:gd name="adj" fmla="val 79137"/>
-          </a:avLst>
-        </a:prstGeom>
+        <a:round/>
+      </a:ln>
+    </cs:spPr>
+    <cs:defRPr sz="1197" kern="1200"/>
+  </cs:categoryAxis>
+  <cs:chartArea mods="allowNoFillOverride allowNoLineOverride">
+    <cs:lnRef idx="0"/>
+    <cs:fillRef idx="0"/>
+    <cs:effectRef idx="0"/>
+    <cs:fontRef idx="minor">
+      <a:schemeClr val="tx1"/>
+    </cs:fontRef>
+    <cs:spPr>
+      <a:solidFill>
+        <a:schemeClr val="bg1"/>
+      </a:solidFill>
+      <a:ln w="9525" cap="flat" cmpd="sng" algn="ctr">
         <a:solidFill>
-          <a:schemeClr val="bg1"/>
+          <a:schemeClr val="tx1">
+            <a:lumMod val="15000"/>
+            <a:lumOff val="85000"/>
+          </a:schemeClr>
         </a:solidFill>
-        <a:ln w="25400" cap="flat" cmpd="sng" algn="ctr">
-          <a:solidFill>
-            <a:schemeClr val="tx1"/>
-          </a:solidFill>
-          <a:prstDash val="solid"/>
-          <a:miter lim="800000"/>
-        </a:ln>
-        <a:effectLst/>
-      </dsp:spPr>
-      <dsp:style>
-        <a:lnRef idx="2">
-          <a:scrgbClr r="0" g="0" b="0"/>
-        </a:lnRef>
-        <a:fillRef idx="1">
-          <a:scrgbClr r="0" g="0" b="0"/>
-        </a:fillRef>
-        <a:effectRef idx="0">
-          <a:scrgbClr r="0" g="0" b="0"/>
-        </a:effectRef>
-        <a:fontRef idx="minor">
-          <a:schemeClr val="lt1"/>
-        </a:fontRef>
-      </dsp:style>
-      <dsp:txBody>
-        <a:bodyPr spcFirstLastPara="0" vert="horz" wrap="square" lIns="25400" tIns="25400" rIns="25400" bIns="25400" numCol="1" spcCol="1270" anchor="ctr" anchorCtr="0">
-          <a:noAutofit/>
-        </a:bodyPr>
-        <a:lstStyle/>
-        <a:p>
-          <a:pPr marL="0" lvl="0" indent="0" algn="ctr" defTabSz="889000">
-            <a:lnSpc>
-              <a:spcPct val="90000"/>
-            </a:lnSpc>
-            <a:spcBef>
-              <a:spcPct val="0"/>
-            </a:spcBef>
-            <a:spcAft>
-              <a:spcPct val="35000"/>
-            </a:spcAft>
-            <a:buNone/>
-          </a:pPr>
-          <a:r>
-            <a:rPr lang="zh-CN" altLang="en-US" sz="2000" b="1" kern="1200" dirty="0"/>
-            <a:t>功 能</a:t>
-          </a:r>
-        </a:p>
-      </dsp:txBody>
-      <dsp:txXfrm>
-        <a:off x="1807358" y="1343440"/>
-        <a:ext cx="2764196" cy="1343440"/>
-      </dsp:txXfrm>
-    </dsp:sp>
-    <dsp:sp modelId="{203C675A-4109-4200-BFF1-815A58E15384}">
-      <dsp:nvSpPr>
-        <dsp:cNvPr id="0" name=""/>
-        <dsp:cNvSpPr/>
-      </dsp:nvSpPr>
-      <dsp:spPr>
-        <a:xfrm>
-          <a:off x="0" y="2686880"/>
-          <a:ext cx="6378914" cy="1343440"/>
-        </a:xfrm>
-        <a:prstGeom prst="trapezoid">
-          <a:avLst>
-            <a:gd name="adj" fmla="val 79137"/>
-          </a:avLst>
-        </a:prstGeom>
+        <a:round/>
+      </a:ln>
+    </cs:spPr>
+    <cs:defRPr sz="1330" kern="1200"/>
+  </cs:chartArea>
+  <cs:dataLabel>
+    <cs:lnRef idx="0"/>
+    <cs:fillRef idx="0"/>
+    <cs:effectRef idx="0"/>
+    <cs:fontRef idx="minor">
+      <a:schemeClr val="tx1">
+        <a:lumMod val="75000"/>
+        <a:lumOff val="25000"/>
+      </a:schemeClr>
+    </cs:fontRef>
+    <cs:defRPr sz="1197" kern="1200"/>
+  </cs:dataLabel>
+  <cs:dataLabelCallout>
+    <cs:lnRef idx="0"/>
+    <cs:fillRef idx="0"/>
+    <cs:effectRef idx="0"/>
+    <cs:fontRef idx="minor">
+      <a:schemeClr val="dk1">
+        <a:lumMod val="65000"/>
+        <a:lumOff val="35000"/>
+      </a:schemeClr>
+    </cs:fontRef>
+    <cs:spPr>
+      <a:solidFill>
+        <a:schemeClr val="lt1"/>
+      </a:solidFill>
+      <a:ln>
         <a:solidFill>
-          <a:schemeClr val="bg1"/>
+          <a:schemeClr val="dk1">
+            <a:lumMod val="25000"/>
+            <a:lumOff val="75000"/>
+          </a:schemeClr>
         </a:solidFill>
-        <a:ln w="25400" cap="flat" cmpd="sng" algn="ctr">
-          <a:solidFill>
-            <a:scrgbClr r="0" g="0" b="0"/>
-          </a:solidFill>
-          <a:prstDash val="solid"/>
-          <a:miter lim="800000"/>
-        </a:ln>
-        <a:effectLst/>
-      </dsp:spPr>
-      <dsp:style>
-        <a:lnRef idx="2">
-          <a:scrgbClr r="0" g="0" b="0"/>
-        </a:lnRef>
-        <a:fillRef idx="1">
-          <a:scrgbClr r="0" g="0" b="0"/>
-        </a:fillRef>
-        <a:effectRef idx="0">
-          <a:scrgbClr r="0" g="0" b="0"/>
-        </a:effectRef>
-        <a:fontRef idx="minor">
-          <a:schemeClr val="lt1"/>
-        </a:fontRef>
-      </dsp:style>
-      <dsp:txBody>
-        <a:bodyPr spcFirstLastPara="0" vert="horz" wrap="square" lIns="22860" tIns="22860" rIns="22860" bIns="22860" numCol="1" spcCol="1270" anchor="ctr" anchorCtr="0">
-          <a:noAutofit/>
-        </a:bodyPr>
-        <a:lstStyle/>
-        <a:p>
-          <a:pPr marL="0" lvl="0" indent="0" algn="ctr" defTabSz="800100">
-            <a:lnSpc>
-              <a:spcPct val="90000"/>
-            </a:lnSpc>
-            <a:spcBef>
-              <a:spcPct val="0"/>
-            </a:spcBef>
-            <a:spcAft>
-              <a:spcPct val="35000"/>
-            </a:spcAft>
-            <a:buNone/>
-          </a:pPr>
-          <a:r>
-            <a:rPr lang="zh-CN" altLang="en-US" sz="1800" b="1" kern="1200" dirty="0">
-              <a:latin typeface="+mn-ea"/>
-              <a:ea typeface="+mn-ea"/>
-            </a:rPr>
-            <a:t>页 面</a:t>
-          </a:r>
-        </a:p>
-      </dsp:txBody>
-      <dsp:txXfrm>
-        <a:off x="1116309" y="2686880"/>
-        <a:ext cx="4146294" cy="1343440"/>
-      </dsp:txXfrm>
-    </dsp:sp>
-  </dsp:spTree>
-</dsp:drawing>
-</file>
-
-<file path=ppt/diagrams/layout1.xml><?xml version="1.0" encoding="utf-8"?>
-<dgm:layoutDef xmlns:dgm="http://schemas.openxmlformats.org/drawingml/2006/diagram" xmlns:a="http://schemas.openxmlformats.org/drawingml/2006/main" uniqueId="urn:microsoft.com/office/officeart/2005/8/layout/pyramid1#1">
-  <dgm:title val=""/>
-  <dgm:desc val=""/>
-  <dgm:catLst>
-    <dgm:cat type="pyramid" pri="1000"/>
-  </dgm:catLst>
-  <dgm:sampData useDef="1">
-    <dgm:dataModel>
-      <dgm:ptLst/>
-      <dgm:bg/>
-      <dgm:whole/>
-    </dgm:dataModel>
-  </dgm:sampData>
-  <dgm:styleData>
-    <dgm:dataModel>
-      <dgm:ptLst>
-        <dgm:pt modelId="0" type="doc"/>
-        <dgm:pt modelId="1"/>
-        <dgm:pt modelId="2"/>
-      </dgm:ptLst>
-      <dgm:cxnLst>
-        <dgm:cxn modelId="3" srcId="0" destId="1" srcOrd="0" destOrd="0"/>
-        <dgm:cxn modelId="4" srcId="0" destId="2" srcOrd="1" destOrd="0"/>
-      </dgm:cxnLst>
-      <dgm:bg/>
-      <dgm:whole/>
-    </dgm:dataModel>
-  </dgm:styleData>
-  <dgm:clrData>
-    <dgm:dataModel>
-      <dgm:ptLst>
-        <dgm:pt modelId="0" type="doc"/>
-        <dgm:pt modelId="1"/>
-        <dgm:pt modelId="2"/>
-        <dgm:pt modelId="3"/>
-        <dgm:pt modelId="4"/>
-      </dgm:ptLst>
-      <dgm:cxnLst>
-        <dgm:cxn modelId="5" srcId="0" destId="1" srcOrd="0" destOrd="0"/>
-        <dgm:cxn modelId="6" srcId="0" destId="2" srcOrd="1" destOrd="0"/>
-        <dgm:cxn modelId="7" srcId="0" destId="3" srcOrd="2" destOrd="0"/>
-        <dgm:cxn modelId="8" srcId="0" destId="4" srcOrd="3" destOrd="0"/>
-      </dgm:cxnLst>
-      <dgm:bg/>
-      <dgm:whole/>
-    </dgm:dataModel>
-  </dgm:clrData>
-  <dgm:layoutNode name="Name0">
-    <dgm:varLst>
-      <dgm:dir/>
-      <dgm:animLvl val="lvl"/>
-      <dgm:resizeHandles val="exact"/>
-    </dgm:varLst>
-    <dgm:choose name="Name1">
-      <dgm:if name="Name2" func="var" arg="dir" op="equ" val="norm">
-        <dgm:alg type="pyra">
-          <dgm:param type="pyraLvlNode" val="level"/>
-          <dgm:param type="pyraAcctTxNode" val="acctTx"/>
-          <dgm:param type="pyraAcctBkgdNode" val="acctBkgd"/>
-          <dgm:param type="linDir" val="fromB"/>
-          <dgm:param type="txDir" val="fromT"/>
-          <dgm:param type="pyraAcctPos" val="aft"/>
-          <dgm:param type="pyraAcctTxMar" val="step"/>
-        </dgm:alg>
-      </dgm:if>
-      <dgm:else name="Name3">
-        <dgm:alg type="pyra">
-          <dgm:param type="pyraLvlNode" val="level"/>
-          <dgm:param type="pyraAcctTxNode" val="acctTx"/>
-          <dgm:param type="pyraAcctBkgdNode" val="acctBkgd"/>
-          <dgm:param type="linDir" val="fromB"/>
-          <dgm:param type="txDir" val="fromT"/>
-          <dgm:param type="pyraAcctPos" val="bef"/>
-          <dgm:param type="pyraAcctTxMar" val="step"/>
-        </dgm:alg>
-      </dgm:else>
-    </dgm:choose>
-    <dgm:shape xmlns:r="http://schemas.openxmlformats.org/officeDocument/2006/relationships" r:blip="">
-      <dgm:adjLst/>
-    </dgm:shape>
-    <dgm:presOf/>
-    <dgm:choose name="Name4">
-      <dgm:if name="Name5" axis="root des" ptType="all node" func="maxDepth" op="gte" val="2">
-        <dgm:constrLst>
-          <dgm:constr type="primFontSz" for="des" forName="levelTx" op="equ"/>
-          <dgm:constr type="secFontSz" for="des" forName="acctTx" op="equ"/>
-          <dgm:constr type="pyraAcctRatio" val="0.32"/>
-        </dgm:constrLst>
-      </dgm:if>
-      <dgm:else name="Name6">
-        <dgm:constrLst>
-          <dgm:constr type="primFontSz" for="des" forName="levelTx" op="equ"/>
-          <dgm:constr type="secFontSz" for="des" forName="acctTx" op="equ"/>
-          <dgm:constr type="pyraAcctRatio"/>
-        </dgm:constrLst>
-      </dgm:else>
-    </dgm:choose>
-    <dgm:ruleLst/>
-    <dgm:forEach name="Name7" axis="ch" ptType="node">
-      <dgm:layoutNode name="Name8">
-        <dgm:alg type="composite">
-          <dgm:param type="horzAlign" val="none"/>
-        </dgm:alg>
-        <dgm:shape xmlns:r="http://schemas.openxmlformats.org/officeDocument/2006/relationships" r:blip="">
-          <dgm:adjLst/>
-        </dgm:shape>
-        <dgm:presOf/>
-        <dgm:choose name="Name9">
-          <dgm:if name="Name10" axis="self" ptType="node" func="pos" op="equ" val="1">
-            <dgm:constrLst>
-              <dgm:constr type="ctrX" for="ch" forName="acctBkgd" val="1"/>
-              <dgm:constr type="ctrY" for="ch" forName="acctBkgd" val="1"/>
-              <dgm:constr type="w" for="ch" forName="acctBkgd" val="1"/>
-              <dgm:constr type="h" for="ch" forName="acctBkgd" val="1"/>
-              <dgm:constr type="ctrX" for="ch" forName="acctTx" val="1"/>
-              <dgm:constr type="ctrY" for="ch" forName="acctTx" val="1"/>
-              <dgm:constr type="w" for="ch" forName="acctTx" val="1"/>
-              <dgm:constr type="h" for="ch" forName="acctTx" val="1"/>
-              <dgm:constr type="ctrX" for="ch" forName="level" val="1"/>
-              <dgm:constr type="ctrY" for="ch" forName="level" val="1"/>
-              <dgm:constr type="w" for="ch" forName="level" val="1"/>
-              <dgm:constr type="h" for="ch" forName="level" val="1"/>
-              <dgm:constr type="ctrX" for="ch" forName="levelTx" refType="ctrX" refFor="ch" refForName="level"/>
-              <dgm:constr type="ctrY" for="ch" forName="levelTx" refType="ctrY" refFor="ch" refForName="level"/>
-              <dgm:constr type="w" for="ch" forName="levelTx" refType="w" refFor="ch" refForName="level"/>
-              <dgm:constr type="h" for="ch" forName="levelTx" refType="h" refFor="ch" refForName="level"/>
-            </dgm:constrLst>
-          </dgm:if>
-          <dgm:else name="Name11">
-            <dgm:constrLst>
-              <dgm:constr type="ctrX" for="ch" forName="acctBkgd" val="1"/>
-              <dgm:constr type="ctrY" for="ch" forName="acctBkgd" val="1"/>
-              <dgm:constr type="w" for="ch" forName="acctBkgd" val="1"/>
-              <dgm:constr type="h" for="ch" forName="acctBkgd" val="1"/>
-              <dgm:constr type="ctrX" for="ch" forName="acctTx" val="1"/>
-              <dgm:constr type="ctrY" for="ch" forName="acctTx" val="1"/>
-              <dgm:constr type="w" for="ch" forName="acctTx" val="1"/>
-              <dgm:constr type="h" for="ch" forName="acctTx" val="1"/>
-              <dgm:constr type="ctrX" for="ch" forName="level" val="1"/>
-              <dgm:constr type="ctrY" for="ch" forName="level" val="1"/>
-              <dgm:constr type="w" for="ch" forName="level" val="1"/>
-              <dgm:constr type="h" for="ch" forName="level" val="1"/>
-              <dgm:constr type="ctrX" for="ch" forName="levelTx" refType="ctrX" refFor="ch" refForName="level"/>
-              <dgm:constr type="ctrY" for="ch" forName="levelTx" refType="ctrY" refFor="ch" refForName="level"/>
-              <dgm:constr type="w" for="ch" forName="levelTx" refType="w" refFor="ch" refForName="level" fact="0.65"/>
-              <dgm:constr type="h" for="ch" forName="levelTx" refType="h" refFor="ch" refForName="level"/>
-            </dgm:constrLst>
-          </dgm:else>
-        </dgm:choose>
-        <dgm:ruleLst/>
-        <dgm:choose name="Name12">
-          <dgm:if name="Name13" axis="ch" ptType="node" func="cnt" op="gte" val="1">
-            <dgm:layoutNode name="acctBkgd" styleLbl="alignAcc1">
-              <dgm:alg type="sp"/>
-              <dgm:shape xmlns:r="http://schemas.openxmlformats.org/officeDocument/2006/relationships" type="nonIsoscelesTrapezoid" r:blip="">
-                <dgm:adjLst/>
-              </dgm:shape>
-              <dgm:presOf axis="des" ptType="node"/>
-              <dgm:constrLst/>
-              <dgm:ruleLst/>
-            </dgm:layoutNode>
-            <dgm:layoutNode name="acctTx" styleLbl="alignAcc1">
-              <dgm:varLst>
-                <dgm:bulletEnabled val="1"/>
-              </dgm:varLst>
-              <dgm:alg type="tx">
-                <dgm:param type="stBulletLvl" val="1"/>
-                <dgm:param type="txAnchorVertCh" val="mid"/>
-              </dgm:alg>
-              <dgm:shape xmlns:r="http://schemas.openxmlformats.org/officeDocument/2006/relationships" type="nonIsoscelesTrapezoid" r:blip="" hideGeom="1">
-                <dgm:adjLst/>
-              </dgm:shape>
-              <dgm:presOf axis="des" ptType="node"/>
-              <dgm:constrLst>
-                <dgm:constr type="secFontSz" val="65"/>
-                <dgm:constr type="primFontSz" refType="secFontSz"/>
-                <dgm:constr type="tMarg" refType="secFontSz" fact="0.3"/>
-                <dgm:constr type="bMarg" refType="secFontSz" fact="0.3"/>
-                <dgm:constr type="lMarg" refType="secFontSz" fact="0.3"/>
-                <dgm:constr type="rMarg" refType="secFontSz" fact="0.3"/>
-              </dgm:constrLst>
-              <dgm:ruleLst>
-                <dgm:rule type="secFontSz" val="5" fact="NaN" max="NaN"/>
-              </dgm:ruleLst>
-            </dgm:layoutNode>
-          </dgm:if>
-          <dgm:else name="Name14"/>
-        </dgm:choose>
-        <dgm:layoutNode name="level">
-          <dgm:varLst>
-            <dgm:chMax val="1"/>
-            <dgm:bulletEnabled val="1"/>
-          </dgm:varLst>
-          <dgm:alg type="sp"/>
-          <dgm:shape xmlns:r="http://schemas.openxmlformats.org/officeDocument/2006/relationships" type="trapezoid" r:blip="">
-            <dgm:adjLst/>
-          </dgm:shape>
-          <dgm:presOf axis="self"/>
-          <dgm:constrLst>
-            <dgm:constr type="h" val="500"/>
-            <dgm:constr type="w" val="1"/>
-          </dgm:constrLst>
-          <dgm:ruleLst/>
-        </dgm:layoutNode>
-        <dgm:layoutNode name="levelTx" styleLbl="revTx">
-          <dgm:varLst>
-            <dgm:chMax val="1"/>
-            <dgm:bulletEnabled val="1"/>
-          </dgm:varLst>
-          <dgm:alg type="tx"/>
-          <dgm:shape xmlns:r="http://schemas.openxmlformats.org/officeDocument/2006/relationships" type="rect" r:blip="" hideGeom="1">
-            <dgm:adjLst/>
-          </dgm:shape>
-          <dgm:presOf axis="self"/>
-          <dgm:constrLst>
-            <dgm:constr type="tMarg" refType="primFontSz" fact="0.1"/>
-            <dgm:constr type="bMarg" refType="primFontSz" fact="0.1"/>
-            <dgm:constr type="lMarg" refType="primFontSz" fact="0.1"/>
-            <dgm:constr type="rMarg" refType="primFontSz" fact="0.1"/>
-            <dgm:constr type="primFontSz" val="65"/>
-          </dgm:constrLst>
-          <dgm:ruleLst>
-            <dgm:rule type="primFontSz" val="5" fact="NaN" max="NaN"/>
-          </dgm:ruleLst>
-        </dgm:layoutNode>
-      </dgm:layoutNode>
-    </dgm:forEach>
-  </dgm:layoutNode>
-</dgm:layoutDef>
-</file>
-
-<file path=ppt/diagrams/quickStyle1.xml><?xml version="1.0" encoding="utf-8"?>
-<dgm:styleDef xmlns:dgm="http://schemas.openxmlformats.org/drawingml/2006/diagram" xmlns:a="http://schemas.openxmlformats.org/drawingml/2006/main" uniqueId="urn:microsoft.com/office/officeart/2005/8/quickstyle/simple1#1">
-  <dgm:title val=""/>
-  <dgm:desc val=""/>
-  <dgm:catLst>
-    <dgm:cat type="simple" pri="10100"/>
-  </dgm:catLst>
-  <dgm:scene3d>
-    <a:camera prst="orthographicFront"/>
-    <a:lightRig rig="threePt" dir="t"/>
-  </dgm:scene3d>
-  <dgm:styleLbl name="alignAcc1">
-    <dgm:scene3d>
-      <a:camera prst="orthographicFront"/>
-      <a:lightRig rig="threePt" dir="t"/>
-    </dgm:scene3d>
-    <dgm:sp3d/>
-    <dgm:txPr/>
-    <dgm:style>
-      <a:lnRef idx="2">
-        <a:scrgbClr r="0" g="0" b="0"/>
-      </a:lnRef>
-      <a:fillRef idx="1">
-        <a:scrgbClr r="0" g="0" b="0"/>
-      </a:fillRef>
-      <a:effectRef idx="0">
-        <a:scrgbClr r="0" g="0" b="0"/>
-      </a:effectRef>
-      <a:fontRef idx="minor"/>
-    </dgm:style>
-  </dgm:styleLbl>
-  <dgm:styleLbl name="alignAccFollowNode1">
-    <dgm:scene3d>
-      <a:camera prst="orthographicFront"/>
-      <a:lightRig rig="threePt" dir="t"/>
-    </dgm:scene3d>
-    <dgm:sp3d/>
-    <dgm:txPr/>
-    <dgm:style>
-      <a:lnRef idx="2">
-        <a:scrgbClr r="0" g="0" b="0"/>
-      </a:lnRef>
-      <a:fillRef idx="1">
-        <a:scrgbClr r="0" g="0" b="0"/>
-      </a:fillRef>
-      <a:effectRef idx="0">
-        <a:scrgbClr r="0" g="0" b="0"/>
-      </a:effectRef>
-      <a:fontRef idx="minor"/>
-    </dgm:style>
-  </dgm:styleLbl>
-  <dgm:styleLbl name="alignImgPlace1">
-    <dgm:scene3d>
-      <a:camera prst="orthographicFront"/>
-      <a:lightRig rig="threePt" dir="t"/>
-    </dgm:scene3d>
-    <dgm:sp3d/>
-    <dgm:txPr/>
-    <dgm:style>
-      <a:lnRef idx="2">
-        <a:scrgbClr r="0" g="0" b="0"/>
-      </a:lnRef>
-      <a:fillRef idx="1">
-        <a:scrgbClr r="0" g="0" b="0"/>
-      </a:fillRef>
-      <a:effectRef idx="0">
-        <a:scrgbClr r="0" g="0" b="0"/>
-      </a:effectRef>
-      <a:fontRef idx="minor"/>
-    </dgm:style>
-  </dgm:styleLbl>
-  <dgm:styleLbl name="alignNode1">
-    <dgm:scene3d>
-      <a:camera prst="orthographicFront"/>
-      <a:lightRig rig="threePt" dir="t"/>
-    </dgm:scene3d>
-    <dgm:sp3d/>
-    <dgm:txPr/>
-    <dgm:style>
-      <a:lnRef idx="2">
-        <a:scrgbClr r="0" g="0" b="0"/>
-      </a:lnRef>
-      <a:fillRef idx="1">
-        <a:scrgbClr r="0" g="0" b="0"/>
-      </a:fillRef>
-      <a:effectRef idx="0">
-        <a:scrgbClr r="0" g="0" b="0"/>
-      </a:effectRef>
-      <a:fontRef idx="minor">
+      </a:ln>
+    </cs:spPr>
+    <cs:defRPr sz="1197" kern="1200"/>
+    <cs:bodyPr rot="0" spcFirstLastPara="1" vertOverflow="clip" horzOverflow="clip" vert="horz" wrap="square" lIns="36576" tIns="18288" rIns="36576" bIns="18288" anchor="ctr" anchorCtr="1">
+      <a:spAutoFit/>
+    </cs:bodyPr>
+  </cs:dataLabelCallout>
+  <cs:dataPoint>
+    <cs:lnRef idx="0"/>
+    <cs:fillRef idx="1">
+      <cs:styleClr val="auto"/>
+    </cs:fillRef>
+    <cs:effectRef idx="0"/>
+    <cs:fontRef idx="minor">
+      <a:schemeClr val="tx1"/>
+    </cs:fontRef>
+  </cs:dataPoint>
+  <cs:dataPoint3D>
+    <cs:lnRef idx="0"/>
+    <cs:fillRef idx="1">
+      <cs:styleClr val="auto"/>
+    </cs:fillRef>
+    <cs:effectRef idx="0"/>
+    <cs:fontRef idx="minor">
+      <a:schemeClr val="tx1"/>
+    </cs:fontRef>
+  </cs:dataPoint3D>
+  <cs:dataPointLine>
+    <cs:lnRef idx="0">
+      <cs:styleClr val="auto"/>
+    </cs:lnRef>
+    <cs:fillRef idx="1"/>
+    <cs:effectRef idx="0"/>
+    <cs:fontRef idx="minor">
+      <a:schemeClr val="tx1"/>
+    </cs:fontRef>
+    <cs:spPr>
+      <a:ln w="28575" cap="rnd">
+        <a:solidFill>
+          <a:schemeClr val="phClr"/>
+        </a:solidFill>
+        <a:round/>
+      </a:ln>
+    </cs:spPr>
+  </cs:dataPointLine>
+  <cs:dataPointMarker>
+    <cs:lnRef idx="0">
+      <cs:styleClr val="auto"/>
+    </cs:lnRef>
+    <cs:fillRef idx="1">
+      <cs:styleClr val="auto"/>
+    </cs:fillRef>
+    <cs:effectRef idx="0"/>
+    <cs:fontRef idx="minor">
+      <a:schemeClr val="tx1"/>
+    </cs:fontRef>
+    <cs:spPr>
+      <a:ln w="9525">
+        <a:solidFill>
+          <a:schemeClr val="phClr"/>
+        </a:solidFill>
+      </a:ln>
+    </cs:spPr>
+  </cs:dataPointMarker>
+  <cs:dataPointMarkerLayout symbol="circle" size="5"/>
+  <cs:dataPointWireframe>
+    <cs:lnRef idx="0">
+      <cs:styleClr val="auto"/>
+    </cs:lnRef>
+    <cs:fillRef idx="1"/>
+    <cs:effectRef idx="0"/>
+    <cs:fontRef idx="minor">
+      <a:schemeClr val="tx1"/>
+    </cs:fontRef>
+    <cs:spPr>
+      <a:ln w="9525" cap="rnd">
+        <a:solidFill>
+          <a:schemeClr val="phClr"/>
+        </a:solidFill>
+        <a:round/>
+      </a:ln>
+    </cs:spPr>
+  </cs:dataPointWireframe>
+  <cs:dataTable>
+    <cs:lnRef idx="0"/>
+    <cs:fillRef idx="0"/>
+    <cs:effectRef idx="0"/>
+    <cs:fontRef idx="minor">
+      <a:schemeClr val="tx1">
+        <a:lumMod val="65000"/>
+        <a:lumOff val="35000"/>
+      </a:schemeClr>
+    </cs:fontRef>
+    <cs:spPr>
+      <a:noFill/>
+      <a:ln w="9525" cap="flat" cmpd="sng" algn="ctr">
+        <a:solidFill>
+          <a:schemeClr val="tx1">
+            <a:lumMod val="15000"/>
+            <a:lumOff val="85000"/>
+          </a:schemeClr>
+        </a:solidFill>
+        <a:round/>
+      </a:ln>
+    </cs:spPr>
+    <cs:defRPr sz="1197" kern="1200"/>
+  </cs:dataTable>
+  <cs:downBar>
+    <cs:lnRef idx="0"/>
+    <cs:fillRef idx="0"/>
+    <cs:effectRef idx="0"/>
+    <cs:fontRef idx="minor">
+      <a:schemeClr val="dk1"/>
+    </cs:fontRef>
+    <cs:spPr>
+      <a:solidFill>
+        <a:schemeClr val="dk1">
+          <a:lumMod val="65000"/>
+          <a:lumOff val="35000"/>
+        </a:schemeClr>
+      </a:solidFill>
+      <a:ln w="9525">
+        <a:solidFill>
+          <a:schemeClr val="tx1">
+            <a:lumMod val="65000"/>
+            <a:lumOff val="35000"/>
+          </a:schemeClr>
+        </a:solidFill>
+      </a:ln>
+    </cs:spPr>
+  </cs:downBar>
+  <cs:dropLine>
+    <cs:lnRef idx="0"/>
+    <cs:fillRef idx="0"/>
+    <cs:effectRef idx="0"/>
+    <cs:fontRef idx="minor">
+      <a:schemeClr val="tx1"/>
+    </cs:fontRef>
+    <cs:spPr>
+      <a:ln w="9525" cap="flat" cmpd="sng" algn="ctr">
+        <a:solidFill>
+          <a:schemeClr val="tx1">
+            <a:lumMod val="35000"/>
+            <a:lumOff val="65000"/>
+          </a:schemeClr>
+        </a:solidFill>
+        <a:round/>
+      </a:ln>
+    </cs:spPr>
+  </cs:dropLine>
+  <cs:errorBar>
+    <cs:lnRef idx="0"/>
+    <cs:fillRef idx="0"/>
+    <cs:effectRef idx="0"/>
+    <cs:fontRef idx="minor">
+      <a:schemeClr val="tx1"/>
+    </cs:fontRef>
+    <cs:spPr>
+      <a:ln w="9525" cap="flat" cmpd="sng" algn="ctr">
+        <a:solidFill>
+          <a:schemeClr val="tx1">
+            <a:lumMod val="65000"/>
+            <a:lumOff val="35000"/>
+          </a:schemeClr>
+        </a:solidFill>
+        <a:round/>
+      </a:ln>
+    </cs:spPr>
+  </cs:errorBar>
+  <cs:floor>
+    <cs:lnRef idx="0"/>
+    <cs:fillRef idx="0"/>
+    <cs:effectRef idx="0"/>
+    <cs:fontRef idx="minor">
+      <a:schemeClr val="tx1"/>
+    </cs:fontRef>
+    <cs:spPr>
+      <a:noFill/>
+      <a:ln>
+        <a:noFill/>
+      </a:ln>
+    </cs:spPr>
+  </cs:floor>
+  <cs:gridlineMajor>
+    <cs:lnRef idx="0"/>
+    <cs:fillRef idx="0"/>
+    <cs:effectRef idx="0"/>
+    <cs:fontRef idx="minor">
+      <a:schemeClr val="tx1"/>
+    </cs:fontRef>
+    <cs:spPr>
+      <a:ln w="9525" cap="flat" cmpd="sng" algn="ctr">
+        <a:solidFill>
+          <a:schemeClr val="tx1">
+            <a:lumMod val="15000"/>
+            <a:lumOff val="85000"/>
+          </a:schemeClr>
+        </a:solidFill>
+        <a:round/>
+      </a:ln>
+    </cs:spPr>
+  </cs:gridlineMajor>
+  <cs:gridlineMinor>
+    <cs:lnRef idx="0"/>
+    <cs:fillRef idx="0"/>
+    <cs:effectRef idx="0"/>
+    <cs:fontRef idx="minor">
+      <a:schemeClr val="tx1"/>
+    </cs:fontRef>
+    <cs:spPr>
+      <a:ln w="9525" cap="flat" cmpd="sng" algn="ctr">
+        <a:solidFill>
+          <a:schemeClr val="tx1">
+            <a:lumMod val="5000"/>
+            <a:lumOff val="95000"/>
+          </a:schemeClr>
+        </a:solidFill>
+        <a:round/>
+      </a:ln>
+    </cs:spPr>
+  </cs:gridlineMinor>
+  <cs:hiLoLine>
+    <cs:lnRef idx="0"/>
+    <cs:fillRef idx="0"/>
+    <cs:effectRef idx="0"/>
+    <cs:fontRef idx="minor">
+      <a:schemeClr val="tx1"/>
+    </cs:fontRef>
+    <cs:spPr>
+      <a:ln w="9525" cap="flat" cmpd="sng" algn="ctr">
+        <a:solidFill>
+          <a:schemeClr val="tx1">
+            <a:lumMod val="75000"/>
+            <a:lumOff val="25000"/>
+          </a:schemeClr>
+        </a:solidFill>
+        <a:round/>
+      </a:ln>
+    </cs:spPr>
+  </cs:hiLoLine>
+  <cs:leaderLine>
+    <cs:lnRef idx="0"/>
+    <cs:fillRef idx="0"/>
+    <cs:effectRef idx="0"/>
+    <cs:fontRef idx="minor">
+      <a:schemeClr val="tx1"/>
+    </cs:fontRef>
+    <cs:spPr>
+      <a:ln w="9525" cap="flat" cmpd="sng" algn="ctr">
+        <a:solidFill>
+          <a:schemeClr val="tx1">
+            <a:lumMod val="35000"/>
+            <a:lumOff val="65000"/>
+          </a:schemeClr>
+        </a:solidFill>
+        <a:round/>
+      </a:ln>
+    </cs:spPr>
+  </cs:leaderLine>
+  <cs:legend>
+    <cs:lnRef idx="0"/>
+    <cs:fillRef idx="0"/>
+    <cs:effectRef idx="0"/>
+    <cs:fontRef idx="minor">
+      <a:schemeClr val="tx1">
+        <a:lumMod val="65000"/>
+        <a:lumOff val="35000"/>
+      </a:schemeClr>
+    </cs:fontRef>
+    <cs:defRPr sz="1197" kern="1200"/>
+  </cs:legend>
+  <cs:plotArea mods="allowNoFillOverride allowNoLineOverride">
+    <cs:lnRef idx="0"/>
+    <cs:fillRef idx="0"/>
+    <cs:effectRef idx="0"/>
+    <cs:fontRef idx="minor">
+      <a:schemeClr val="tx1"/>
+    </cs:fontRef>
+  </cs:plotArea>
+  <cs:plotArea3D mods="allowNoFillOverride allowNoLineOverride">
+    <cs:lnRef idx="0"/>
+    <cs:fillRef idx="0"/>
+    <cs:effectRef idx="0"/>
+    <cs:fontRef idx="minor">
+      <a:schemeClr val="tx1"/>
+    </cs:fontRef>
+  </cs:plotArea3D>
+  <cs:seriesAxis>
+    <cs:lnRef idx="0"/>
+    <cs:fillRef idx="0"/>
+    <cs:effectRef idx="0"/>
+    <cs:fontRef idx="minor">
+      <a:schemeClr val="tx1">
+        <a:lumMod val="65000"/>
+        <a:lumOff val="35000"/>
+      </a:schemeClr>
+    </cs:fontRef>
+    <cs:defRPr sz="1197" kern="1200"/>
+  </cs:seriesAxis>
+  <cs:seriesLine>
+    <cs:lnRef idx="0"/>
+    <cs:fillRef idx="0"/>
+    <cs:effectRef idx="0"/>
+    <cs:fontRef idx="minor">
+      <a:schemeClr val="tx1"/>
+    </cs:fontRef>
+    <cs:spPr>
+      <a:ln w="9525" cap="flat" cmpd="sng" algn="ctr">
+        <a:solidFill>
+          <a:schemeClr val="tx1">
+            <a:lumMod val="35000"/>
+            <a:lumOff val="65000"/>
+          </a:schemeClr>
+        </a:solidFill>
+        <a:round/>
+      </a:ln>
+    </cs:spPr>
+  </cs:seriesLine>
+  <cs:title>
+    <cs:lnRef idx="0"/>
+    <cs:fillRef idx="0"/>
+    <cs:effectRef idx="0"/>
+    <cs:fontRef idx="minor">
+      <a:schemeClr val="tx1">
+        <a:lumMod val="65000"/>
+        <a:lumOff val="35000"/>
+      </a:schemeClr>
+    </cs:fontRef>
+    <cs:defRPr sz="1862" b="0" kern="1200" spc="0" baseline="0"/>
+  </cs:title>
+  <cs:trendline>
+    <cs:lnRef idx="0">
+      <cs:styleClr val="auto"/>
+    </cs:lnRef>
+    <cs:fillRef idx="0"/>
+    <cs:effectRef idx="0"/>
+    <cs:fontRef idx="minor">
+      <a:schemeClr val="tx1"/>
+    </cs:fontRef>
+    <cs:spPr>
+      <a:ln w="19050" cap="rnd">
+        <a:solidFill>
+          <a:schemeClr val="phClr"/>
+        </a:solidFill>
+        <a:prstDash val="sysDot"/>
+      </a:ln>
+    </cs:spPr>
+  </cs:trendline>
+  <cs:trendlineLabel>
+    <cs:lnRef idx="0"/>
+    <cs:fillRef idx="0"/>
+    <cs:effectRef idx="0"/>
+    <cs:fontRef idx="minor">
+      <a:schemeClr val="tx1">
+        <a:lumMod val="65000"/>
+        <a:lumOff val="35000"/>
+      </a:schemeClr>
+    </cs:fontRef>
+    <cs:defRPr sz="1197" kern="1200"/>
+  </cs:trendlineLabel>
+  <cs:upBar>
+    <cs:lnRef idx="0"/>
+    <cs:fillRef idx="0"/>
+    <cs:effectRef idx="0"/>
+    <cs:fontRef idx="minor">
+      <a:schemeClr val="dk1"/>
+    </cs:fontRef>
+    <cs:spPr>
+      <a:solidFill>
         <a:schemeClr val="lt1"/>
-      </a:fontRef>
-    </dgm:style>
-  </dgm:styleLbl>
-  <dgm:styleLbl name="asst0">
-    <dgm:scene3d>
-      <a:camera prst="orthographicFront"/>
-      <a:lightRig rig="threePt" dir="t"/>
-    </dgm:scene3d>
-    <dgm:sp3d/>
-    <dgm:txPr/>
-    <dgm:style>
-      <a:lnRef idx="2">
-        <a:scrgbClr r="0" g="0" b="0"/>
-      </a:lnRef>
-      <a:fillRef idx="1">
-        <a:scrgbClr r="0" g="0" b="0"/>
-      </a:fillRef>
-      <a:effectRef idx="0">
-        <a:scrgbClr r="0" g="0" b="0"/>
-      </a:effectRef>
-      <a:fontRef idx="minor">
-        <a:schemeClr val="lt1"/>
-      </a:fontRef>
-    </dgm:style>
-  </dgm:styleLbl>
-  <dgm:styleLbl name="asst1">
-    <dgm:scene3d>
-      <a:camera prst="orthographicFront"/>
-      <a:lightRig rig="threePt" dir="t"/>
-    </dgm:scene3d>
-    <dgm:sp3d/>
-    <dgm:txPr/>
-    <dgm:style>
-      <a:lnRef idx="2">
-        <a:scrgbClr r="0" g="0" b="0"/>
-      </a:lnRef>
-      <a:fillRef idx="1">
-        <a:scrgbClr r="0" g="0" b="0"/>
-      </a:fillRef>
-      <a:effectRef idx="0">
-        <a:scrgbClr r="0" g="0" b="0"/>
-      </a:effectRef>
-      <a:fontRef idx="minor">
-        <a:schemeClr val="lt1"/>
-      </a:fontRef>
-    </dgm:style>
-  </dgm:styleLbl>
-  <dgm:styleLbl name="asst2">
-    <dgm:scene3d>
-      <a:camera prst="orthographicFront"/>
-      <a:lightRig rig="threePt" dir="t"/>
-    </dgm:scene3d>
-    <dgm:sp3d/>
-    <dgm:txPr/>
-    <dgm:style>
-      <a:lnRef idx="2">
-        <a:scrgbClr r="0" g="0" b="0"/>
-      </a:lnRef>
-      <a:fillRef idx="1">
-        <a:scrgbClr r="0" g="0" b="0"/>
-      </a:fillRef>
-      <a:effectRef idx="0">
-        <a:scrgbClr r="0" g="0" b="0"/>
-      </a:effectRef>
-      <a:fontRef idx="minor">
-        <a:schemeClr val="lt1"/>
-      </a:fontRef>
-    </dgm:style>
-  </dgm:styleLbl>
-  <dgm:styleLbl name="asst3">
-    <dgm:scene3d>
-      <a:camera prst="orthographicFront"/>
-      <a:lightRig rig="threePt" dir="t"/>
-    </dgm:scene3d>
-    <dgm:sp3d/>
-    <dgm:txPr/>
-    <dgm:style>
-      <a:lnRef idx="2">
-        <a:scrgbClr r="0" g="0" b="0"/>
-      </a:lnRef>
-      <a:fillRef idx="1">
-        <a:scrgbClr r="0" g="0" b="0"/>
-      </a:fillRef>
-      <a:effectRef idx="0">
-        <a:scrgbClr r="0" g="0" b="0"/>
-      </a:effectRef>
-      <a:fontRef idx="minor">
-        <a:schemeClr val="lt1"/>
-      </a:fontRef>
-    </dgm:style>
-  </dgm:styleLbl>
-  <dgm:styleLbl name="asst4">
-    <dgm:scene3d>
-      <a:camera prst="orthographicFront"/>
-      <a:lightRig rig="threePt" dir="t"/>
-    </dgm:scene3d>
-    <dgm:sp3d/>
-    <dgm:txPr/>
-    <dgm:style>
-      <a:lnRef idx="2">
-        <a:scrgbClr r="0" g="0" b="0"/>
-      </a:lnRef>
-      <a:fillRef idx="1">
-        <a:scrgbClr r="0" g="0" b="0"/>
-      </a:fillRef>
-      <a:effectRef idx="0">
-        <a:scrgbClr r="0" g="0" b="0"/>
-      </a:effectRef>
-      <a:fontRef idx="minor">
-        <a:schemeClr val="lt1"/>
-      </a:fontRef>
-    </dgm:style>
-  </dgm:styleLbl>
-  <dgm:styleLbl name="bgAcc1">
-    <dgm:scene3d>
-      <a:camera prst="orthographicFront"/>
-      <a:lightRig rig="threePt" dir="t"/>
-    </dgm:scene3d>
-    <dgm:sp3d/>
-    <dgm:txPr/>
-    <dgm:style>
-      <a:lnRef idx="2">
-        <a:scrgbClr r="0" g="0" b="0"/>
-      </a:lnRef>
-      <a:fillRef idx="1">
-        <a:scrgbClr r="0" g="0" b="0"/>
-      </a:fillRef>
-      <a:effectRef idx="0">
-        <a:scrgbClr r="0" g="0" b="0"/>
-      </a:effectRef>
-      <a:fontRef idx="minor"/>
-    </dgm:style>
-  </dgm:styleLbl>
-  <dgm:styleLbl name="bgAccFollowNode1">
-    <dgm:scene3d>
-      <a:camera prst="orthographicFront"/>
-      <a:lightRig rig="threePt" dir="t"/>
-    </dgm:scene3d>
-    <dgm:sp3d/>
-    <dgm:txPr/>
-    <dgm:style>
-      <a:lnRef idx="2">
-        <a:scrgbClr r="0" g="0" b="0"/>
-      </a:lnRef>
-      <a:fillRef idx="1">
-        <a:scrgbClr r="0" g="0" b="0"/>
-      </a:fillRef>
-      <a:effectRef idx="0">
-        <a:scrgbClr r="0" g="0" b="0"/>
-      </a:effectRef>
-      <a:fontRef idx="minor"/>
-    </dgm:style>
-  </dgm:styleLbl>
-  <dgm:styleLbl name="bgImgPlace1">
-    <dgm:scene3d>
-      <a:camera prst="orthographicFront"/>
-      <a:lightRig rig="threePt" dir="t"/>
-    </dgm:scene3d>
-    <dgm:sp3d/>
-    <dgm:txPr/>
-    <dgm:style>
-      <a:lnRef idx="2">
-        <a:scrgbClr r="0" g="0" b="0"/>
-      </a:lnRef>
-      <a:fillRef idx="1">
-        <a:scrgbClr r="0" g="0" b="0"/>
-      </a:fillRef>
-      <a:effectRef idx="0">
-        <a:scrgbClr r="0" g="0" b="0"/>
-      </a:effectRef>
-      <a:fontRef idx="minor"/>
-    </dgm:style>
-  </dgm:styleLbl>
-  <dgm:styleLbl name="bgShp">
-    <dgm:scene3d>
-      <a:camera prst="orthographicFront"/>
-      <a:lightRig rig="threePt" dir="t"/>
-    </dgm:scene3d>
-    <dgm:sp3d/>
-    <dgm:txPr/>
-    <dgm:style>
-      <a:lnRef idx="0">
-        <a:scrgbClr r="0" g="0" b="0"/>
-      </a:lnRef>
-      <a:fillRef idx="1">
-        <a:scrgbClr r="0" g="0" b="0"/>
-      </a:fillRef>
-      <a:effectRef idx="0">
-        <a:scrgbClr r="0" g="0" b="0"/>
-      </a:effectRef>
-      <a:fontRef idx="minor"/>
-    </dgm:style>
-  </dgm:styleLbl>
-  <dgm:styleLbl name="bgSibTrans2D1">
-    <dgm:scene3d>
-      <a:camera prst="orthographicFront"/>
-      <a:lightRig rig="threePt" dir="t"/>
-    </dgm:scene3d>
-    <dgm:sp3d/>
-    <dgm:txPr/>
-    <dgm:style>
-      <a:lnRef idx="0">
-        <a:scrgbClr r="0" g="0" b="0"/>
-      </a:lnRef>
-      <a:fillRef idx="1">
-        <a:scrgbClr r="0" g="0" b="0"/>
-      </a:fillRef>
-      <a:effectRef idx="0">
-        <a:scrgbClr r="0" g="0" b="0"/>
-      </a:effectRef>
-      <a:fontRef idx="minor">
-        <a:schemeClr val="lt1"/>
-      </a:fontRef>
-    </dgm:style>
-  </dgm:styleLbl>
-  <dgm:styleLbl name="callout">
-    <dgm:scene3d>
-      <a:camera prst="orthographicFront"/>
-      <a:lightRig rig="threePt" dir="t"/>
-    </dgm:scene3d>
-    <dgm:sp3d/>
-    <dgm:txPr/>
-    <dgm:style>
-      <a:lnRef idx="2">
-        <a:scrgbClr r="0" g="0" b="0"/>
-      </a:lnRef>
-      <a:fillRef idx="1">
-        <a:scrgbClr r="0" g="0" b="0"/>
-      </a:fillRef>
-      <a:effectRef idx="0">
-        <a:scrgbClr r="0" g="0" b="0"/>
-      </a:effectRef>
-      <a:fontRef idx="minor"/>
-    </dgm:style>
-  </dgm:styleLbl>
-  <dgm:styleLbl name="conFgAcc1">
-    <dgm:scene3d>
-      <a:camera prst="orthographicFront"/>
-      <a:lightRig rig="threePt" dir="t"/>
-    </dgm:scene3d>
-    <dgm:sp3d/>
-    <dgm:txPr/>
-    <dgm:style>
-      <a:lnRef idx="2">
-        <a:scrgbClr r="0" g="0" b="0"/>
-      </a:lnRef>
-      <a:fillRef idx="1">
-        <a:scrgbClr r="0" g="0" b="0"/>
-      </a:fillRef>
-      <a:effectRef idx="0">
-        <a:scrgbClr r="0" g="0" b="0"/>
-      </a:effectRef>
-      <a:fontRef idx="minor"/>
-    </dgm:style>
-  </dgm:styleLbl>
-  <dgm:styleLbl name="dkBgShp">
-    <dgm:scene3d>
-      <a:camera prst="orthographicFront"/>
-      <a:lightRig rig="threePt" dir="t"/>
-    </dgm:scene3d>
-    <dgm:sp3d/>
-    <dgm:txPr/>
-    <dgm:style>
-      <a:lnRef idx="0">
-        <a:scrgbClr r="0" g="0" b="0"/>
-      </a:lnRef>
-      <a:fillRef idx="1">
-        <a:scrgbClr r="0" g="0" b="0"/>
-      </a:fillRef>
-      <a:effectRef idx="0">
-        <a:scrgbClr r="0" g="0" b="0"/>
-      </a:effectRef>
-      <a:fontRef idx="minor"/>
-    </dgm:style>
-  </dgm:styleLbl>
-  <dgm:styleLbl name="fgAcc0">
-    <dgm:scene3d>
-      <a:camera prst="orthographicFront"/>
-      <a:lightRig rig="threePt" dir="t"/>
-    </dgm:scene3d>
-    <dgm:sp3d/>
-    <dgm:txPr/>
-    <dgm:style>
-      <a:lnRef idx="2">
-        <a:scrgbClr r="0" g="0" b="0"/>
-      </a:lnRef>
-      <a:fillRef idx="1">
-        <a:scrgbClr r="0" g="0" b="0"/>
-      </a:fillRef>
-      <a:effectRef idx="0">
-        <a:scrgbClr r="0" g="0" b="0"/>
-      </a:effectRef>
-      <a:fontRef idx="minor"/>
-    </dgm:style>
-  </dgm:styleLbl>
-  <dgm:styleLbl name="fgAcc1">
-    <dgm:scene3d>
-      <a:camera prst="orthographicFront"/>
-      <a:lightRig rig="threePt" dir="t"/>
-    </dgm:scene3d>
-    <dgm:sp3d/>
-    <dgm:txPr/>
-    <dgm:style>
-      <a:lnRef idx="2">
-        <a:scrgbClr r="0" g="0" b="0"/>
-      </a:lnRef>
-      <a:fillRef idx="1">
-        <a:scrgbClr r="0" g="0" b="0"/>
-      </a:fillRef>
-      <a:effectRef idx="0">
-        <a:scrgbClr r="0" g="0" b="0"/>
-      </a:effectRef>
-      <a:fontRef idx="minor"/>
-    </dgm:style>
-  </dgm:styleLbl>
-  <dgm:styleLbl name="fgAcc2">
-    <dgm:scene3d>
-      <a:camera prst="orthographicFront"/>
-      <a:lightRig rig="threePt" dir="t"/>
-    </dgm:scene3d>
-    <dgm:sp3d/>
-    <dgm:txPr/>
-    <dgm:style>
-      <a:lnRef idx="2">
-        <a:scrgbClr r="0" g="0" b="0"/>
-      </a:lnRef>
-      <a:fillRef idx="1">
-        <a:scrgbClr r="0" g="0" b="0"/>
-      </a:fillRef>
-      <a:effectRef idx="0">
-        <a:scrgbClr r="0" g="0" b="0"/>
-      </a:effectRef>
-      <a:fontRef idx="minor"/>
-    </dgm:style>
-  </dgm:styleLbl>
-  <dgm:styleLbl name="fgAcc3">
-    <dgm:scene3d>
-      <a:camera prst="orthographicFront"/>
-      <a:lightRig rig="threePt" dir="t"/>
-    </dgm:scene3d>
-    <dgm:sp3d/>
-    <dgm:txPr/>
-    <dgm:style>
-      <a:lnRef idx="2">
-        <a:scrgbClr r="0" g="0" b="0"/>
-      </a:lnRef>
-      <a:fillRef idx="1">
-        <a:scrgbClr r="0" g="0" b="0"/>
-      </a:fillRef>
-      <a:effectRef idx="0">
-        <a:scrgbClr r="0" g="0" b="0"/>
-      </a:effectRef>
-      <a:fontRef idx="minor"/>
-    </dgm:style>
-  </dgm:styleLbl>
-  <dgm:styleLbl name="fgAcc4">
-    <dgm:scene3d>
-      <a:camera prst="orthographicFront"/>
-      <a:lightRig rig="threePt" dir="t"/>
-    </dgm:scene3d>
-    <dgm:sp3d/>
-    <dgm:txPr/>
-    <dgm:style>
-      <a:lnRef idx="2">
-        <a:scrgbClr r="0" g="0" b="0"/>
-      </a:lnRef>
-      <a:fillRef idx="1">
-        <a:scrgbClr r="0" g="0" b="0"/>
-      </a:fillRef>
-      <a:effectRef idx="0">
-        <a:scrgbClr r="0" g="0" b="0"/>
-      </a:effectRef>
-      <a:fontRef idx="minor"/>
-    </dgm:style>
-  </dgm:styleLbl>
-  <dgm:styleLbl name="fgAccFollowNode1">
-    <dgm:scene3d>
-      <a:camera prst="orthographicFront"/>
-      <a:lightRig rig="threePt" dir="t"/>
-    </dgm:scene3d>
-    <dgm:sp3d/>
-    <dgm:txPr/>
-    <dgm:style>
-      <a:lnRef idx="2">
-        <a:scrgbClr r="0" g="0" b="0"/>
-      </a:lnRef>
-      <a:fillRef idx="1">
-        <a:scrgbClr r="0" g="0" b="0"/>
-      </a:fillRef>
-      <a:effectRef idx="0">
-        <a:scrgbClr r="0" g="0" b="0"/>
-      </a:effectRef>
-      <a:fontRef idx="minor"/>
-    </dgm:style>
-  </dgm:styleLbl>
-  <dgm:styleLbl name="fgImgPlace1">
-    <dgm:scene3d>
-      <a:camera prst="orthographicFront"/>
-      <a:lightRig rig="threePt" dir="t"/>
-    </dgm:scene3d>
-    <dgm:sp3d/>
-    <dgm:txPr/>
-    <dgm:style>
-      <a:lnRef idx="2">
-        <a:scrgbClr r="0" g="0" b="0"/>
-      </a:lnRef>
-      <a:fillRef idx="1">
-        <a:scrgbClr r="0" g="0" b="0"/>
-      </a:fillRef>
-      <a:effectRef idx="0">
-        <a:scrgbClr r="0" g="0" b="0"/>
-      </a:effectRef>
-      <a:fontRef idx="minor"/>
-    </dgm:style>
-  </dgm:styleLbl>
-  <dgm:styleLbl name="fgShp">
-    <dgm:scene3d>
-      <a:camera prst="orthographicFront"/>
-      <a:lightRig rig="threePt" dir="t"/>
-    </dgm:scene3d>
-    <dgm:sp3d/>
-    <dgm:txPr/>
-    <dgm:style>
-      <a:lnRef idx="2">
-        <a:scrgbClr r="0" g="0" b="0"/>
-      </a:lnRef>
-      <a:fillRef idx="1">
-        <a:scrgbClr r="0" g="0" b="0"/>
-      </a:fillRef>
-      <a:effectRef idx="0">
-        <a:scrgbClr r="0" g="0" b="0"/>
-      </a:effectRef>
-      <a:fontRef idx="minor"/>
-    </dgm:style>
-  </dgm:styleLbl>
-  <dgm:styleLbl name="fgSibTrans2D1">
-    <dgm:scene3d>
-      <a:camera prst="orthographicFront"/>
-      <a:lightRig rig="threePt" dir="t"/>
-    </dgm:scene3d>
-    <dgm:sp3d/>
-    <dgm:txPr/>
-    <dgm:style>
-      <a:lnRef idx="0">
-        <a:scrgbClr r="0" g="0" b="0"/>
-      </a:lnRef>
-      <a:fillRef idx="1">
-        <a:scrgbClr r="0" g="0" b="0"/>
-      </a:fillRef>
-      <a:effectRef idx="0">
-        <a:scrgbClr r="0" g="0" b="0"/>
-      </a:effectRef>
-      <a:fontRef idx="minor">
-        <a:schemeClr val="lt1"/>
-      </a:fontRef>
-    </dgm:style>
-  </dgm:styleLbl>
-  <dgm:styleLbl name="lnNode1">
-    <dgm:scene3d>
-      <a:camera prst="orthographicFront"/>
-      <a:lightRig rig="threePt" dir="t"/>
-    </dgm:scene3d>
-    <dgm:sp3d/>
-    <dgm:txPr/>
-    <dgm:style>
-      <a:lnRef idx="2">
-        <a:scrgbClr r="0" g="0" b="0"/>
-      </a:lnRef>
-      <a:fillRef idx="1">
-        <a:scrgbClr r="0" g="0" b="0"/>
-      </a:fillRef>
-      <a:effectRef idx="0">
-        <a:scrgbClr r="0" g="0" b="0"/>
-      </a:effectRef>
-      <a:fontRef idx="minor">
-        <a:schemeClr val="lt1"/>
-      </a:fontRef>
-    </dgm:style>
-  </dgm:styleLbl>
-  <dgm:styleLbl name="node0">
-    <dgm:scene3d>
-      <a:camera prst="orthographicFront"/>
-      <a:lightRig rig="threePt" dir="t"/>
-    </dgm:scene3d>
-    <dgm:sp3d/>
-    <dgm:txPr/>
-    <dgm:style>
-      <a:lnRef idx="2">
-        <a:scrgbClr r="0" g="0" b="0"/>
-      </a:lnRef>
-      <a:fillRef idx="1">
-        <a:scrgbClr r="0" g="0" b="0"/>
-      </a:fillRef>
-      <a:effectRef idx="0">
-        <a:scrgbClr r="0" g="0" b="0"/>
-      </a:effectRef>
-      <a:fontRef idx="minor">
-        <a:schemeClr val="lt1"/>
-      </a:fontRef>
-    </dgm:style>
-  </dgm:styleLbl>
-  <dgm:styleLbl name="node1">
-    <dgm:scene3d>
-      <a:camera prst="orthographicFront"/>
-      <a:lightRig rig="threePt" dir="t"/>
-    </dgm:scene3d>
-    <dgm:sp3d/>
-    <dgm:txPr/>
-    <dgm:style>
-      <a:lnRef idx="2">
-        <a:scrgbClr r="0" g="0" b="0"/>
-      </a:lnRef>
-      <a:fillRef idx="1">
-        <a:scrgbClr r="0" g="0" b="0"/>
-      </a:fillRef>
-      <a:effectRef idx="0">
-        <a:scrgbClr r="0" g="0" b="0"/>
-      </a:effectRef>
-      <a:fontRef idx="minor">
-        <a:schemeClr val="lt1"/>
-      </a:fontRef>
-    </dgm:style>
-  </dgm:styleLbl>
-  <dgm:styleLbl name="node2">
-    <dgm:scene3d>
-      <a:camera prst="orthographicFront"/>
-      <a:lightRig rig="threePt" dir="t"/>
-    </dgm:scene3d>
-    <dgm:sp3d/>
-    <dgm:txPr/>
-    <dgm:style>
-      <a:lnRef idx="2">
-        <a:scrgbClr r="0" g="0" b="0"/>
-      </a:lnRef>
-      <a:fillRef idx="1">
-        <a:scrgbClr r="0" g="0" b="0"/>
-      </a:fillRef>
-      <a:effectRef idx="0">
-        <a:scrgbClr r="0" g="0" b="0"/>
-      </a:effectRef>
-      <a:fontRef idx="minor">
-        <a:schemeClr val="lt1"/>
-      </a:fontRef>
-    </dgm:style>
-  </dgm:styleLbl>
-  <dgm:styleLbl name="node3">
-    <dgm:scene3d>
-      <a:camera prst="orthographicFront"/>
-      <a:lightRig rig="threePt" dir="t"/>
-    </dgm:scene3d>
-    <dgm:sp3d/>
-    <dgm:txPr/>
-    <dgm:style>
-      <a:lnRef idx="2">
-        <a:scrgbClr r="0" g="0" b="0"/>
-      </a:lnRef>
-      <a:fillRef idx="1">
-        <a:scrgbClr r="0" g="0" b="0"/>
-      </a:fillRef>
-      <a:effectRef idx="0">
-        <a:scrgbClr r="0" g="0" b="0"/>
-      </a:effectRef>
-      <a:fontRef idx="minor">
-        <a:schemeClr val="lt1"/>
-      </a:fontRef>
-    </dgm:style>
-  </dgm:styleLbl>
-  <dgm:styleLbl name="node4">
-    <dgm:scene3d>
-      <a:camera prst="orthographicFront"/>
-      <a:lightRig rig="threePt" dir="t"/>
-    </dgm:scene3d>
-    <dgm:sp3d/>
-    <dgm:txPr/>
-    <dgm:style>
-      <a:lnRef idx="2">
-        <a:scrgbClr r="0" g="0" b="0"/>
-      </a:lnRef>
-      <a:fillRef idx="1">
-        <a:scrgbClr r="0" g="0" b="0"/>
-      </a:fillRef>
-      <a:effectRef idx="0">
-        <a:scrgbClr r="0" g="0" b="0"/>
-      </a:effectRef>
-      <a:fontRef idx="minor">
-        <a:schemeClr val="lt1"/>
-      </a:fontRef>
-    </dgm:style>
-  </dgm:styleLbl>
-  <dgm:styleLbl name="parChTrans1D1">
-    <dgm:scene3d>
-      <a:camera prst="orthographicFront"/>
-      <a:lightRig rig="threePt" dir="t"/>
-    </dgm:scene3d>
-    <dgm:sp3d/>
-    <dgm:txPr/>
-    <dgm:style>
-      <a:lnRef idx="2">
-        <a:scrgbClr r="0" g="0" b="0"/>
-      </a:lnRef>
-      <a:fillRef idx="0">
-        <a:scrgbClr r="0" g="0" b="0"/>
-      </a:fillRef>
-      <a:effectRef idx="0">
-        <a:scrgbClr r="0" g="0" b="0"/>
-      </a:effectRef>
-      <a:fontRef idx="minor"/>
-    </dgm:style>
-  </dgm:styleLbl>
-  <dgm:styleLbl name="parChTrans1D2">
-    <dgm:scene3d>
-      <a:camera prst="orthographicFront"/>
-      <a:lightRig rig="threePt" dir="t"/>
-    </dgm:scene3d>
-    <dgm:sp3d/>
-    <dgm:txPr/>
-    <dgm:style>
-      <a:lnRef idx="2">
-        <a:scrgbClr r="0" g="0" b="0"/>
-      </a:lnRef>
-      <a:fillRef idx="0">
-        <a:scrgbClr r="0" g="0" b="0"/>
-      </a:fillRef>
-      <a:effectRef idx="0">
-        <a:scrgbClr r="0" g="0" b="0"/>
-      </a:effectRef>
-      <a:fontRef idx="minor"/>
-    </dgm:style>
-  </dgm:styleLbl>
-  <dgm:styleLbl name="parChTrans1D3">
-    <dgm:scene3d>
-      <a:camera prst="orthographicFront"/>
-      <a:lightRig rig="threePt" dir="t"/>
-    </dgm:scene3d>
-    <dgm:sp3d/>
-    <dgm:txPr/>
-    <dgm:style>
-      <a:lnRef idx="2">
-        <a:scrgbClr r="0" g="0" b="0"/>
-      </a:lnRef>
-      <a:fillRef idx="0">
-        <a:scrgbClr r="0" g="0" b="0"/>
-      </a:fillRef>
-      <a:effectRef idx="0">
-        <a:scrgbClr r="0" g="0" b="0"/>
-      </a:effectRef>
-      <a:fontRef idx="minor"/>
-    </dgm:style>
-  </dgm:styleLbl>
-  <dgm:styleLbl name="parChTrans1D4">
-    <dgm:scene3d>
-      <a:camera prst="orthographicFront"/>
-      <a:lightRig rig="threePt" dir="t"/>
-    </dgm:scene3d>
-    <dgm:sp3d/>
-    <dgm:txPr/>
-    <dgm:style>
-      <a:lnRef idx="2">
-        <a:scrgbClr r="0" g="0" b="0"/>
-      </a:lnRef>
-      <a:fillRef idx="0">
-        <a:scrgbClr r="0" g="0" b="0"/>
-      </a:fillRef>
-      <a:effectRef idx="0">
-        <a:scrgbClr r="0" g="0" b="0"/>
-      </a:effectRef>
-      <a:fontRef idx="minor"/>
-    </dgm:style>
-  </dgm:styleLbl>
-  <dgm:styleLbl name="parChTrans2D1">
-    <dgm:scene3d>
-      <a:camera prst="orthographicFront"/>
-      <a:lightRig rig="threePt" dir="t"/>
-    </dgm:scene3d>
-    <dgm:sp3d/>
-    <dgm:txPr/>
-    <dgm:style>
-      <a:lnRef idx="2">
-        <a:scrgbClr r="0" g="0" b="0"/>
-      </a:lnRef>
-      <a:fillRef idx="1">
-        <a:scrgbClr r="0" g="0" b="0"/>
-      </a:fillRef>
-      <a:effectRef idx="0">
-        <a:scrgbClr r="0" g="0" b="0"/>
-      </a:effectRef>
-      <a:fontRef idx="minor">
-        <a:schemeClr val="lt1"/>
-      </a:fontRef>
-    </dgm:style>
-  </dgm:styleLbl>
-  <dgm:styleLbl name="parChTrans2D2">
-    <dgm:scene3d>
-      <a:camera prst="orthographicFront"/>
-      <a:lightRig rig="threePt" dir="t"/>
-    </dgm:scene3d>
-    <dgm:sp3d/>
-    <dgm:txPr/>
-    <dgm:style>
-      <a:lnRef idx="2">
-        <a:scrgbClr r="0" g="0" b="0"/>
-      </a:lnRef>
-      <a:fillRef idx="1">
-        <a:scrgbClr r="0" g="0" b="0"/>
-      </a:fillRef>
-      <a:effectRef idx="0">
-        <a:scrgbClr r="0" g="0" b="0"/>
-      </a:effectRef>
-      <a:fontRef idx="minor">
-        <a:schemeClr val="lt1"/>
-      </a:fontRef>
-    </dgm:style>
-  </dgm:styleLbl>
-  <dgm:styleLbl name="parChTrans2D3">
-    <dgm:scene3d>
-      <a:camera prst="orthographicFront"/>
-      <a:lightRig rig="threePt" dir="t"/>
-    </dgm:scene3d>
-    <dgm:sp3d/>
-    <dgm:txPr/>
-    <dgm:style>
-      <a:lnRef idx="2">
-        <a:scrgbClr r="0" g="0" b="0"/>
-      </a:lnRef>
-      <a:fillRef idx="1">
-        <a:scrgbClr r="0" g="0" b="0"/>
-      </a:fillRef>
-      <a:effectRef idx="0">
-        <a:scrgbClr r="0" g="0" b="0"/>
-      </a:effectRef>
-      <a:fontRef idx="minor">
-        <a:schemeClr val="lt1"/>
-      </a:fontRef>
-    </dgm:style>
-  </dgm:styleLbl>
-  <dgm:styleLbl name="parChTrans2D4">
-    <dgm:scene3d>
-      <a:camera prst="orthographicFront"/>
-      <a:lightRig rig="threePt" dir="t"/>
-    </dgm:scene3d>
-    <dgm:sp3d/>
-    <dgm:txPr/>
-    <dgm:style>
-      <a:lnRef idx="2">
-        <a:scrgbClr r="0" g="0" b="0"/>
-      </a:lnRef>
-      <a:fillRef idx="1">
-        <a:scrgbClr r="0" g="0" b="0"/>
-      </a:fillRef>
-      <a:effectRef idx="0">
-        <a:scrgbClr r="0" g="0" b="0"/>
-      </a:effectRef>
-      <a:fontRef idx="minor">
-        <a:schemeClr val="lt1"/>
-      </a:fontRef>
-    </dgm:style>
-  </dgm:styleLbl>
-  <dgm:styleLbl name="revTx">
-    <dgm:scene3d>
-      <a:camera prst="orthographicFront"/>
-      <a:lightRig rig="threePt" dir="t"/>
-    </dgm:scene3d>
-    <dgm:sp3d/>
-    <dgm:txPr/>
-    <dgm:style>
-      <a:lnRef idx="0">
-        <a:scrgbClr r="0" g="0" b="0"/>
-      </a:lnRef>
-      <a:fillRef idx="0">
-        <a:scrgbClr r="0" g="0" b="0"/>
-      </a:fillRef>
-      <a:effectRef idx="0">
-        <a:scrgbClr r="0" g="0" b="0"/>
-      </a:effectRef>
-      <a:fontRef idx="minor"/>
-    </dgm:style>
-  </dgm:styleLbl>
-  <dgm:styleLbl name="sibTrans1D1">
-    <dgm:scene3d>
-      <a:camera prst="orthographicFront"/>
-      <a:lightRig rig="threePt" dir="t"/>
-    </dgm:scene3d>
-    <dgm:sp3d/>
-    <dgm:txPr/>
-    <dgm:style>
-      <a:lnRef idx="1">
-        <a:scrgbClr r="0" g="0" b="0"/>
-      </a:lnRef>
-      <a:fillRef idx="0">
-        <a:scrgbClr r="0" g="0" b="0"/>
-      </a:fillRef>
-      <a:effectRef idx="0">
-        <a:scrgbClr r="0" g="0" b="0"/>
-      </a:effectRef>
-      <a:fontRef idx="minor"/>
-    </dgm:style>
-  </dgm:styleLbl>
-  <dgm:styleLbl name="sibTrans2D1">
-    <dgm:scene3d>
-      <a:camera prst="orthographicFront"/>
-      <a:lightRig rig="threePt" dir="t"/>
-    </dgm:scene3d>
-    <dgm:sp3d/>
-    <dgm:txPr/>
-    <dgm:style>
-      <a:lnRef idx="0">
-        <a:scrgbClr r="0" g="0" b="0"/>
-      </a:lnRef>
-      <a:fillRef idx="1">
-        <a:scrgbClr r="0" g="0" b="0"/>
-      </a:fillRef>
-      <a:effectRef idx="0">
-        <a:scrgbClr r="0" g="0" b="0"/>
-      </a:effectRef>
-      <a:fontRef idx="minor">
-        <a:schemeClr val="lt1"/>
-      </a:fontRef>
-    </dgm:style>
-  </dgm:styleLbl>
-  <dgm:styleLbl name="solidAlignAcc1">
-    <dgm:scene3d>
-      <a:camera prst="orthographicFront"/>
-      <a:lightRig rig="threePt" dir="t"/>
-    </dgm:scene3d>
-    <dgm:sp3d/>
-    <dgm:txPr/>
-    <dgm:style>
-      <a:lnRef idx="2">
-        <a:scrgbClr r="0" g="0" b="0"/>
-      </a:lnRef>
-      <a:fillRef idx="1">
-        <a:scrgbClr r="0" g="0" b="0"/>
-      </a:fillRef>
-      <a:effectRef idx="0">
-        <a:scrgbClr r="0" g="0" b="0"/>
-      </a:effectRef>
-      <a:fontRef idx="minor"/>
-    </dgm:style>
-  </dgm:styleLbl>
-  <dgm:styleLbl name="solidBgAcc1">
-    <dgm:scene3d>
-      <a:camera prst="orthographicFront"/>
-      <a:lightRig rig="threePt" dir="t"/>
-    </dgm:scene3d>
-    <dgm:sp3d/>
-    <dgm:txPr/>
-    <dgm:style>
-      <a:lnRef idx="2">
-        <a:scrgbClr r="0" g="0" b="0"/>
-      </a:lnRef>
-      <a:fillRef idx="1">
-        <a:scrgbClr r="0" g="0" b="0"/>
-      </a:fillRef>
-      <a:effectRef idx="0">
-        <a:scrgbClr r="0" g="0" b="0"/>
-      </a:effectRef>
-      <a:fontRef idx="minor"/>
-    </dgm:style>
-  </dgm:styleLbl>
-  <dgm:styleLbl name="solidFgAcc1">
-    <dgm:scene3d>
-      <a:camera prst="orthographicFront"/>
-      <a:lightRig rig="threePt" dir="t"/>
-    </dgm:scene3d>
-    <dgm:sp3d/>
-    <dgm:txPr/>
-    <dgm:style>
-      <a:lnRef idx="2">
-        <a:scrgbClr r="0" g="0" b="0"/>
-      </a:lnRef>
-      <a:fillRef idx="1">
-        <a:scrgbClr r="0" g="0" b="0"/>
-      </a:fillRef>
-      <a:effectRef idx="0">
-        <a:scrgbClr r="0" g="0" b="0"/>
-      </a:effectRef>
-      <a:fontRef idx="minor"/>
-    </dgm:style>
-  </dgm:styleLbl>
-  <dgm:styleLbl name="trAlignAcc1">
-    <dgm:scene3d>
-      <a:camera prst="orthographicFront"/>
-      <a:lightRig rig="threePt" dir="t"/>
-    </dgm:scene3d>
-    <dgm:sp3d/>
-    <dgm:txPr/>
-    <dgm:style>
-      <a:lnRef idx="1">
-        <a:scrgbClr r="0" g="0" b="0"/>
-      </a:lnRef>
-      <a:fillRef idx="1">
-        <a:scrgbClr r="0" g="0" b="0"/>
-      </a:fillRef>
-      <a:effectRef idx="0">
-        <a:scrgbClr r="0" g="0" b="0"/>
-      </a:effectRef>
-      <a:fontRef idx="minor"/>
-    </dgm:style>
-  </dgm:styleLbl>
-  <dgm:styleLbl name="trBgShp">
-    <dgm:scene3d>
-      <a:camera prst="orthographicFront"/>
-      <a:lightRig rig="threePt" dir="t"/>
-    </dgm:scene3d>
-    <dgm:sp3d/>
-    <dgm:txPr/>
-    <dgm:style>
-      <a:lnRef idx="0">
-        <a:scrgbClr r="0" g="0" b="0"/>
-      </a:lnRef>
-      <a:fillRef idx="1">
-        <a:scrgbClr r="0" g="0" b="0"/>
-      </a:fillRef>
-      <a:effectRef idx="0">
-        <a:scrgbClr r="0" g="0" b="0"/>
-      </a:effectRef>
-      <a:fontRef idx="minor"/>
-    </dgm:style>
-  </dgm:styleLbl>
-  <dgm:styleLbl name="vennNode1">
-    <dgm:scene3d>
-      <a:camera prst="orthographicFront"/>
-      <a:lightRig rig="threePt" dir="t"/>
-    </dgm:scene3d>
-    <dgm:sp3d/>
-    <dgm:txPr/>
-    <dgm:style>
-      <a:lnRef idx="2">
-        <a:scrgbClr r="0" g="0" b="0"/>
-      </a:lnRef>
-      <a:fillRef idx="1">
-        <a:scrgbClr r="0" g="0" b="0"/>
-      </a:fillRef>
-      <a:effectRef idx="0">
-        <a:scrgbClr r="0" g="0" b="0"/>
-      </a:effectRef>
-      <a:fontRef idx="minor">
-        <a:schemeClr val="tx1"/>
-      </a:fontRef>
-    </dgm:style>
-  </dgm:styleLbl>
-</dgm:styleDef>
+      </a:solidFill>
+      <a:ln w="9525">
+        <a:solidFill>
+          <a:schemeClr val="tx1">
+            <a:lumMod val="15000"/>
+            <a:lumOff val="85000"/>
+          </a:schemeClr>
+        </a:solidFill>
+      </a:ln>
+    </cs:spPr>
+  </cs:upBar>
+  <cs:valueAxis>
+    <cs:lnRef idx="0"/>
+    <cs:fillRef idx="0"/>
+    <cs:effectRef idx="0"/>
+    <cs:fontRef idx="minor">
+      <a:schemeClr val="tx1">
+        <a:lumMod val="65000"/>
+        <a:lumOff val="35000"/>
+      </a:schemeClr>
+    </cs:fontRef>
+    <cs:defRPr sz="1197" kern="1200"/>
+  </cs:valueAxis>
+  <cs:wall>
+    <cs:lnRef idx="0"/>
+    <cs:fillRef idx="0"/>
+    <cs:effectRef idx="0"/>
+    <cs:fontRef idx="minor">
+      <a:schemeClr val="tx1"/>
+    </cs:fontRef>
+    <cs:spPr>
+      <a:noFill/>
+      <a:ln>
+        <a:noFill/>
+      </a:ln>
+    </cs:spPr>
+  </cs:wall>
+</cs:chartStyle>
 </file>
 
 <file path=ppt/notesMasters/notesMaster1.xml><?xml version="1.0" encoding="utf-8"?>
@@ -3289,6 +1803,16 @@
           <a:bodyPr/>
           <a:lstStyle/>
           <a:p>
+            <a:r>
+              <a:rPr lang="zh-CN" altLang="en-US" b="0" i="0" dirty="0">
+                <a:solidFill>
+                  <a:srgbClr val="333333"/>
+                </a:solidFill>
+                <a:effectLst/>
+                <a:latin typeface="PingFang SC"/>
+              </a:rPr>
+              <a:t>随着业务的不断发展，根据特定业务场景产生的定制化需求变得越来越多。单一页面往往需要根据不同业务、不同场景甚至不同用户展示不同的内容。在这样的背景下，我们开始考虑对页面进行切分，把一个页面切分成多个模块，以提高复杂页面的可维护性。</a:t>
+            </a:r>
             <a:endParaRPr lang="en-US" altLang="zh-CN" dirty="0"/>
           </a:p>
         </p:txBody>
@@ -3401,6 +1925,18 @@
           <a:bodyPr/>
           <a:lstStyle/>
           <a:p>
+            <a:r>
+              <a:rPr lang="zh-CN" altLang="en-US" dirty="0"/>
+              <a:t>代码优化，</a:t>
+            </a:r>
+            <a:r>
+              <a:rPr lang="en-US" altLang="zh-CN" dirty="0"/>
+              <a:t>UI</a:t>
+            </a:r>
+            <a:r>
+              <a:rPr lang="zh-CN" altLang="en-US"/>
+              <a:t>优化，广告延长初始化，懒加载</a:t>
+            </a:r>
             <a:endParaRPr lang="en-US" altLang="zh-CN" dirty="0"/>
           </a:p>
         </p:txBody>
@@ -3462,6 +1998,11 @@
         </p:txBody>
       </p:sp>
     </p:spTree>
+    <p:extLst>
+      <p:ext uri="{BB962C8B-B14F-4D97-AF65-F5344CB8AC3E}">
+        <p14:creationId xmlns:p14="http://schemas.microsoft.com/office/powerpoint/2010/main" val="3660873437"/>
+      </p:ext>
+    </p:extLst>
   </p:cSld>
   <p:clrMapOvr>
     <a:masterClrMapping/>
@@ -3871,6 +2412,62 @@
             <a:spLocks noGrp="1" noRot="1" noChangeAspect="1"/>
           </p:cNvSpPr>
           <p:nvPr>
+            <p:ph type="sldImg" idx="2"/>
+          </p:nvPr>
+        </p:nvSpPr>
+        <p:spPr/>
+      </p:sp>
+      <p:sp>
+        <p:nvSpPr>
+          <p:cNvPr id="3" name="文本占位符 2"/>
+          <p:cNvSpPr>
+            <a:spLocks noGrp="1"/>
+          </p:cNvSpPr>
+          <p:nvPr>
+            <p:ph type="body" idx="3"/>
+          </p:nvPr>
+        </p:nvSpPr>
+        <p:spPr/>
+        <p:txBody>
+          <a:bodyPr/>
+          <a:lstStyle/>
+          <a:p>
+            <a:endParaRPr lang="en-US" altLang="zh-CN" dirty="0"/>
+          </a:p>
+        </p:txBody>
+      </p:sp>
+    </p:spTree>
+  </p:cSld>
+  <p:clrMapOvr>
+    <a:masterClrMapping/>
+  </p:clrMapOvr>
+</p:notes>
+</file>
+
+<file path=ppt/notesSlides/notesSlide23.xml><?xml version="1.0" encoding="utf-8"?>
+<p:notes xmlns:a="http://schemas.openxmlformats.org/drawingml/2006/main" xmlns:r="http://schemas.openxmlformats.org/officeDocument/2006/relationships" xmlns:p="http://schemas.openxmlformats.org/presentationml/2006/main">
+  <p:cSld>
+    <p:spTree>
+      <p:nvGrpSpPr>
+        <p:cNvPr id="1" name=""/>
+        <p:cNvGrpSpPr/>
+        <p:nvPr/>
+      </p:nvGrpSpPr>
+      <p:grpSpPr>
+        <a:xfrm>
+          <a:off x="0" y="0"/>
+          <a:ext cx="0" cy="0"/>
+          <a:chOff x="0" y="0"/>
+          <a:chExt cx="0" cy="0"/>
+        </a:xfrm>
+      </p:grpSpPr>
+      <p:sp>
+        <p:nvSpPr>
+          <p:cNvPr id="2" name="幻灯片图像占位符 1"/>
+          <p:cNvSpPr>
+            <a:spLocks noGrp="1" noRot="1" noChangeAspect="1"/>
+          </p:cNvSpPr>
+          <p:nvPr>
             <p:ph type="sldImg"/>
           </p:nvPr>
         </p:nvSpPr>
@@ -3912,7 +2509,7 @@
           <a:p>
             <a:fld id="{BC6A8F70-FC19-449C-BCF6-CA9BB7A459EB}" type="slidenum">
               <a:rPr lang="zh-CN" altLang="en-US" smtClean="0"/>
-              <a:t>22</a:t>
+              <a:t>23</a:t>
             </a:fld>
             <a:endParaRPr lang="zh-CN" altLang="en-US"/>
           </a:p>
@@ -3926,7 +2523,7 @@
 </p:notes>
 </file>
 
-<file path=ppt/notesSlides/notesSlide23.xml><?xml version="1.0" encoding="utf-8"?>
+<file path=ppt/notesSlides/notesSlide24.xml><?xml version="1.0" encoding="utf-8"?>
 <p:notes xmlns:a="http://schemas.openxmlformats.org/drawingml/2006/main" xmlns:r="http://schemas.openxmlformats.org/officeDocument/2006/relationships" xmlns:p="http://schemas.openxmlformats.org/presentationml/2006/main">
   <p:cSld>
     <p:spTree>
@@ -3991,7 +2588,7 @@
           <a:p>
             <a:fld id="{BC6A8F70-FC19-449C-BCF6-CA9BB7A459EB}" type="slidenum">
               <a:rPr lang="zh-CN" altLang="en-US" smtClean="0"/>
-              <a:t>23</a:t>
+              <a:t>24</a:t>
             </a:fld>
             <a:endParaRPr lang="zh-CN" altLang="en-US"/>
           </a:p>
@@ -7281,7 +5878,7 @@
         <p:spPr>
           <a:xfrm>
             <a:off x="838200" y="1779270"/>
-            <a:ext cx="8183880" cy="368300"/>
+            <a:ext cx="9648795" cy="369332"/>
           </a:xfrm>
           <a:prstGeom prst="rect">
             <a:avLst/>
@@ -7298,6 +5895,16 @@
             <a:r>
               <a:rPr lang="zh-CN" altLang="en-US" dirty="0"/>
               <a:t>新问题：组件化的模块不能被其它模块直接依赖，那又如何和其它模块通信呢？</a:t>
+            </a:r>
+            <a:r>
+              <a:rPr lang="zh-CN" altLang="en-US" b="1" i="0" dirty="0">
+                <a:solidFill>
+                  <a:srgbClr val="363740"/>
+                </a:solidFill>
+                <a:effectLst/>
+                <a:latin typeface="Source Sans Pro" panose="020B0604020202020204" pitchFamily="34" charset="0"/>
+              </a:rPr>
+              <a:t>面向接口编程</a:t>
             </a:r>
             <a:endParaRPr lang="en-US" altLang="zh-CN" dirty="0"/>
           </a:p>
@@ -7730,7 +6337,7 @@
         <p:spPr>
           <a:xfrm>
             <a:off x="867303" y="3429000"/>
-            <a:ext cx="8909108" cy="923330"/>
+            <a:ext cx="8909108" cy="1151405"/>
           </a:xfrm>
           <a:prstGeom prst="rect">
             <a:avLst/>
@@ -7751,6 +6358,9 @@
           </a:p>
           <a:p>
             <a:pPr marL="285750" indent="-285750">
+              <a:lnSpc>
+                <a:spcPct val="150000"/>
+              </a:lnSpc>
               <a:buFont typeface="Wingdings" panose="05000000000000000000" pitchFamily="2" charset="2"/>
               <a:buChar char="l"/>
             </a:pPr>
@@ -7814,6 +6424,9 @@
           </a:p>
           <a:p>
             <a:pPr marL="285750" indent="-285750">
+              <a:lnSpc>
+                <a:spcPct val="150000"/>
+              </a:lnSpc>
               <a:buFont typeface="Wingdings" panose="05000000000000000000" pitchFamily="2" charset="2"/>
               <a:buChar char="l"/>
             </a:pPr>
@@ -7982,21 +6595,33 @@
       </p:sp>
       <p:grpSp>
         <p:nvGrpSpPr>
-          <p:cNvPr id="36" name="组合 35"/>
+          <p:cNvPr id="6" name="组合 5">
+            <a:extLst>
+              <a:ext uri="{FF2B5EF4-FFF2-40B4-BE49-F238E27FC236}">
+                <a16:creationId xmlns:a16="http://schemas.microsoft.com/office/drawing/2014/main" id="{7D918C38-FE65-40A3-9ACB-CCE29BF81C68}"/>
+              </a:ext>
+            </a:extLst>
+          </p:cNvPr>
           <p:cNvGrpSpPr/>
           <p:nvPr/>
         </p:nvGrpSpPr>
         <p:grpSpPr>
           <a:xfrm>
-            <a:off x="922196" y="1398900"/>
-            <a:ext cx="4878705" cy="2757112"/>
+            <a:off x="1074595" y="1551300"/>
+            <a:ext cx="4789310" cy="3272370"/>
             <a:chOff x="10308" y="3913"/>
-            <a:chExt cx="5041" cy="4987"/>
+            <a:chExt cx="4803" cy="4987"/>
           </a:xfrm>
         </p:grpSpPr>
         <p:sp>
           <p:nvSpPr>
-            <p:cNvPr id="38" name="文本1"/>
+            <p:cNvPr id="7" name="文本1">
+              <a:extLst>
+                <a:ext uri="{FF2B5EF4-FFF2-40B4-BE49-F238E27FC236}">
+                  <a16:creationId xmlns:a16="http://schemas.microsoft.com/office/drawing/2014/main" id="{FED65C00-6720-43F3-AE56-EEC3A7AFF19F}"/>
+                </a:ext>
+              </a:extLst>
+            </p:cNvPr>
             <p:cNvSpPr>
               <a:spLocks noChangeArrowheads="1"/>
             </p:cNvSpPr>
@@ -8005,7 +6630,7 @@
           <p:spPr bwMode="gray">
             <a:xfrm>
               <a:off x="10308" y="3913"/>
-              <a:ext cx="5041" cy="4987"/>
+              <a:ext cx="4803" cy="4987"/>
             </a:xfrm>
             <a:prstGeom prst="roundRect">
               <a:avLst>
@@ -8210,7 +6835,32 @@
                 </a:rPr>
                 <a:t>页面和业务没有完全剥离。</a:t>
               </a:r>
-              <a:endParaRPr lang="en-US" altLang="zh-CN" b="0" dirty="0">
+              <a:endParaRPr lang="en-US" altLang="zh-CN" dirty="0">
+                <a:latin typeface="微软雅黑" panose="020B0503020204020204" charset="-122"/>
+                <a:ea typeface="微软雅黑" panose="020B0503020204020204" charset="-122"/>
+                <a:sym typeface="Arial" panose="020B0604020202020204"/>
+              </a:endParaRPr>
+            </a:p>
+            <a:p>
+              <a:pPr marL="285750" indent="-285750">
+                <a:lnSpc>
+                  <a:spcPct val="110000"/>
+                </a:lnSpc>
+                <a:spcAft>
+                  <a:spcPts val="1200"/>
+                </a:spcAft>
+                <a:buFont typeface="Arial" panose="020B0604020202020204" pitchFamily="34" charset="0"/>
+                <a:buChar char="•"/>
+              </a:pPr>
+              <a:r>
+                <a:rPr lang="zh-CN" altLang="en-US" dirty="0">
+                  <a:latin typeface="微软雅黑" panose="020B0503020204020204" charset="-122"/>
+                  <a:ea typeface="微软雅黑" panose="020B0503020204020204" charset="-122"/>
+                  <a:sym typeface="Arial" panose="020B0604020202020204"/>
+                </a:rPr>
+                <a:t>播放器功能无法复用，比如驾驶模式，青少年模式。</a:t>
+              </a:r>
+              <a:endParaRPr lang="en-US" altLang="zh-CN" dirty="0">
                 <a:latin typeface="微软雅黑" panose="020B0503020204020204" charset="-122"/>
                 <a:ea typeface="微软雅黑" panose="020B0503020204020204" charset="-122"/>
                 <a:sym typeface="Arial" panose="020B0604020202020204"/>
@@ -8220,7 +6870,13 @@
         </p:sp>
         <p:sp>
           <p:nvSpPr>
-            <p:cNvPr id="39" name="TextBox 46"/>
+            <p:cNvPr id="8" name="TextBox 46">
+              <a:extLst>
+                <a:ext uri="{FF2B5EF4-FFF2-40B4-BE49-F238E27FC236}">
+                  <a16:creationId xmlns:a16="http://schemas.microsoft.com/office/drawing/2014/main" id="{4F2F2089-316B-4C5A-9188-75BB3C1FEB2A}"/>
+                </a:ext>
+              </a:extLst>
+            </p:cNvPr>
             <p:cNvSpPr txBox="1"/>
             <p:nvPr/>
           </p:nvSpPr>
@@ -8367,22 +7023,6 @@
           </a:p>
         </p:txBody>
       </p:sp>
-      <p:graphicFrame>
-        <p:nvGraphicFramePr>
-          <p:cNvPr id="32" name="图示 31"/>
-          <p:cNvGraphicFramePr/>
-          <p:nvPr/>
-        </p:nvGraphicFramePr>
-        <p:xfrm>
-          <a:off x="4164036" y="1132486"/>
-          <a:ext cx="6378914" cy="4030321"/>
-        </p:xfrm>
-        <a:graphic>
-          <a:graphicData uri="http://schemas.openxmlformats.org/drawingml/2006/diagram">
-            <dgm:relIds xmlns:dgm="http://schemas.openxmlformats.org/drawingml/2006/diagram" xmlns:r="http://schemas.openxmlformats.org/officeDocument/2006/relationships" r:dm="rId3" r:lo="rId4" r:qs="rId5" r:cs="rId6"/>
-          </a:graphicData>
-        </a:graphic>
-      </p:graphicFrame>
       <p:sp>
         <p:nvSpPr>
           <p:cNvPr id="33" name="矩形: 圆角 32"/>
@@ -8391,7 +7031,7 @@
         </p:nvSpPr>
         <p:spPr>
           <a:xfrm>
-            <a:off x="1111347" y="2658940"/>
+            <a:off x="894139" y="2866995"/>
             <a:ext cx="1758461" cy="1223890"/>
           </a:xfrm>
           <a:prstGeom prst="roundRect">
@@ -8420,8 +7060,8 @@
           <a:p>
             <a:pPr algn="ctr"/>
             <a:r>
-              <a:rPr lang="zh-CN" altLang="en-US" sz="2800" b="1" dirty="0"/>
-              <a:t>播放器页</a:t>
+              <a:rPr lang="zh-CN" altLang="en-US" sz="2000" b="1" dirty="0"/>
+              <a:t>播放器业务模块化</a:t>
             </a:r>
           </a:p>
         </p:txBody>
@@ -8434,7 +7074,7 @@
         </p:nvSpPr>
         <p:spPr>
           <a:xfrm>
-            <a:off x="3193365" y="3031807"/>
+            <a:off x="2707901" y="3275588"/>
             <a:ext cx="970671" cy="478155"/>
           </a:xfrm>
           <a:prstGeom prst="rightArrow">
@@ -8469,6 +7109,1315 @@
           </a:p>
         </p:txBody>
       </p:sp>
+      <p:sp>
+        <p:nvSpPr>
+          <p:cNvPr id="2" name="矩形 1">
+            <a:extLst>
+              <a:ext uri="{FF2B5EF4-FFF2-40B4-BE49-F238E27FC236}">
+                <a16:creationId xmlns:a16="http://schemas.microsoft.com/office/drawing/2014/main" id="{EB7847F4-D7A7-4081-8C4E-2AFD47E1B2F0}"/>
+              </a:ext>
+            </a:extLst>
+          </p:cNvPr>
+          <p:cNvSpPr/>
+          <p:nvPr/>
+        </p:nvSpPr>
+        <p:spPr>
+          <a:xfrm>
+            <a:off x="3858935" y="1073791"/>
+            <a:ext cx="6207854" cy="5217952"/>
+          </a:xfrm>
+          <a:prstGeom prst="rect">
+            <a:avLst/>
+          </a:prstGeom>
+          <a:noFill/>
+          <a:ln>
+            <a:solidFill>
+              <a:srgbClr val="1672FB"/>
+            </a:solidFill>
+          </a:ln>
+        </p:spPr>
+        <p:style>
+          <a:lnRef idx="2">
+            <a:schemeClr val="accent1">
+              <a:shade val="50000"/>
+            </a:schemeClr>
+          </a:lnRef>
+          <a:fillRef idx="1">
+            <a:schemeClr val="accent1"/>
+          </a:fillRef>
+          <a:effectRef idx="0">
+            <a:schemeClr val="accent1"/>
+          </a:effectRef>
+          <a:fontRef idx="minor">
+            <a:schemeClr val="lt1"/>
+          </a:fontRef>
+        </p:style>
+        <p:txBody>
+          <a:bodyPr rtlCol="0" anchor="t"/>
+          <a:lstStyle/>
+          <a:p>
+            <a:pPr algn="ctr"/>
+            <a:r>
+              <a:rPr lang="zh-CN" altLang="en-US" dirty="0">
+                <a:solidFill>
+                  <a:srgbClr val="1672FB"/>
+                </a:solidFill>
+                <a:latin typeface="Abadi" panose="020B0604020202020204" pitchFamily="34" charset="0"/>
+              </a:rPr>
+              <a:t>页面</a:t>
+            </a:r>
+            <a:r>
+              <a:rPr lang="en-US" altLang="zh-CN" dirty="0">
+                <a:solidFill>
+                  <a:srgbClr val="1672FB"/>
+                </a:solidFill>
+                <a:latin typeface="Abadi" panose="020B0604020202020204" pitchFamily="34" charset="0"/>
+              </a:rPr>
+              <a:t>Fragment</a:t>
+            </a:r>
+            <a:endParaRPr lang="zh-CN" altLang="en-US" dirty="0">
+              <a:solidFill>
+                <a:srgbClr val="1672FB"/>
+              </a:solidFill>
+              <a:latin typeface="Abadi" panose="020B0604020202020204" pitchFamily="34" charset="0"/>
+            </a:endParaRPr>
+          </a:p>
+        </p:txBody>
+      </p:sp>
+      <p:sp>
+        <p:nvSpPr>
+          <p:cNvPr id="3" name="矩形 2">
+            <a:extLst>
+              <a:ext uri="{FF2B5EF4-FFF2-40B4-BE49-F238E27FC236}">
+                <a16:creationId xmlns:a16="http://schemas.microsoft.com/office/drawing/2014/main" id="{89FAF2BE-CCB1-478F-902E-0D454E3340A6}"/>
+              </a:ext>
+            </a:extLst>
+          </p:cNvPr>
+          <p:cNvSpPr/>
+          <p:nvPr/>
+        </p:nvSpPr>
+        <p:spPr>
+          <a:xfrm>
+            <a:off x="4429387" y="1694576"/>
+            <a:ext cx="2634143" cy="4295163"/>
+          </a:xfrm>
+          <a:prstGeom prst="rect">
+            <a:avLst/>
+          </a:prstGeom>
+          <a:noFill/>
+          <a:ln>
+            <a:solidFill>
+              <a:schemeClr val="tx1"/>
+            </a:solidFill>
+            <a:prstDash val="sysDash"/>
+          </a:ln>
+        </p:spPr>
+        <p:style>
+          <a:lnRef idx="2">
+            <a:schemeClr val="accent1">
+              <a:shade val="50000"/>
+            </a:schemeClr>
+          </a:lnRef>
+          <a:fillRef idx="1">
+            <a:schemeClr val="accent1"/>
+          </a:fillRef>
+          <a:effectRef idx="0">
+            <a:schemeClr val="accent1"/>
+          </a:effectRef>
+          <a:fontRef idx="minor">
+            <a:schemeClr val="lt1"/>
+          </a:fontRef>
+        </p:style>
+        <p:txBody>
+          <a:bodyPr rtlCol="0" anchor="ctr"/>
+          <a:lstStyle/>
+          <a:p>
+            <a:pPr algn="ctr"/>
+            <a:endParaRPr lang="zh-CN" altLang="en-US"/>
+          </a:p>
+        </p:txBody>
+      </p:sp>
+      <p:sp>
+        <p:nvSpPr>
+          <p:cNvPr id="5" name="流程图: 准备 4">
+            <a:extLst>
+              <a:ext uri="{FF2B5EF4-FFF2-40B4-BE49-F238E27FC236}">
+                <a16:creationId xmlns:a16="http://schemas.microsoft.com/office/drawing/2014/main" id="{2C90A1BA-9D65-4B5D-8910-9ACEB96E136B}"/>
+              </a:ext>
+            </a:extLst>
+          </p:cNvPr>
+          <p:cNvSpPr/>
+          <p:nvPr/>
+        </p:nvSpPr>
+        <p:spPr>
+          <a:xfrm>
+            <a:off x="4604562" y="2206304"/>
+            <a:ext cx="1059003" cy="570450"/>
+          </a:xfrm>
+          <a:prstGeom prst="flowChartPreparation">
+            <a:avLst/>
+          </a:prstGeom>
+          <a:noFill/>
+          <a:ln>
+            <a:solidFill>
+              <a:schemeClr val="tx1"/>
+            </a:solidFill>
+          </a:ln>
+        </p:spPr>
+        <p:style>
+          <a:lnRef idx="2">
+            <a:schemeClr val="accent1">
+              <a:shade val="50000"/>
+            </a:schemeClr>
+          </a:lnRef>
+          <a:fillRef idx="1">
+            <a:schemeClr val="accent1"/>
+          </a:fillRef>
+          <a:effectRef idx="0">
+            <a:schemeClr val="accent1"/>
+          </a:effectRef>
+          <a:fontRef idx="minor">
+            <a:schemeClr val="lt1"/>
+          </a:fontRef>
+        </p:style>
+        <p:txBody>
+          <a:bodyPr rtlCol="0" anchor="ctr"/>
+          <a:lstStyle/>
+          <a:p>
+            <a:pPr algn="ctr"/>
+            <a:endParaRPr lang="zh-CN" altLang="en-US"/>
+          </a:p>
+        </p:txBody>
+      </p:sp>
+      <p:sp>
+        <p:nvSpPr>
+          <p:cNvPr id="6" name="文本框 5">
+            <a:extLst>
+              <a:ext uri="{FF2B5EF4-FFF2-40B4-BE49-F238E27FC236}">
+                <a16:creationId xmlns:a16="http://schemas.microsoft.com/office/drawing/2014/main" id="{C4A9E7C8-CFE1-455E-9DED-4FDEF961D6CA}"/>
+              </a:ext>
+            </a:extLst>
+          </p:cNvPr>
+          <p:cNvSpPr txBox="1"/>
+          <p:nvPr/>
+        </p:nvSpPr>
+        <p:spPr>
+          <a:xfrm>
+            <a:off x="4717596" y="2320862"/>
+            <a:ext cx="723275" cy="307777"/>
+          </a:xfrm>
+          <a:prstGeom prst="rect">
+            <a:avLst/>
+          </a:prstGeom>
+          <a:noFill/>
+        </p:spPr>
+        <p:txBody>
+          <a:bodyPr wrap="none" rtlCol="0">
+            <a:spAutoFit/>
+          </a:bodyPr>
+          <a:lstStyle/>
+          <a:p>
+            <a:r>
+              <a:rPr lang="en-US" altLang="zh-CN" sz="1400" dirty="0"/>
+              <a:t>UI</a:t>
+            </a:r>
+            <a:r>
+              <a:rPr lang="zh-CN" altLang="en-US" sz="1400" dirty="0"/>
+              <a:t>容器</a:t>
+            </a:r>
+          </a:p>
+        </p:txBody>
+      </p:sp>
+      <p:sp>
+        <p:nvSpPr>
+          <p:cNvPr id="7" name="椭圆 6">
+            <a:extLst>
+              <a:ext uri="{FF2B5EF4-FFF2-40B4-BE49-F238E27FC236}">
+                <a16:creationId xmlns:a16="http://schemas.microsoft.com/office/drawing/2014/main" id="{3321FA3D-F390-480E-997E-782A257ED919}"/>
+              </a:ext>
+            </a:extLst>
+          </p:cNvPr>
+          <p:cNvSpPr/>
+          <p:nvPr/>
+        </p:nvSpPr>
+        <p:spPr>
+          <a:xfrm>
+            <a:off x="5847127" y="2164359"/>
+            <a:ext cx="1065401" cy="620785"/>
+          </a:xfrm>
+          <a:prstGeom prst="ellipse">
+            <a:avLst/>
+          </a:prstGeom>
+          <a:noFill/>
+          <a:ln>
+            <a:solidFill>
+              <a:schemeClr val="tx1"/>
+            </a:solidFill>
+          </a:ln>
+        </p:spPr>
+        <p:style>
+          <a:lnRef idx="2">
+            <a:schemeClr val="accent1">
+              <a:shade val="50000"/>
+            </a:schemeClr>
+          </a:lnRef>
+          <a:fillRef idx="1">
+            <a:schemeClr val="accent1"/>
+          </a:fillRef>
+          <a:effectRef idx="0">
+            <a:schemeClr val="accent1"/>
+          </a:effectRef>
+          <a:fontRef idx="minor">
+            <a:schemeClr val="lt1"/>
+          </a:fontRef>
+        </p:style>
+        <p:txBody>
+          <a:bodyPr rtlCol="0" anchor="ctr"/>
+          <a:lstStyle/>
+          <a:p>
+            <a:pPr algn="ctr"/>
+            <a:endParaRPr lang="zh-CN" altLang="en-US"/>
+          </a:p>
+        </p:txBody>
+      </p:sp>
+      <p:sp>
+        <p:nvSpPr>
+          <p:cNvPr id="8" name="文本框 7">
+            <a:extLst>
+              <a:ext uri="{FF2B5EF4-FFF2-40B4-BE49-F238E27FC236}">
+                <a16:creationId xmlns:a16="http://schemas.microsoft.com/office/drawing/2014/main" id="{ED068EF4-4DF7-40E0-BB2D-0494D970F97D}"/>
+              </a:ext>
+            </a:extLst>
+          </p:cNvPr>
+          <p:cNvSpPr txBox="1"/>
+          <p:nvPr/>
+        </p:nvSpPr>
+        <p:spPr>
+          <a:xfrm>
+            <a:off x="5969762" y="2342772"/>
+            <a:ext cx="902811" cy="307777"/>
+          </a:xfrm>
+          <a:prstGeom prst="rect">
+            <a:avLst/>
+          </a:prstGeom>
+          <a:noFill/>
+        </p:spPr>
+        <p:txBody>
+          <a:bodyPr wrap="none" rtlCol="0">
+            <a:spAutoFit/>
+          </a:bodyPr>
+          <a:lstStyle/>
+          <a:p>
+            <a:r>
+              <a:rPr lang="zh-CN" altLang="en-US" sz="1400" dirty="0"/>
+              <a:t>功能组件</a:t>
+            </a:r>
+          </a:p>
+        </p:txBody>
+      </p:sp>
+      <p:sp>
+        <p:nvSpPr>
+          <p:cNvPr id="9" name="文本框 8">
+            <a:extLst>
+              <a:ext uri="{FF2B5EF4-FFF2-40B4-BE49-F238E27FC236}">
+                <a16:creationId xmlns:a16="http://schemas.microsoft.com/office/drawing/2014/main" id="{8A645529-C898-4A6B-AF8D-84D8991976DC}"/>
+              </a:ext>
+            </a:extLst>
+          </p:cNvPr>
+          <p:cNvSpPr txBox="1"/>
+          <p:nvPr/>
+        </p:nvSpPr>
+        <p:spPr>
+          <a:xfrm>
+            <a:off x="5134063" y="1758583"/>
+            <a:ext cx="1107996" cy="369332"/>
+          </a:xfrm>
+          <a:prstGeom prst="rect">
+            <a:avLst/>
+          </a:prstGeom>
+          <a:noFill/>
+        </p:spPr>
+        <p:txBody>
+          <a:bodyPr wrap="none" rtlCol="0">
+            <a:spAutoFit/>
+          </a:bodyPr>
+          <a:lstStyle/>
+          <a:p>
+            <a:r>
+              <a:rPr lang="zh-CN" altLang="en-US" dirty="0"/>
+              <a:t>模块管理</a:t>
+            </a:r>
+          </a:p>
+        </p:txBody>
+      </p:sp>
+      <p:sp>
+        <p:nvSpPr>
+          <p:cNvPr id="10" name="矩形 9">
+            <a:extLst>
+              <a:ext uri="{FF2B5EF4-FFF2-40B4-BE49-F238E27FC236}">
+                <a16:creationId xmlns:a16="http://schemas.microsoft.com/office/drawing/2014/main" id="{FF630CA7-DB7A-49EB-A767-043D3D944C0F}"/>
+              </a:ext>
+            </a:extLst>
+          </p:cNvPr>
+          <p:cNvSpPr/>
+          <p:nvPr/>
+        </p:nvSpPr>
+        <p:spPr>
+          <a:xfrm>
+            <a:off x="4983060" y="3350580"/>
+            <a:ext cx="1501629" cy="717262"/>
+          </a:xfrm>
+          <a:prstGeom prst="rect">
+            <a:avLst/>
+          </a:prstGeom>
+          <a:noFill/>
+          <a:ln>
+            <a:solidFill>
+              <a:schemeClr val="tx1"/>
+            </a:solidFill>
+          </a:ln>
+        </p:spPr>
+        <p:style>
+          <a:lnRef idx="2">
+            <a:schemeClr val="accent1">
+              <a:shade val="50000"/>
+            </a:schemeClr>
+          </a:lnRef>
+          <a:fillRef idx="1">
+            <a:schemeClr val="accent1"/>
+          </a:fillRef>
+          <a:effectRef idx="0">
+            <a:schemeClr val="accent1"/>
+          </a:effectRef>
+          <a:fontRef idx="minor">
+            <a:schemeClr val="lt1"/>
+          </a:fontRef>
+        </p:style>
+        <p:txBody>
+          <a:bodyPr rtlCol="0" anchor="ctr"/>
+          <a:lstStyle/>
+          <a:p>
+            <a:pPr algn="ctr"/>
+            <a:endParaRPr lang="zh-CN" altLang="en-US"/>
+          </a:p>
+        </p:txBody>
+      </p:sp>
+      <p:sp>
+        <p:nvSpPr>
+          <p:cNvPr id="14" name="矩形 13">
+            <a:extLst>
+              <a:ext uri="{FF2B5EF4-FFF2-40B4-BE49-F238E27FC236}">
+                <a16:creationId xmlns:a16="http://schemas.microsoft.com/office/drawing/2014/main" id="{92D44F7A-99D3-459C-9620-8BB273BF36B1}"/>
+              </a:ext>
+            </a:extLst>
+          </p:cNvPr>
+          <p:cNvSpPr/>
+          <p:nvPr/>
+        </p:nvSpPr>
+        <p:spPr>
+          <a:xfrm>
+            <a:off x="4974671" y="4748272"/>
+            <a:ext cx="1501629" cy="717262"/>
+          </a:xfrm>
+          <a:prstGeom prst="rect">
+            <a:avLst/>
+          </a:prstGeom>
+          <a:noFill/>
+          <a:ln>
+            <a:solidFill>
+              <a:schemeClr val="tx1"/>
+            </a:solidFill>
+          </a:ln>
+        </p:spPr>
+        <p:style>
+          <a:lnRef idx="2">
+            <a:schemeClr val="accent1">
+              <a:shade val="50000"/>
+            </a:schemeClr>
+          </a:lnRef>
+          <a:fillRef idx="1">
+            <a:schemeClr val="accent1"/>
+          </a:fillRef>
+          <a:effectRef idx="0">
+            <a:schemeClr val="accent1"/>
+          </a:effectRef>
+          <a:fontRef idx="minor">
+            <a:schemeClr val="lt1"/>
+          </a:fontRef>
+        </p:style>
+        <p:txBody>
+          <a:bodyPr rtlCol="0" anchor="ctr"/>
+          <a:lstStyle/>
+          <a:p>
+            <a:pPr algn="ctr"/>
+            <a:endParaRPr lang="zh-CN" altLang="en-US"/>
+          </a:p>
+        </p:txBody>
+      </p:sp>
+      <p:sp>
+        <p:nvSpPr>
+          <p:cNvPr id="11" name="文本框 10">
+            <a:extLst>
+              <a:ext uri="{FF2B5EF4-FFF2-40B4-BE49-F238E27FC236}">
+                <a16:creationId xmlns:a16="http://schemas.microsoft.com/office/drawing/2014/main" id="{C7C86AE4-4E5C-4BA8-BBF9-F6E807B997E5}"/>
+              </a:ext>
+            </a:extLst>
+          </p:cNvPr>
+          <p:cNvSpPr txBox="1"/>
+          <p:nvPr/>
+        </p:nvSpPr>
+        <p:spPr>
+          <a:xfrm>
+            <a:off x="5134063" y="3514666"/>
+            <a:ext cx="1107996" cy="369332"/>
+          </a:xfrm>
+          <a:prstGeom prst="rect">
+            <a:avLst/>
+          </a:prstGeom>
+          <a:noFill/>
+        </p:spPr>
+        <p:txBody>
+          <a:bodyPr wrap="none" rtlCol="0">
+            <a:spAutoFit/>
+          </a:bodyPr>
+          <a:lstStyle/>
+          <a:p>
+            <a:r>
+              <a:rPr lang="en-US" altLang="zh-CN" dirty="0"/>
+              <a:t>UI</a:t>
+            </a:r>
+            <a:r>
+              <a:rPr lang="zh-CN" altLang="en-US" dirty="0"/>
+              <a:t>管理器</a:t>
+            </a:r>
+          </a:p>
+        </p:txBody>
+      </p:sp>
+      <p:sp>
+        <p:nvSpPr>
+          <p:cNvPr id="12" name="文本框 11">
+            <a:extLst>
+              <a:ext uri="{FF2B5EF4-FFF2-40B4-BE49-F238E27FC236}">
+                <a16:creationId xmlns:a16="http://schemas.microsoft.com/office/drawing/2014/main" id="{D2F6EC1F-6B39-419C-9E80-0E4269036A64}"/>
+              </a:ext>
+            </a:extLst>
+          </p:cNvPr>
+          <p:cNvSpPr txBox="1"/>
+          <p:nvPr/>
+        </p:nvSpPr>
+        <p:spPr>
+          <a:xfrm>
+            <a:off x="5056071" y="4922237"/>
+            <a:ext cx="1338828" cy="369332"/>
+          </a:xfrm>
+          <a:prstGeom prst="rect">
+            <a:avLst/>
+          </a:prstGeom>
+          <a:noFill/>
+        </p:spPr>
+        <p:txBody>
+          <a:bodyPr wrap="none" rtlCol="0">
+            <a:spAutoFit/>
+          </a:bodyPr>
+          <a:lstStyle/>
+          <a:p>
+            <a:r>
+              <a:rPr lang="zh-CN" altLang="en-US" dirty="0"/>
+              <a:t>模块管理器</a:t>
+            </a:r>
+          </a:p>
+        </p:txBody>
+      </p:sp>
+      <p:cxnSp>
+        <p:nvCxnSpPr>
+          <p:cNvPr id="17" name="直接箭头连接符 16">
+            <a:extLst>
+              <a:ext uri="{FF2B5EF4-FFF2-40B4-BE49-F238E27FC236}">
+                <a16:creationId xmlns:a16="http://schemas.microsoft.com/office/drawing/2014/main" id="{482543AE-8B1F-47FE-A507-48A99E333369}"/>
+              </a:ext>
+            </a:extLst>
+          </p:cNvPr>
+          <p:cNvCxnSpPr>
+            <a:stCxn id="5" idx="2"/>
+            <a:endCxn id="10" idx="0"/>
+          </p:cNvCxnSpPr>
+          <p:nvPr/>
+        </p:nvCxnSpPr>
+        <p:spPr>
+          <a:xfrm>
+            <a:off x="5134064" y="2776754"/>
+            <a:ext cx="599811" cy="573826"/>
+          </a:xfrm>
+          <a:prstGeom prst="straightConnector1">
+            <a:avLst/>
+          </a:prstGeom>
+          <a:ln w="19050">
+            <a:tailEnd type="triangle"/>
+          </a:ln>
+        </p:spPr>
+        <p:style>
+          <a:lnRef idx="1">
+            <a:schemeClr val="dk1"/>
+          </a:lnRef>
+          <a:fillRef idx="0">
+            <a:schemeClr val="dk1"/>
+          </a:fillRef>
+          <a:effectRef idx="0">
+            <a:schemeClr val="dk1"/>
+          </a:effectRef>
+          <a:fontRef idx="minor">
+            <a:schemeClr val="tx1"/>
+          </a:fontRef>
+        </p:style>
+      </p:cxnSp>
+      <p:sp>
+        <p:nvSpPr>
+          <p:cNvPr id="18" name="矩形 17">
+            <a:extLst>
+              <a:ext uri="{FF2B5EF4-FFF2-40B4-BE49-F238E27FC236}">
+                <a16:creationId xmlns:a16="http://schemas.microsoft.com/office/drawing/2014/main" id="{0543FDBB-76CA-4EB3-BA4E-D4530AA8613F}"/>
+              </a:ext>
+            </a:extLst>
+          </p:cNvPr>
+          <p:cNvSpPr/>
+          <p:nvPr/>
+        </p:nvSpPr>
+        <p:spPr>
+          <a:xfrm>
+            <a:off x="7962550" y="1313024"/>
+            <a:ext cx="1333850" cy="570450"/>
+          </a:xfrm>
+          <a:prstGeom prst="rect">
+            <a:avLst/>
+          </a:prstGeom>
+          <a:solidFill>
+            <a:schemeClr val="bg1"/>
+          </a:solidFill>
+          <a:ln>
+            <a:solidFill>
+              <a:schemeClr val="tx1"/>
+            </a:solidFill>
+          </a:ln>
+        </p:spPr>
+        <p:style>
+          <a:lnRef idx="2">
+            <a:schemeClr val="accent1">
+              <a:shade val="50000"/>
+            </a:schemeClr>
+          </a:lnRef>
+          <a:fillRef idx="1">
+            <a:schemeClr val="accent1"/>
+          </a:fillRef>
+          <a:effectRef idx="0">
+            <a:schemeClr val="accent1"/>
+          </a:effectRef>
+          <a:fontRef idx="minor">
+            <a:schemeClr val="lt1"/>
+          </a:fontRef>
+        </p:style>
+        <p:txBody>
+          <a:bodyPr rtlCol="0" anchor="ctr"/>
+          <a:lstStyle/>
+          <a:p>
+            <a:pPr algn="ctr"/>
+            <a:r>
+              <a:rPr lang="zh-CN" altLang="en-US" dirty="0">
+                <a:solidFill>
+                  <a:schemeClr val="tx1"/>
+                </a:solidFill>
+              </a:rPr>
+              <a:t>模块</a:t>
+            </a:r>
+            <a:r>
+              <a:rPr lang="en-US" altLang="zh-CN" dirty="0">
+                <a:solidFill>
+                  <a:schemeClr val="tx1"/>
+                </a:solidFill>
+              </a:rPr>
+              <a:t>1</a:t>
+            </a:r>
+            <a:endParaRPr lang="zh-CN" altLang="en-US" dirty="0">
+              <a:solidFill>
+                <a:schemeClr val="tx1"/>
+              </a:solidFill>
+            </a:endParaRPr>
+          </a:p>
+        </p:txBody>
+      </p:sp>
+      <p:sp>
+        <p:nvSpPr>
+          <p:cNvPr id="22" name="矩形 21">
+            <a:extLst>
+              <a:ext uri="{FF2B5EF4-FFF2-40B4-BE49-F238E27FC236}">
+                <a16:creationId xmlns:a16="http://schemas.microsoft.com/office/drawing/2014/main" id="{D4791639-2FC4-44FA-9849-6EC0D4FD5EAA}"/>
+              </a:ext>
+            </a:extLst>
+          </p:cNvPr>
+          <p:cNvSpPr/>
+          <p:nvPr/>
+        </p:nvSpPr>
+        <p:spPr>
+          <a:xfrm>
+            <a:off x="7658374" y="2283150"/>
+            <a:ext cx="1942051" cy="1262024"/>
+          </a:xfrm>
+          <a:prstGeom prst="rect">
+            <a:avLst/>
+          </a:prstGeom>
+          <a:noFill/>
+          <a:ln>
+            <a:solidFill>
+              <a:schemeClr val="tx1"/>
+            </a:solidFill>
+          </a:ln>
+        </p:spPr>
+        <p:style>
+          <a:lnRef idx="2">
+            <a:schemeClr val="accent1">
+              <a:shade val="50000"/>
+            </a:schemeClr>
+          </a:lnRef>
+          <a:fillRef idx="1">
+            <a:schemeClr val="accent1"/>
+          </a:fillRef>
+          <a:effectRef idx="0">
+            <a:schemeClr val="accent1"/>
+          </a:effectRef>
+          <a:fontRef idx="minor">
+            <a:schemeClr val="lt1"/>
+          </a:fontRef>
+        </p:style>
+        <p:txBody>
+          <a:bodyPr rtlCol="0" anchor="ctr"/>
+          <a:lstStyle/>
+          <a:p>
+            <a:pPr algn="ctr"/>
+            <a:endParaRPr lang="zh-CN" altLang="en-US"/>
+          </a:p>
+        </p:txBody>
+      </p:sp>
+      <p:sp>
+        <p:nvSpPr>
+          <p:cNvPr id="25" name="矩形 24">
+            <a:extLst>
+              <a:ext uri="{FF2B5EF4-FFF2-40B4-BE49-F238E27FC236}">
+                <a16:creationId xmlns:a16="http://schemas.microsoft.com/office/drawing/2014/main" id="{EFC94FA3-00B4-42A3-A8BA-FD2BC5C90FA9}"/>
+              </a:ext>
+            </a:extLst>
+          </p:cNvPr>
+          <p:cNvSpPr/>
+          <p:nvPr/>
+        </p:nvSpPr>
+        <p:spPr>
+          <a:xfrm>
+            <a:off x="7898234" y="5419289"/>
+            <a:ext cx="1333850" cy="570450"/>
+          </a:xfrm>
+          <a:prstGeom prst="rect">
+            <a:avLst/>
+          </a:prstGeom>
+          <a:solidFill>
+            <a:schemeClr val="bg1"/>
+          </a:solidFill>
+          <a:ln>
+            <a:solidFill>
+              <a:schemeClr val="tx1"/>
+            </a:solidFill>
+          </a:ln>
+        </p:spPr>
+        <p:style>
+          <a:lnRef idx="2">
+            <a:schemeClr val="accent1">
+              <a:shade val="50000"/>
+            </a:schemeClr>
+          </a:lnRef>
+          <a:fillRef idx="1">
+            <a:schemeClr val="accent1"/>
+          </a:fillRef>
+          <a:effectRef idx="0">
+            <a:schemeClr val="accent1"/>
+          </a:effectRef>
+          <a:fontRef idx="minor">
+            <a:schemeClr val="lt1"/>
+          </a:fontRef>
+        </p:style>
+        <p:txBody>
+          <a:bodyPr rtlCol="0" anchor="ctr"/>
+          <a:lstStyle/>
+          <a:p>
+            <a:pPr algn="ctr"/>
+            <a:r>
+              <a:rPr lang="zh-CN" altLang="en-US" dirty="0">
+                <a:solidFill>
+                  <a:schemeClr val="tx1"/>
+                </a:solidFill>
+              </a:rPr>
+              <a:t>模块</a:t>
+            </a:r>
+            <a:r>
+              <a:rPr lang="en-US" altLang="zh-CN" dirty="0">
+                <a:solidFill>
+                  <a:schemeClr val="tx1"/>
+                </a:solidFill>
+              </a:rPr>
+              <a:t>4</a:t>
+            </a:r>
+            <a:endParaRPr lang="zh-CN" altLang="en-US" dirty="0">
+              <a:solidFill>
+                <a:schemeClr val="tx1"/>
+              </a:solidFill>
+            </a:endParaRPr>
+          </a:p>
+        </p:txBody>
+      </p:sp>
+      <p:sp>
+        <p:nvSpPr>
+          <p:cNvPr id="19" name="文本框 18">
+            <a:extLst>
+              <a:ext uri="{FF2B5EF4-FFF2-40B4-BE49-F238E27FC236}">
+                <a16:creationId xmlns:a16="http://schemas.microsoft.com/office/drawing/2014/main" id="{A6851DF2-796B-4A7E-830F-F25CC089F662}"/>
+              </a:ext>
+            </a:extLst>
+          </p:cNvPr>
+          <p:cNvSpPr txBox="1"/>
+          <p:nvPr/>
+        </p:nvSpPr>
+        <p:spPr>
+          <a:xfrm>
+            <a:off x="7834930" y="2273944"/>
+            <a:ext cx="1477237" cy="523220"/>
+          </a:xfrm>
+          <a:prstGeom prst="rect">
+            <a:avLst/>
+          </a:prstGeom>
+          <a:noFill/>
+        </p:spPr>
+        <p:txBody>
+          <a:bodyPr wrap="square" rtlCol="0">
+            <a:spAutoFit/>
+          </a:bodyPr>
+          <a:lstStyle/>
+          <a:p>
+            <a:pPr algn="ctr"/>
+            <a:r>
+              <a:rPr lang="zh-CN" altLang="en-US" sz="1400" dirty="0"/>
+              <a:t>模块</a:t>
+            </a:r>
+            <a:r>
+              <a:rPr lang="en-US" altLang="zh-CN" sz="1400" dirty="0"/>
+              <a:t>2</a:t>
+            </a:r>
+          </a:p>
+          <a:p>
+            <a:pPr algn="ctr"/>
+            <a:r>
+              <a:rPr lang="zh-CN" altLang="en-US" sz="1400" dirty="0"/>
+              <a:t>（</a:t>
+            </a:r>
+            <a:r>
+              <a:rPr lang="en-US" altLang="zh-CN" sz="1400" dirty="0"/>
+              <a:t>Interface</a:t>
+            </a:r>
+            <a:r>
+              <a:rPr lang="zh-CN" altLang="en-US" sz="1400" dirty="0"/>
+              <a:t>）</a:t>
+            </a:r>
+          </a:p>
+        </p:txBody>
+      </p:sp>
+      <p:sp>
+        <p:nvSpPr>
+          <p:cNvPr id="20" name="矩形 19">
+            <a:extLst>
+              <a:ext uri="{FF2B5EF4-FFF2-40B4-BE49-F238E27FC236}">
+                <a16:creationId xmlns:a16="http://schemas.microsoft.com/office/drawing/2014/main" id="{60E7C62B-E248-41A1-BF8D-29D179F86492}"/>
+              </a:ext>
+            </a:extLst>
+          </p:cNvPr>
+          <p:cNvSpPr/>
+          <p:nvPr/>
+        </p:nvSpPr>
+        <p:spPr>
+          <a:xfrm>
+            <a:off x="7898234" y="2797164"/>
+            <a:ext cx="1398166" cy="553416"/>
+          </a:xfrm>
+          <a:prstGeom prst="rect">
+            <a:avLst/>
+          </a:prstGeom>
+          <a:noFill/>
+          <a:ln>
+            <a:solidFill>
+              <a:schemeClr val="tx1"/>
+            </a:solidFill>
+          </a:ln>
+        </p:spPr>
+        <p:style>
+          <a:lnRef idx="2">
+            <a:schemeClr val="accent1">
+              <a:shade val="50000"/>
+            </a:schemeClr>
+          </a:lnRef>
+          <a:fillRef idx="1">
+            <a:schemeClr val="accent1"/>
+          </a:fillRef>
+          <a:effectRef idx="0">
+            <a:schemeClr val="accent1"/>
+          </a:effectRef>
+          <a:fontRef idx="minor">
+            <a:schemeClr val="lt1"/>
+          </a:fontRef>
+        </p:style>
+        <p:txBody>
+          <a:bodyPr rtlCol="0" anchor="ctr"/>
+          <a:lstStyle/>
+          <a:p>
+            <a:pPr algn="ctr"/>
+            <a:endParaRPr lang="zh-CN" altLang="en-US"/>
+          </a:p>
+        </p:txBody>
+      </p:sp>
+      <p:sp>
+        <p:nvSpPr>
+          <p:cNvPr id="21" name="文本框 20">
+            <a:extLst>
+              <a:ext uri="{FF2B5EF4-FFF2-40B4-BE49-F238E27FC236}">
+                <a16:creationId xmlns:a16="http://schemas.microsoft.com/office/drawing/2014/main" id="{77590FC7-62F8-45BE-9DD2-7D7F6C65A3C0}"/>
+              </a:ext>
+            </a:extLst>
+          </p:cNvPr>
+          <p:cNvSpPr txBox="1"/>
+          <p:nvPr/>
+        </p:nvSpPr>
+        <p:spPr>
+          <a:xfrm>
+            <a:off x="7915694" y="2889497"/>
+            <a:ext cx="1396473" cy="307777"/>
+          </a:xfrm>
+          <a:prstGeom prst="rect">
+            <a:avLst/>
+          </a:prstGeom>
+          <a:noFill/>
+        </p:spPr>
+        <p:txBody>
+          <a:bodyPr wrap="none" rtlCol="0">
+            <a:spAutoFit/>
+          </a:bodyPr>
+          <a:lstStyle/>
+          <a:p>
+            <a:r>
+              <a:rPr lang="en-US" altLang="zh-CN" sz="1400" dirty="0"/>
+              <a:t>View Container</a:t>
+            </a:r>
+            <a:endParaRPr lang="zh-CN" altLang="en-US" sz="1400" dirty="0"/>
+          </a:p>
+        </p:txBody>
+      </p:sp>
+      <p:sp>
+        <p:nvSpPr>
+          <p:cNvPr id="29" name="矩形 28">
+            <a:extLst>
+              <a:ext uri="{FF2B5EF4-FFF2-40B4-BE49-F238E27FC236}">
+                <a16:creationId xmlns:a16="http://schemas.microsoft.com/office/drawing/2014/main" id="{5C1111C7-AFD5-4355-8E98-6E2CD9D2AE84}"/>
+              </a:ext>
+            </a:extLst>
+          </p:cNvPr>
+          <p:cNvSpPr/>
+          <p:nvPr/>
+        </p:nvSpPr>
+        <p:spPr>
+          <a:xfrm>
+            <a:off x="7633982" y="3760933"/>
+            <a:ext cx="1942051" cy="1262024"/>
+          </a:xfrm>
+          <a:prstGeom prst="rect">
+            <a:avLst/>
+          </a:prstGeom>
+          <a:noFill/>
+          <a:ln>
+            <a:solidFill>
+              <a:schemeClr val="tx1"/>
+            </a:solidFill>
+          </a:ln>
+        </p:spPr>
+        <p:style>
+          <a:lnRef idx="2">
+            <a:schemeClr val="accent1">
+              <a:shade val="50000"/>
+            </a:schemeClr>
+          </a:lnRef>
+          <a:fillRef idx="1">
+            <a:schemeClr val="accent1"/>
+          </a:fillRef>
+          <a:effectRef idx="0">
+            <a:schemeClr val="accent1"/>
+          </a:effectRef>
+          <a:fontRef idx="minor">
+            <a:schemeClr val="lt1"/>
+          </a:fontRef>
+        </p:style>
+        <p:txBody>
+          <a:bodyPr rtlCol="0" anchor="ctr"/>
+          <a:lstStyle/>
+          <a:p>
+            <a:pPr algn="ctr"/>
+            <a:endParaRPr lang="zh-CN" altLang="en-US"/>
+          </a:p>
+        </p:txBody>
+      </p:sp>
+      <p:sp>
+        <p:nvSpPr>
+          <p:cNvPr id="30" name="文本框 29">
+            <a:extLst>
+              <a:ext uri="{FF2B5EF4-FFF2-40B4-BE49-F238E27FC236}">
+                <a16:creationId xmlns:a16="http://schemas.microsoft.com/office/drawing/2014/main" id="{FCB973DD-E668-40D8-BB47-4E22D7FA473A}"/>
+              </a:ext>
+            </a:extLst>
+          </p:cNvPr>
+          <p:cNvSpPr txBox="1"/>
+          <p:nvPr/>
+        </p:nvSpPr>
+        <p:spPr>
+          <a:xfrm>
+            <a:off x="7858698" y="3820247"/>
+            <a:ext cx="1477237" cy="523220"/>
+          </a:xfrm>
+          <a:prstGeom prst="rect">
+            <a:avLst/>
+          </a:prstGeom>
+          <a:noFill/>
+        </p:spPr>
+        <p:txBody>
+          <a:bodyPr wrap="square" rtlCol="0">
+            <a:spAutoFit/>
+          </a:bodyPr>
+          <a:lstStyle/>
+          <a:p>
+            <a:pPr algn="ctr"/>
+            <a:r>
+              <a:rPr lang="zh-CN" altLang="en-US" sz="1400" dirty="0"/>
+              <a:t>模块</a:t>
+            </a:r>
+            <a:r>
+              <a:rPr lang="en-US" altLang="zh-CN" sz="1400" dirty="0"/>
+              <a:t>2</a:t>
+            </a:r>
+          </a:p>
+          <a:p>
+            <a:pPr algn="ctr"/>
+            <a:r>
+              <a:rPr lang="zh-CN" altLang="en-US" sz="1400" dirty="0"/>
+              <a:t>（</a:t>
+            </a:r>
+            <a:r>
+              <a:rPr lang="en-US" altLang="zh-CN" sz="1400" dirty="0"/>
+              <a:t>Interface</a:t>
+            </a:r>
+            <a:r>
+              <a:rPr lang="zh-CN" altLang="en-US" sz="1400" dirty="0"/>
+              <a:t>）</a:t>
+            </a:r>
+          </a:p>
+        </p:txBody>
+      </p:sp>
+      <p:sp>
+        <p:nvSpPr>
+          <p:cNvPr id="31" name="矩形 30">
+            <a:extLst>
+              <a:ext uri="{FF2B5EF4-FFF2-40B4-BE49-F238E27FC236}">
+                <a16:creationId xmlns:a16="http://schemas.microsoft.com/office/drawing/2014/main" id="{0F9BBA02-66F3-4888-B891-68CE3B459A1A}"/>
+              </a:ext>
+            </a:extLst>
+          </p:cNvPr>
+          <p:cNvSpPr/>
+          <p:nvPr/>
+        </p:nvSpPr>
+        <p:spPr>
+          <a:xfrm>
+            <a:off x="7858699" y="4360751"/>
+            <a:ext cx="1548930" cy="561486"/>
+          </a:xfrm>
+          <a:prstGeom prst="rect">
+            <a:avLst/>
+          </a:prstGeom>
+          <a:noFill/>
+          <a:ln>
+            <a:solidFill>
+              <a:schemeClr val="tx1"/>
+            </a:solidFill>
+          </a:ln>
+        </p:spPr>
+        <p:style>
+          <a:lnRef idx="2">
+            <a:schemeClr val="accent1">
+              <a:shade val="50000"/>
+            </a:schemeClr>
+          </a:lnRef>
+          <a:fillRef idx="1">
+            <a:schemeClr val="accent1"/>
+          </a:fillRef>
+          <a:effectRef idx="0">
+            <a:schemeClr val="accent1"/>
+          </a:effectRef>
+          <a:fontRef idx="minor">
+            <a:schemeClr val="lt1"/>
+          </a:fontRef>
+        </p:style>
+        <p:txBody>
+          <a:bodyPr rtlCol="0" anchor="ctr"/>
+          <a:lstStyle/>
+          <a:p>
+            <a:pPr algn="ctr"/>
+            <a:endParaRPr lang="zh-CN" altLang="en-US"/>
+          </a:p>
+        </p:txBody>
+      </p:sp>
+      <p:sp>
+        <p:nvSpPr>
+          <p:cNvPr id="35" name="文本框 34">
+            <a:extLst>
+              <a:ext uri="{FF2B5EF4-FFF2-40B4-BE49-F238E27FC236}">
+                <a16:creationId xmlns:a16="http://schemas.microsoft.com/office/drawing/2014/main" id="{A185D5A0-1275-4C90-887A-E7015A20CEAB}"/>
+              </a:ext>
+            </a:extLst>
+          </p:cNvPr>
+          <p:cNvSpPr txBox="1"/>
+          <p:nvPr/>
+        </p:nvSpPr>
+        <p:spPr>
+          <a:xfrm>
+            <a:off x="7844825" y="4453084"/>
+            <a:ext cx="1569148" cy="338554"/>
+          </a:xfrm>
+          <a:prstGeom prst="rect">
+            <a:avLst/>
+          </a:prstGeom>
+          <a:noFill/>
+        </p:spPr>
+        <p:txBody>
+          <a:bodyPr wrap="none" rtlCol="0">
+            <a:spAutoFit/>
+          </a:bodyPr>
+          <a:lstStyle/>
+          <a:p>
+            <a:r>
+              <a:rPr lang="en-US" altLang="zh-CN" sz="1600" dirty="0"/>
+              <a:t>View Container</a:t>
+            </a:r>
+            <a:endParaRPr lang="zh-CN" altLang="en-US" sz="1600" dirty="0"/>
+          </a:p>
+        </p:txBody>
+      </p:sp>
+      <p:cxnSp>
+        <p:nvCxnSpPr>
+          <p:cNvPr id="27" name="直接箭头连接符 26">
+            <a:extLst>
+              <a:ext uri="{FF2B5EF4-FFF2-40B4-BE49-F238E27FC236}">
+                <a16:creationId xmlns:a16="http://schemas.microsoft.com/office/drawing/2014/main" id="{42DA263A-35E8-4770-8830-74895FC4393F}"/>
+              </a:ext>
+            </a:extLst>
+          </p:cNvPr>
+          <p:cNvCxnSpPr>
+            <a:stCxn id="7" idx="6"/>
+            <a:endCxn id="18" idx="1"/>
+          </p:cNvCxnSpPr>
+          <p:nvPr/>
+        </p:nvCxnSpPr>
+        <p:spPr>
+          <a:xfrm flipV="1">
+            <a:off x="6912528" y="1598249"/>
+            <a:ext cx="1050022" cy="876503"/>
+          </a:xfrm>
+          <a:prstGeom prst="straightConnector1">
+            <a:avLst/>
+          </a:prstGeom>
+          <a:ln w="19050">
+            <a:tailEnd type="triangle"/>
+          </a:ln>
+        </p:spPr>
+        <p:style>
+          <a:lnRef idx="1">
+            <a:schemeClr val="dk1"/>
+          </a:lnRef>
+          <a:fillRef idx="0">
+            <a:schemeClr val="dk1"/>
+          </a:fillRef>
+          <a:effectRef idx="0">
+            <a:schemeClr val="dk1"/>
+          </a:effectRef>
+          <a:fontRef idx="minor">
+            <a:schemeClr val="tx1"/>
+          </a:fontRef>
+        </p:style>
+      </p:cxnSp>
+      <p:cxnSp>
+        <p:nvCxnSpPr>
+          <p:cNvPr id="36" name="直接箭头连接符 35">
+            <a:extLst>
+              <a:ext uri="{FF2B5EF4-FFF2-40B4-BE49-F238E27FC236}">
+                <a16:creationId xmlns:a16="http://schemas.microsoft.com/office/drawing/2014/main" id="{08D68EF4-3481-4025-9776-A991A9ED46E8}"/>
+              </a:ext>
+            </a:extLst>
+          </p:cNvPr>
+          <p:cNvCxnSpPr>
+            <a:stCxn id="10" idx="3"/>
+            <a:endCxn id="21" idx="1"/>
+          </p:cNvCxnSpPr>
+          <p:nvPr/>
+        </p:nvCxnSpPr>
+        <p:spPr>
+          <a:xfrm flipV="1">
+            <a:off x="6484689" y="3043386"/>
+            <a:ext cx="1431005" cy="665825"/>
+          </a:xfrm>
+          <a:prstGeom prst="straightConnector1">
+            <a:avLst/>
+          </a:prstGeom>
+          <a:ln w="19050">
+            <a:tailEnd type="triangle"/>
+          </a:ln>
+        </p:spPr>
+        <p:style>
+          <a:lnRef idx="1">
+            <a:schemeClr val="dk1"/>
+          </a:lnRef>
+          <a:fillRef idx="0">
+            <a:schemeClr val="dk1"/>
+          </a:fillRef>
+          <a:effectRef idx="0">
+            <a:schemeClr val="dk1"/>
+          </a:effectRef>
+          <a:fontRef idx="minor">
+            <a:schemeClr val="tx1"/>
+          </a:fontRef>
+        </p:style>
+      </p:cxnSp>
+      <p:cxnSp>
+        <p:nvCxnSpPr>
+          <p:cNvPr id="38" name="直接箭头连接符 37">
+            <a:extLst>
+              <a:ext uri="{FF2B5EF4-FFF2-40B4-BE49-F238E27FC236}">
+                <a16:creationId xmlns:a16="http://schemas.microsoft.com/office/drawing/2014/main" id="{5DFA905E-97B2-467B-A0AC-29A32E1EBB26}"/>
+              </a:ext>
+            </a:extLst>
+          </p:cNvPr>
+          <p:cNvCxnSpPr>
+            <a:stCxn id="10" idx="3"/>
+            <a:endCxn id="35" idx="1"/>
+          </p:cNvCxnSpPr>
+          <p:nvPr/>
+        </p:nvCxnSpPr>
+        <p:spPr>
+          <a:xfrm>
+            <a:off x="6484689" y="3709211"/>
+            <a:ext cx="1360136" cy="913150"/>
+          </a:xfrm>
+          <a:prstGeom prst="straightConnector1">
+            <a:avLst/>
+          </a:prstGeom>
+          <a:ln w="19050">
+            <a:tailEnd type="triangle"/>
+          </a:ln>
+        </p:spPr>
+        <p:style>
+          <a:lnRef idx="1">
+            <a:schemeClr val="dk1"/>
+          </a:lnRef>
+          <a:fillRef idx="0">
+            <a:schemeClr val="dk1"/>
+          </a:fillRef>
+          <a:effectRef idx="0">
+            <a:schemeClr val="dk1"/>
+          </a:effectRef>
+          <a:fontRef idx="minor">
+            <a:schemeClr val="tx1"/>
+          </a:fontRef>
+        </p:style>
+      </p:cxnSp>
+      <p:cxnSp>
+        <p:nvCxnSpPr>
+          <p:cNvPr id="40" name="直接箭头连接符 39">
+            <a:extLst>
+              <a:ext uri="{FF2B5EF4-FFF2-40B4-BE49-F238E27FC236}">
+                <a16:creationId xmlns:a16="http://schemas.microsoft.com/office/drawing/2014/main" id="{2832D606-7A76-4DDD-91A0-554FFD376EDF}"/>
+              </a:ext>
+            </a:extLst>
+          </p:cNvPr>
+          <p:cNvCxnSpPr>
+            <a:stCxn id="14" idx="3"/>
+            <a:endCxn id="29" idx="1"/>
+          </p:cNvCxnSpPr>
+          <p:nvPr/>
+        </p:nvCxnSpPr>
+        <p:spPr>
+          <a:xfrm flipV="1">
+            <a:off x="6476300" y="4391945"/>
+            <a:ext cx="1157682" cy="714958"/>
+          </a:xfrm>
+          <a:prstGeom prst="straightConnector1">
+            <a:avLst/>
+          </a:prstGeom>
+          <a:ln w="19050">
+            <a:tailEnd type="triangle"/>
+          </a:ln>
+        </p:spPr>
+        <p:style>
+          <a:lnRef idx="1">
+            <a:schemeClr val="dk1"/>
+          </a:lnRef>
+          <a:fillRef idx="0">
+            <a:schemeClr val="dk1"/>
+          </a:fillRef>
+          <a:effectRef idx="0">
+            <a:schemeClr val="dk1"/>
+          </a:effectRef>
+          <a:fontRef idx="minor">
+            <a:schemeClr val="tx1"/>
+          </a:fontRef>
+        </p:style>
+      </p:cxnSp>
+      <p:cxnSp>
+        <p:nvCxnSpPr>
+          <p:cNvPr id="42" name="直接箭头连接符 41">
+            <a:extLst>
+              <a:ext uri="{FF2B5EF4-FFF2-40B4-BE49-F238E27FC236}">
+                <a16:creationId xmlns:a16="http://schemas.microsoft.com/office/drawing/2014/main" id="{98250441-7505-45FC-ABFA-4D57B41E1C59}"/>
+              </a:ext>
+            </a:extLst>
+          </p:cNvPr>
+          <p:cNvCxnSpPr>
+            <a:stCxn id="14" idx="3"/>
+            <a:endCxn id="25" idx="1"/>
+          </p:cNvCxnSpPr>
+          <p:nvPr/>
+        </p:nvCxnSpPr>
+        <p:spPr>
+          <a:xfrm>
+            <a:off x="6476300" y="5106903"/>
+            <a:ext cx="1421934" cy="597611"/>
+          </a:xfrm>
+          <a:prstGeom prst="straightConnector1">
+            <a:avLst/>
+          </a:prstGeom>
+          <a:ln w="19050">
+            <a:tailEnd type="triangle"/>
+          </a:ln>
+        </p:spPr>
+        <p:style>
+          <a:lnRef idx="1">
+            <a:schemeClr val="dk1"/>
+          </a:lnRef>
+          <a:fillRef idx="0">
+            <a:schemeClr val="dk1"/>
+          </a:fillRef>
+          <a:effectRef idx="0">
+            <a:schemeClr val="dk1"/>
+          </a:effectRef>
+          <a:fontRef idx="minor">
+            <a:schemeClr val="tx1"/>
+          </a:fontRef>
+        </p:style>
+      </p:cxnSp>
     </p:spTree>
   </p:cSld>
   <p:clrMapOvr>
@@ -9258,126 +9207,34 @@
           </a:p>
         </p:txBody>
       </p:sp>
-      <p:sp>
-        <p:nvSpPr>
-          <p:cNvPr id="2" name="文本框 1"/>
-          <p:cNvSpPr txBox="1"/>
-          <p:nvPr/>
-        </p:nvSpPr>
-        <p:spPr>
-          <a:xfrm>
-            <a:off x="838199" y="3288967"/>
-            <a:ext cx="10406380" cy="799706"/>
-          </a:xfrm>
-          <a:prstGeom prst="rect">
-            <a:avLst/>
-          </a:prstGeom>
-          <a:noFill/>
-        </p:spPr>
-        <p:txBody>
-          <a:bodyPr wrap="square" rtlCol="0">
-            <a:spAutoFit/>
-          </a:bodyPr>
-          <a:lstStyle/>
-          <a:p>
-            <a:pPr>
-              <a:lnSpc>
-                <a:spcPct val="120000"/>
-              </a:lnSpc>
-              <a:spcBef>
-                <a:spcPts val="0"/>
-              </a:spcBef>
-              <a:spcAft>
-                <a:spcPts val="0"/>
-              </a:spcAft>
-            </a:pPr>
-            <a:r>
-              <a:rPr lang="zh-CN" altLang="en-US" sz="2000" b="1" dirty="0">
-                <a:latin typeface="+mn-ea"/>
-              </a:rPr>
-              <a:t>技术难点</a:t>
-            </a:r>
-            <a:r>
-              <a:rPr lang="en-US" altLang="zh-CN" sz="2000" b="1" dirty="0">
-                <a:latin typeface="+mn-ea"/>
-              </a:rPr>
-              <a:t>1</a:t>
-            </a:r>
-            <a:r>
-              <a:rPr lang="zh-CN" altLang="en-US" sz="2000" b="1" dirty="0">
-                <a:latin typeface="+mn-ea"/>
-              </a:rPr>
-              <a:t>：</a:t>
-            </a:r>
-            <a:r>
-              <a:rPr lang="zh-CN" altLang="en-US" sz="2000" dirty="0">
-                <a:latin typeface="+mn-ea"/>
-              </a:rPr>
-              <a:t>不同章节切换的时候，播放器的背景色和封面使用上一张图作为默认图，加载成功后直接替换，且需要支持高斯模糊。</a:t>
-            </a:r>
-          </a:p>
-        </p:txBody>
-      </p:sp>
-      <p:sp>
-        <p:nvSpPr>
-          <p:cNvPr id="7" name="文本框 6"/>
-          <p:cNvSpPr txBox="1"/>
-          <p:nvPr/>
-        </p:nvSpPr>
-        <p:spPr>
-          <a:xfrm>
-            <a:off x="838199" y="4452156"/>
-            <a:ext cx="10406380" cy="430374"/>
-          </a:xfrm>
-          <a:prstGeom prst="rect">
-            <a:avLst/>
-          </a:prstGeom>
-          <a:noFill/>
-        </p:spPr>
-        <p:txBody>
-          <a:bodyPr wrap="square" rtlCol="0">
-            <a:spAutoFit/>
-          </a:bodyPr>
-          <a:lstStyle/>
-          <a:p>
-            <a:pPr>
-              <a:lnSpc>
-                <a:spcPct val="120000"/>
-              </a:lnSpc>
-              <a:spcBef>
-                <a:spcPts val="0"/>
-              </a:spcBef>
-              <a:spcAft>
-                <a:spcPts val="0"/>
-              </a:spcAft>
-            </a:pPr>
-            <a:r>
-              <a:rPr lang="zh-CN" altLang="en-US" sz="2000" b="1" dirty="0">
-                <a:latin typeface="+mn-ea"/>
-              </a:rPr>
-              <a:t>技术难点</a:t>
-            </a:r>
-            <a:r>
-              <a:rPr lang="en-US" altLang="zh-CN" sz="2000" b="1" dirty="0">
-                <a:latin typeface="+mn-ea"/>
-              </a:rPr>
-              <a:t>2</a:t>
-            </a:r>
-            <a:r>
-              <a:rPr lang="zh-CN" altLang="en-US" sz="2000" b="1" dirty="0">
-                <a:latin typeface="+mn-ea"/>
-              </a:rPr>
-              <a:t>：</a:t>
-            </a:r>
-            <a:r>
-              <a:rPr lang="zh-CN" altLang="en-US" sz="2000" dirty="0">
-                <a:latin typeface="+mn-ea"/>
-              </a:rPr>
-              <a:t>贴片广告播控</a:t>
-            </a:r>
-          </a:p>
-        </p:txBody>
-      </p:sp>
+      <p:graphicFrame>
+        <p:nvGraphicFramePr>
+          <p:cNvPr id="8" name="图表 7">
+            <a:extLst>
+              <a:ext uri="{FF2B5EF4-FFF2-40B4-BE49-F238E27FC236}">
+                <a16:creationId xmlns:a16="http://schemas.microsoft.com/office/drawing/2014/main" id="{071FF859-9EB0-4477-8060-B03B56F768DA}"/>
+              </a:ext>
+            </a:extLst>
+          </p:cNvPr>
+          <p:cNvGraphicFramePr/>
+          <p:nvPr>
+            <p:extLst>
+              <p:ext uri="{D42A27DB-BD31-4B8C-83A1-F6EECF244321}">
+                <p14:modId xmlns:p14="http://schemas.microsoft.com/office/powerpoint/2010/main" val="3821899931"/>
+              </p:ext>
+            </p:extLst>
+          </p:nvPr>
+        </p:nvGraphicFramePr>
+        <p:xfrm>
+          <a:off x="763639" y="719666"/>
+          <a:ext cx="8128000" cy="5418667"/>
+        </p:xfrm>
+        <a:graphic>
+          <a:graphicData uri="http://schemas.openxmlformats.org/drawingml/2006/chart">
+            <c:chart xmlns:c="http://schemas.openxmlformats.org/drawingml/2006/chart" xmlns:r="http://schemas.openxmlformats.org/officeDocument/2006/relationships" r:id="rId3"/>
+          </a:graphicData>
+        </a:graphic>
+      </p:graphicFrame>
     </p:spTree>
   </p:cSld>
   <p:clrMapOvr>
@@ -9454,38 +9311,30 @@
               <a:t>——</a:t>
             </a:r>
             <a:r>
-              <a:rPr lang="zh-CN" altLang="en-US" sz="2800" dirty="0">
+              <a:rPr kumimoji="1" lang="zh-CN" altLang="en-US" sz="2800" dirty="0">
                 <a:solidFill>
                   <a:srgbClr val="1672FB"/>
                 </a:solidFill>
                 <a:latin typeface="微软雅黑" panose="020B0503020204020204" charset="-122"/>
                 <a:ea typeface="微软雅黑" panose="020B0503020204020204" charset="-122"/>
+                <a:cs typeface="TTTGB Medium" panose="020C06030202040F0204" pitchFamily="34" charset="-122"/>
                 <a:sym typeface="+mn-ea"/>
               </a:rPr>
-              <a:t>懒人畅听车载版适配方案与实践</a:t>
-            </a:r>
-            <a:endParaRPr kumimoji="1" lang="zh-CN" altLang="en-US" sz="2800" dirty="0">
-              <a:solidFill>
-                <a:srgbClr val="1672FB"/>
-              </a:solidFill>
-              <a:latin typeface="微软雅黑" panose="020B0503020204020204" charset="-122"/>
-              <a:ea typeface="微软雅黑" panose="020B0503020204020204" charset="-122"/>
-              <a:cs typeface="TTTGB Medium" panose="020C06030202040F0204" pitchFamily="34" charset="-122"/>
-              <a:sym typeface="+mn-ea"/>
-            </a:endParaRPr>
+              <a:t>播放器业务重构</a:t>
+            </a:r>
           </a:p>
         </p:txBody>
       </p:sp>
       <p:sp>
         <p:nvSpPr>
-          <p:cNvPr id="5" name="文本框 4"/>
+          <p:cNvPr id="2" name="文本框 1"/>
           <p:cNvSpPr txBox="1"/>
           <p:nvPr/>
         </p:nvSpPr>
         <p:spPr>
           <a:xfrm>
-            <a:off x="966470" y="1008380"/>
-            <a:ext cx="9029065" cy="368300"/>
+            <a:off x="779476" y="1439059"/>
+            <a:ext cx="10406380" cy="799706"/>
           </a:xfrm>
           <a:prstGeom prst="rect">
             <a:avLst/>
@@ -9498,31 +9347,54 @@
           </a:bodyPr>
           <a:lstStyle/>
           <a:p>
-            <a:r>
-              <a:rPr lang="zh-CN" altLang="en-US"/>
-              <a:t>背景：懒人畅听车载版要求提供一个</a:t>
-            </a:r>
-            <a:r>
-              <a:rPr lang="en-US" altLang="zh-CN"/>
-              <a:t>apk</a:t>
-            </a:r>
-            <a:r>
-              <a:rPr lang="zh-CN" altLang="en-US"/>
-              <a:t>，可以运行到任意车机。</a:t>
+            <a:pPr>
+              <a:lnSpc>
+                <a:spcPct val="120000"/>
+              </a:lnSpc>
+              <a:spcBef>
+                <a:spcPts val="0"/>
+              </a:spcBef>
+              <a:spcAft>
+                <a:spcPts val="0"/>
+              </a:spcAft>
+            </a:pPr>
+            <a:r>
+              <a:rPr lang="zh-CN" altLang="en-US" sz="2000" b="1" dirty="0">
+                <a:latin typeface="+mn-ea"/>
+              </a:rPr>
+              <a:t>技术难点</a:t>
+            </a:r>
+            <a:r>
+              <a:rPr lang="en-US" altLang="zh-CN" sz="2000" b="1" dirty="0">
+                <a:latin typeface="+mn-ea"/>
+              </a:rPr>
+              <a:t>1</a:t>
+            </a:r>
+            <a:r>
+              <a:rPr lang="zh-CN" altLang="en-US" sz="2000" b="1" dirty="0">
+                <a:latin typeface="+mn-ea"/>
+              </a:rPr>
+              <a:t>：</a:t>
+            </a:r>
+            <a:r>
+              <a:rPr lang="zh-CN" altLang="en-US" sz="2000" dirty="0">
+                <a:latin typeface="+mn-ea"/>
+              </a:rPr>
+              <a:t>不同章节切换的时候，播放器的背景色和封面使用上一张图作为默认图，加载成功后直接替换，且需要支持高斯模糊。</a:t>
             </a:r>
           </a:p>
         </p:txBody>
       </p:sp>
       <p:sp>
         <p:nvSpPr>
-          <p:cNvPr id="6" name="文本框 5"/>
+          <p:cNvPr id="7" name="文本框 6"/>
           <p:cNvSpPr txBox="1"/>
           <p:nvPr/>
         </p:nvSpPr>
         <p:spPr>
           <a:xfrm>
-            <a:off x="966470" y="1693545"/>
-            <a:ext cx="9029065" cy="368300"/>
+            <a:off x="779476" y="2882927"/>
+            <a:ext cx="10406380" cy="430374"/>
           </a:xfrm>
           <a:prstGeom prst="rect">
             <a:avLst/>
@@ -9535,104 +9407,50 @@
           </a:bodyPr>
           <a:lstStyle/>
           <a:p>
-            <a:r>
-              <a:rPr lang="zh-CN" altLang="en-US">
-                <a:solidFill>
-                  <a:srgbClr val="FF0000"/>
-                </a:solidFill>
+            <a:pPr>
+              <a:lnSpc>
+                <a:spcPct val="120000"/>
+              </a:lnSpc>
+              <a:spcBef>
+                <a:spcPts val="0"/>
+              </a:spcBef>
+              <a:spcAft>
+                <a:spcPts val="0"/>
+              </a:spcAft>
+            </a:pPr>
+            <a:r>
+              <a:rPr lang="zh-CN" altLang="en-US" sz="2000" b="1" dirty="0">
+                <a:latin typeface="+mn-ea"/>
               </a:rPr>
-              <a:t>问题</a:t>
-            </a:r>
-            <a:r>
-              <a:rPr lang="zh-CN" altLang="en-US"/>
-              <a:t>：不同车机屏幕适配。</a:t>
-            </a:r>
-          </a:p>
-        </p:txBody>
-      </p:sp>
-      <p:sp>
-        <p:nvSpPr>
-          <p:cNvPr id="8" name="文本框 7"/>
-          <p:cNvSpPr txBox="1"/>
-          <p:nvPr/>
-        </p:nvSpPr>
-        <p:spPr>
-          <a:xfrm>
-            <a:off x="1033780" y="2493645"/>
-            <a:ext cx="3335655" cy="398780"/>
-          </a:xfrm>
-          <a:prstGeom prst="rect">
-            <a:avLst/>
-          </a:prstGeom>
-          <a:noFill/>
-        </p:spPr>
-        <p:txBody>
-          <a:bodyPr wrap="square" rtlCol="0">
-            <a:spAutoFit/>
-          </a:bodyPr>
-          <a:lstStyle/>
-          <a:p>
-            <a:r>
-              <a:rPr lang="zh-CN" altLang="en-US" sz="2000" b="1">
-                <a:solidFill>
-                  <a:schemeClr val="tx1"/>
-                </a:solidFill>
+              <a:t>技术难点</a:t>
+            </a:r>
+            <a:r>
+              <a:rPr lang="en-US" altLang="zh-CN" sz="2000" b="1" dirty="0">
+                <a:latin typeface="+mn-ea"/>
               </a:rPr>
-              <a:t>现有解决方案</a:t>
-            </a:r>
-          </a:p>
-        </p:txBody>
-      </p:sp>
-      <p:sp>
-        <p:nvSpPr>
-          <p:cNvPr id="10" name="文本框 9"/>
-          <p:cNvSpPr txBox="1"/>
-          <p:nvPr/>
-        </p:nvSpPr>
-        <p:spPr>
-          <a:xfrm>
-            <a:off x="1033780" y="3244850"/>
-            <a:ext cx="2754630" cy="922020"/>
-          </a:xfrm>
-          <a:prstGeom prst="rect">
-            <a:avLst/>
-          </a:prstGeom>
-          <a:noFill/>
-        </p:spPr>
-        <p:txBody>
-          <a:bodyPr wrap="none" rtlCol="0">
-            <a:spAutoFit/>
-          </a:bodyPr>
-          <a:lstStyle/>
-          <a:p>
-            <a:pPr marL="285750" indent="-285750" algn="l">
-              <a:lnSpc>
-                <a:spcPct val="150000"/>
-              </a:lnSpc>
-              <a:buFont typeface="Arial" panose="020B0604020202020204" pitchFamily="34" charset="0"/>
-              <a:buChar char="•"/>
-            </a:pPr>
-            <a:r>
-              <a:rPr lang="zh-CN" altLang="en-US"/>
-              <a:t>屏幕分辨率限定符适配</a:t>
-            </a:r>
-          </a:p>
-          <a:p>
-            <a:pPr marL="285750" indent="-285750" algn="l">
-              <a:lnSpc>
-                <a:spcPct val="150000"/>
-              </a:lnSpc>
-              <a:buFont typeface="Arial" panose="020B0604020202020204" pitchFamily="34" charset="0"/>
-              <a:buChar char="•"/>
-            </a:pPr>
-            <a:r>
-              <a:rPr lang="zh-CN" altLang="en-US"/>
-              <a:t>今日头条适配方案</a:t>
+              <a:t>2</a:t>
+            </a:r>
+            <a:r>
+              <a:rPr lang="zh-CN" altLang="en-US" sz="2000" b="1" dirty="0">
+                <a:latin typeface="+mn-ea"/>
+              </a:rPr>
+              <a:t>：</a:t>
+            </a:r>
+            <a:r>
+              <a:rPr lang="zh-CN" altLang="en-US" sz="2000" dirty="0">
+                <a:latin typeface="+mn-ea"/>
+              </a:rPr>
+              <a:t>贴片广告播控</a:t>
             </a:r>
           </a:p>
         </p:txBody>
       </p:sp>
     </p:spTree>
+    <p:extLst>
+      <p:ext uri="{BB962C8B-B14F-4D97-AF65-F5344CB8AC3E}">
+        <p14:creationId xmlns:p14="http://schemas.microsoft.com/office/powerpoint/2010/main" val="3238964809"/>
+      </p:ext>
+    </p:extLst>
   </p:cSld>
   <p:clrMapOvr>
     <a:masterClrMapping/>
@@ -9732,13 +9550,87 @@
       </p:sp>
       <p:sp>
         <p:nvSpPr>
+          <p:cNvPr id="5" name="文本框 4"/>
+          <p:cNvSpPr txBox="1"/>
+          <p:nvPr/>
+        </p:nvSpPr>
+        <p:spPr>
+          <a:xfrm>
+            <a:off x="966470" y="1008380"/>
+            <a:ext cx="9029065" cy="368300"/>
+          </a:xfrm>
+          <a:prstGeom prst="rect">
+            <a:avLst/>
+          </a:prstGeom>
+          <a:noFill/>
+        </p:spPr>
+        <p:txBody>
+          <a:bodyPr wrap="square" rtlCol="0">
+            <a:spAutoFit/>
+          </a:bodyPr>
+          <a:lstStyle/>
+          <a:p>
+            <a:r>
+              <a:rPr lang="zh-CN" altLang="en-US"/>
+              <a:t>背景：懒人畅听车载版要求提供一个</a:t>
+            </a:r>
+            <a:r>
+              <a:rPr lang="en-US" altLang="zh-CN"/>
+              <a:t>apk</a:t>
+            </a:r>
+            <a:r>
+              <a:rPr lang="zh-CN" altLang="en-US"/>
+              <a:t>，可以运行到任意车机。</a:t>
+            </a:r>
+          </a:p>
+        </p:txBody>
+      </p:sp>
+      <p:sp>
+        <p:nvSpPr>
+          <p:cNvPr id="6" name="文本框 5"/>
+          <p:cNvSpPr txBox="1"/>
+          <p:nvPr/>
+        </p:nvSpPr>
+        <p:spPr>
+          <a:xfrm>
+            <a:off x="966470" y="1693545"/>
+            <a:ext cx="9029065" cy="368300"/>
+          </a:xfrm>
+          <a:prstGeom prst="rect">
+            <a:avLst/>
+          </a:prstGeom>
+          <a:noFill/>
+        </p:spPr>
+        <p:txBody>
+          <a:bodyPr wrap="square" rtlCol="0">
+            <a:spAutoFit/>
+          </a:bodyPr>
+          <a:lstStyle/>
+          <a:p>
+            <a:r>
+              <a:rPr lang="zh-CN" altLang="en-US">
+                <a:solidFill>
+                  <a:srgbClr val="FF0000"/>
+                </a:solidFill>
+              </a:rPr>
+              <a:t>问题</a:t>
+            </a:r>
+            <a:r>
+              <a:rPr lang="zh-CN" altLang="en-US"/>
+              <a:t>：不同车机屏幕适配。</a:t>
+            </a:r>
+          </a:p>
+        </p:txBody>
+      </p:sp>
+      <p:sp>
+        <p:nvSpPr>
           <p:cNvPr id="8" name="文本框 7"/>
           <p:cNvSpPr txBox="1"/>
           <p:nvPr/>
         </p:nvSpPr>
         <p:spPr>
           <a:xfrm>
-            <a:off x="3502660" y="1143000"/>
+            <a:off x="1033780" y="2493645"/>
             <a:ext cx="3335655" cy="398780"/>
           </a:xfrm>
           <a:prstGeom prst="rect">
@@ -9758,7 +9650,7 @@
                   <a:schemeClr val="tx1"/>
                 </a:solidFill>
               </a:rPr>
-              <a:t>现有解决方案的缺点</a:t>
+              <a:t>现有解决方案</a:t>
             </a:r>
           </a:p>
         </p:txBody>
@@ -9771,8 +9663,8 @@
         </p:nvSpPr>
         <p:spPr>
           <a:xfrm>
-            <a:off x="1033780" y="1653540"/>
-            <a:ext cx="7519670" cy="1337945"/>
+            <a:off x="1033780" y="3244850"/>
+            <a:ext cx="2754630" cy="922020"/>
           </a:xfrm>
           <a:prstGeom prst="rect">
             <a:avLst/>
@@ -9780,21 +9672,21 @@
           <a:noFill/>
         </p:spPr>
         <p:txBody>
-          <a:bodyPr wrap="square" rtlCol="0">
+          <a:bodyPr wrap="none" rtlCol="0">
             <a:spAutoFit/>
           </a:bodyPr>
           <a:lstStyle/>
           <a:p>
-            <a:pPr indent="0" algn="l">
+            <a:pPr marL="285750" indent="-285750" algn="l">
               <a:lnSpc>
                 <a:spcPct val="150000"/>
               </a:lnSpc>
               <a:buFont typeface="Arial" panose="020B0604020202020204" pitchFamily="34" charset="0"/>
-              <a:buNone/>
+              <a:buChar char="•"/>
             </a:pPr>
             <a:r>
               <a:rPr lang="zh-CN" altLang="en-US"/>
-              <a:t>屏幕分辨率限定符适配的缺点</a:t>
+              <a:t>屏幕分辨率限定符适配</a:t>
             </a:r>
           </a:p>
           <a:p>
@@ -9806,107 +9698,8 @@
               <a:buChar char="•"/>
             </a:pPr>
             <a:r>
-              <a:rPr lang="zh-CN" altLang="en-US">
-                <a:solidFill>
-                  <a:schemeClr val="tx1"/>
-                </a:solidFill>
-              </a:rPr>
-              <a:t>不适合车机，车机没有所谓的主流屏幕的最小宽度。</a:t>
-            </a:r>
-          </a:p>
-          <a:p>
-            <a:pPr marL="285750" indent="-285750" algn="l">
-              <a:lnSpc>
-                <a:spcPct val="150000"/>
-              </a:lnSpc>
-              <a:buFont typeface="Arial" panose="020B0604020202020204" pitchFamily="34" charset="0"/>
-              <a:buChar char="•"/>
-            </a:pPr>
-            <a:r>
-              <a:rPr lang="zh-CN" altLang="en-US">
-                <a:solidFill>
-                  <a:srgbClr val="FF0000"/>
-                </a:solidFill>
-              </a:rPr>
-              <a:t>无法生成一系列 values-sw&lt;N&gt;dp 文件夹 (含有 dimens.xml 文件</a:t>
-            </a:r>
-            <a:r>
-              <a:rPr lang="zh-CN" altLang="en-US">
-                <a:solidFill>
-                  <a:schemeClr val="tx1"/>
-                </a:solidFill>
-              </a:rPr>
-              <a:t>)。</a:t>
-            </a:r>
-          </a:p>
-        </p:txBody>
-      </p:sp>
-      <p:sp>
-        <p:nvSpPr>
-          <p:cNvPr id="2" name="文本框 1"/>
-          <p:cNvSpPr txBox="1"/>
-          <p:nvPr/>
-        </p:nvSpPr>
-        <p:spPr>
-          <a:xfrm>
-            <a:off x="1033780" y="3505835"/>
-            <a:ext cx="9312275" cy="1337945"/>
-          </a:xfrm>
-          <a:prstGeom prst="rect">
-            <a:avLst/>
-          </a:prstGeom>
-          <a:noFill/>
-        </p:spPr>
-        <p:txBody>
-          <a:bodyPr wrap="square" rtlCol="0">
-            <a:spAutoFit/>
-          </a:bodyPr>
-          <a:lstStyle/>
-          <a:p>
-            <a:pPr indent="0" algn="l">
-              <a:lnSpc>
-                <a:spcPct val="150000"/>
-              </a:lnSpc>
-              <a:buFont typeface="Arial" panose="020B0604020202020204" pitchFamily="34" charset="0"/>
-              <a:buNone/>
-            </a:pPr>
-            <a:r>
               <a:rPr lang="zh-CN" altLang="en-US"/>
-              <a:t>今日头条适配方案的缺点</a:t>
-            </a:r>
-          </a:p>
-          <a:p>
-            <a:pPr marL="285750" indent="-285750" algn="l">
-              <a:lnSpc>
-                <a:spcPct val="150000"/>
-              </a:lnSpc>
-              <a:buFont typeface="Arial" panose="020B0604020202020204" pitchFamily="34" charset="0"/>
-              <a:buChar char="•"/>
-            </a:pPr>
-            <a:r>
-              <a:rPr lang="zh-CN" altLang="en-US">
-                <a:solidFill>
-                  <a:schemeClr val="tx1"/>
-                </a:solidFill>
-              </a:rPr>
-              <a:t>只公布了核心代码，没有代码库，意味着有很多未知的坑。</a:t>
-            </a:r>
-          </a:p>
-          <a:p>
-            <a:pPr marL="285750" indent="-285750" algn="l">
-              <a:lnSpc>
-                <a:spcPct val="150000"/>
-              </a:lnSpc>
-              <a:buFont typeface="Arial" panose="020B0604020202020204" pitchFamily="34" charset="0"/>
-              <a:buChar char="•"/>
-            </a:pPr>
-            <a:r>
-              <a:rPr lang="zh-CN" altLang="en-US">
-                <a:solidFill>
-                  <a:schemeClr val="tx1"/>
-                </a:solidFill>
-              </a:rPr>
-              <a:t>核心代码只实现了修改系统 density 的相关逻辑，没有扩展性、灵活性。</a:t>
+              <a:t>今日头条适配方案</a:t>
             </a:r>
           </a:p>
         </p:txBody>
@@ -9995,7 +9788,7 @@
                 <a:ea typeface="微软雅黑" panose="020B0503020204020204" charset="-122"/>
                 <a:sym typeface="+mn-ea"/>
               </a:rPr>
-              <a:t>懒人听书车载版适配方案与实践</a:t>
+              <a:t>懒人畅听车载版适配方案与实践</a:t>
             </a:r>
             <a:endParaRPr kumimoji="1" lang="zh-CN" altLang="en-US" sz="2800" dirty="0">
               <a:solidFill>
@@ -10011,14 +9804,14 @@
       </p:sp>
       <p:sp>
         <p:nvSpPr>
-          <p:cNvPr id="3" name="文本框 2"/>
+          <p:cNvPr id="8" name="文本框 7"/>
           <p:cNvSpPr txBox="1"/>
           <p:nvPr/>
         </p:nvSpPr>
         <p:spPr>
           <a:xfrm>
-            <a:off x="955675" y="1293495"/>
-            <a:ext cx="8778875" cy="3745865"/>
+            <a:off x="3502660" y="1143000"/>
+            <a:ext cx="3335655" cy="398780"/>
           </a:xfrm>
           <a:prstGeom prst="rect">
             <a:avLst/>
@@ -10032,122 +9825,161 @@
           <a:lstStyle/>
           <a:p>
             <a:r>
+              <a:rPr lang="zh-CN" altLang="en-US" sz="2000" b="1">
+                <a:solidFill>
+                  <a:schemeClr val="tx1"/>
+                </a:solidFill>
+              </a:rPr>
+              <a:t>现有解决方案的缺点</a:t>
+            </a:r>
+          </a:p>
+        </p:txBody>
+      </p:sp>
+      <p:sp>
+        <p:nvSpPr>
+          <p:cNvPr id="10" name="文本框 9"/>
+          <p:cNvSpPr txBox="1"/>
+          <p:nvPr/>
+        </p:nvSpPr>
+        <p:spPr>
+          <a:xfrm>
+            <a:off x="1033780" y="1653540"/>
+            <a:ext cx="7519670" cy="1337945"/>
+          </a:xfrm>
+          <a:prstGeom prst="rect">
+            <a:avLst/>
+          </a:prstGeom>
+          <a:noFill/>
+        </p:spPr>
+        <p:txBody>
+          <a:bodyPr wrap="square" rtlCol="0">
+            <a:spAutoFit/>
+          </a:bodyPr>
+          <a:lstStyle/>
+          <a:p>
+            <a:pPr indent="0" algn="l">
+              <a:lnSpc>
+                <a:spcPct val="150000"/>
+              </a:lnSpc>
+              <a:buFont typeface="Arial" panose="020B0604020202020204" pitchFamily="34" charset="0"/>
+              <a:buNone/>
+            </a:pPr>
+            <a:r>
+              <a:rPr lang="zh-CN" altLang="en-US"/>
+              <a:t>屏幕分辨率限定符适配的缺点</a:t>
+            </a:r>
+          </a:p>
+          <a:p>
+            <a:pPr marL="285750" indent="-285750" algn="l">
+              <a:lnSpc>
+                <a:spcPct val="150000"/>
+              </a:lnSpc>
+              <a:buFont typeface="Arial" panose="020B0604020202020204" pitchFamily="34" charset="0"/>
+              <a:buChar char="•"/>
+            </a:pPr>
+            <a:r>
+              <a:rPr lang="zh-CN" altLang="en-US">
+                <a:solidFill>
+                  <a:schemeClr val="tx1"/>
+                </a:solidFill>
+              </a:rPr>
+              <a:t>不适合车机，车机没有所谓的主流屏幕的最小宽度。</a:t>
+            </a:r>
+          </a:p>
+          <a:p>
+            <a:pPr marL="285750" indent="-285750" algn="l">
+              <a:lnSpc>
+                <a:spcPct val="150000"/>
+              </a:lnSpc>
+              <a:buFont typeface="Arial" panose="020B0604020202020204" pitchFamily="34" charset="0"/>
+              <a:buChar char="•"/>
+            </a:pPr>
+            <a:r>
               <a:rPr lang="zh-CN" altLang="en-US">
                 <a:solidFill>
                   <a:srgbClr val="FF0000"/>
                 </a:solidFill>
               </a:rPr>
-              <a:t>懒人车载版方案</a:t>
+              <a:t>无法生成一系列 values-sw&lt;N&gt;dp 文件夹 (含有 dimens.xml 文件</a:t>
+            </a:r>
+            <a:r>
+              <a:rPr lang="zh-CN" altLang="en-US">
+                <a:solidFill>
+                  <a:schemeClr val="tx1"/>
+                </a:solidFill>
+              </a:rPr>
+              <a:t>)。</a:t>
             </a:r>
           </a:p>
+        </p:txBody>
+      </p:sp>
+      <p:sp>
+        <p:nvSpPr>
+          <p:cNvPr id="2" name="文本框 1"/>
+          <p:cNvSpPr txBox="1"/>
+          <p:nvPr/>
+        </p:nvSpPr>
+        <p:spPr>
+          <a:xfrm>
+            <a:off x="1033780" y="3505835"/>
+            <a:ext cx="9312275" cy="1337945"/>
+          </a:xfrm>
+          <a:prstGeom prst="rect">
+            <a:avLst/>
+          </a:prstGeom>
+          <a:noFill/>
+        </p:spPr>
+        <p:txBody>
+          <a:bodyPr wrap="square" rtlCol="0">
+            <a:spAutoFit/>
+          </a:bodyPr>
+          <a:lstStyle/>
           <a:p>
-            <a:endParaRPr lang="zh-CN" altLang="en-US"/>
-          </a:p>
-          <a:p>
-            <a:pPr>
+            <a:pPr indent="0" algn="l">
               <a:lnSpc>
                 <a:spcPct val="150000"/>
               </a:lnSpc>
+              <a:buFont typeface="Arial" panose="020B0604020202020204" pitchFamily="34" charset="0"/>
+              <a:buNone/>
             </a:pPr>
             <a:r>
               <a:rPr lang="zh-CN" altLang="en-US"/>
-              <a:t>原理</a:t>
+              <a:t>今日头条适配方案的缺点</a:t>
             </a:r>
           </a:p>
           <a:p>
-            <a:pPr marL="285750" indent="-285750">
+            <a:pPr marL="285750" indent="-285750" algn="l">
               <a:lnSpc>
-                <a:spcPct val="120000"/>
+                <a:spcPct val="150000"/>
               </a:lnSpc>
-              <a:spcBef>
-                <a:spcPts val="0"/>
-              </a:spcBef>
-              <a:spcAft>
-                <a:spcPts val="0"/>
-              </a:spcAft>
               <a:buFont typeface="Arial" panose="020B0604020202020204" pitchFamily="34" charset="0"/>
               <a:buChar char="•"/>
             </a:pPr>
             <a:r>
-              <a:rPr lang="zh-CN" altLang="en-US"/>
-              <a:t>基于设计图的宽度值（或高度值）和对应的dpi适配，即根据设备的实际宽度（或高度）相对应的缩放view的尺寸。</a:t>
+              <a:rPr lang="zh-CN" altLang="en-US">
+                <a:solidFill>
+                  <a:schemeClr val="tx1"/>
+                </a:solidFill>
+              </a:rPr>
+              <a:t>只公布了核心代码，没有代码库，意味着有很多未知的坑。</a:t>
             </a:r>
           </a:p>
           <a:p>
-            <a:pPr marL="285750" indent="-285750">
+            <a:pPr marL="285750" indent="-285750" algn="l">
               <a:lnSpc>
-                <a:spcPct val="120000"/>
+                <a:spcPct val="150000"/>
               </a:lnSpc>
-              <a:spcBef>
-                <a:spcPts val="0"/>
-              </a:spcBef>
-              <a:spcAft>
-                <a:spcPts val="0"/>
-              </a:spcAft>
               <a:buFont typeface="Arial" panose="020B0604020202020204" pitchFamily="34" charset="0"/>
               <a:buChar char="•"/>
             </a:pPr>
             <a:r>
-              <a:rPr lang="zh-CN" altLang="en-US"/>
-              <a:t>缩放比率 = value * ((float) actualWidth / (float) designWidth)</a:t>
-            </a:r>
-          </a:p>
-          <a:p>
-            <a:pPr indent="0">
-              <a:buFont typeface="Arial" panose="020B0604020202020204" pitchFamily="34" charset="0"/>
-              <a:buNone/>
-            </a:pPr>
-            <a:endParaRPr lang="zh-CN" altLang="en-US"/>
-          </a:p>
-          <a:p>
-            <a:pPr>
-              <a:lnSpc>
-                <a:spcPct val="150000"/>
-              </a:lnSpc>
-            </a:pPr>
-            <a:r>
-              <a:rPr lang="zh-CN" altLang="en-US"/>
-              <a:t>适配方案</a:t>
-            </a:r>
-          </a:p>
-          <a:p>
-            <a:pPr marL="285750" indent="-285750">
-              <a:lnSpc>
-                <a:spcPct val="120000"/>
-              </a:lnSpc>
-              <a:spcBef>
-                <a:spcPts val="0"/>
-              </a:spcBef>
-              <a:spcAft>
-                <a:spcPts val="0"/>
-              </a:spcAft>
-              <a:buFont typeface="Arial" panose="020B0604020202020204" pitchFamily="34" charset="0"/>
-              <a:buChar char="•"/>
-            </a:pPr>
-            <a:r>
-              <a:rPr lang="zh-CN" altLang="en-US"/>
-              <a:t>给定一个宽高大小固定的标准设计图，支持以宽或高一个维度自适应适配，保持宽高比和设计图一致；</a:t>
-            </a:r>
-          </a:p>
-          <a:p>
-            <a:pPr marL="285750" indent="-285750">
-              <a:lnSpc>
-                <a:spcPct val="120000"/>
-              </a:lnSpc>
-              <a:spcBef>
-                <a:spcPts val="0"/>
-              </a:spcBef>
-              <a:spcAft>
-                <a:spcPts val="0"/>
-              </a:spcAft>
-              <a:buFont typeface="Arial" panose="020B0604020202020204" pitchFamily="34" charset="0"/>
-              <a:buChar char="•"/>
-            </a:pPr>
-            <a:r>
-              <a:rPr lang="zh-CN" altLang="en-US"/>
-              <a:t>支持dp和sp单位。</a:t>
-            </a:r>
-            <a:endParaRPr lang="en-US" altLang="zh-CN"/>
+              <a:rPr lang="zh-CN" altLang="en-US">
+                <a:solidFill>
+                  <a:schemeClr val="tx1"/>
+                </a:solidFill>
+              </a:rPr>
+              <a:t>核心代码只实现了修改系统 density 的相关逻辑，没有扩展性、灵活性。</a:t>
+            </a:r>
           </a:p>
         </p:txBody>
       </p:sp>
@@ -10249,420 +10081,148 @@
           </a:p>
         </p:txBody>
       </p:sp>
-      <p:graphicFrame>
-        <p:nvGraphicFramePr>
-          <p:cNvPr id="5" name="表格 4"/>
-          <p:cNvGraphicFramePr/>
-          <p:nvPr>
-            <p:custDataLst>
-              <p:tags r:id="rId1"/>
-            </p:custDataLst>
-          </p:nvPr>
-        </p:nvGraphicFramePr>
-        <p:xfrm>
-          <a:off x="948055" y="1420495"/>
-          <a:ext cx="8827770" cy="3982720"/>
-        </p:xfrm>
-        <a:graphic>
-          <a:graphicData uri="http://schemas.openxmlformats.org/drawingml/2006/table">
-            <a:tbl>
-              <a:tblPr firstRow="1" bandRow="1">
-                <a:tableStyleId>{5C22544A-7EE6-4342-B048-85BDC9FD1C3A}</a:tableStyleId>
-              </a:tblPr>
-              <a:tblGrid>
-                <a:gridCol w="2207260">
-                  <a:extLst>
-                    <a:ext uri="{9D8B030D-6E8A-4147-A177-3AD203B41FA5}">
-                      <a16:colId xmlns:a16="http://schemas.microsoft.com/office/drawing/2014/main" val="20000"/>
-                    </a:ext>
-                  </a:extLst>
-                </a:gridCol>
-                <a:gridCol w="2206625">
-                  <a:extLst>
-                    <a:ext uri="{9D8B030D-6E8A-4147-A177-3AD203B41FA5}">
-                      <a16:colId xmlns:a16="http://schemas.microsoft.com/office/drawing/2014/main" val="20001"/>
-                    </a:ext>
-                  </a:extLst>
-                </a:gridCol>
-                <a:gridCol w="2415540">
-                  <a:extLst>
-                    <a:ext uri="{9D8B030D-6E8A-4147-A177-3AD203B41FA5}">
-                      <a16:colId xmlns:a16="http://schemas.microsoft.com/office/drawing/2014/main" val="20002"/>
-                    </a:ext>
-                  </a:extLst>
-                </a:gridCol>
-                <a:gridCol w="1998345">
-                  <a:extLst>
-                    <a:ext uri="{9D8B030D-6E8A-4147-A177-3AD203B41FA5}">
-                      <a16:colId xmlns:a16="http://schemas.microsoft.com/office/drawing/2014/main" val="20003"/>
-                    </a:ext>
-                  </a:extLst>
-                </a:gridCol>
-              </a:tblGrid>
-              <a:tr h="767080">
-                <a:tc>
-                  <a:txBody>
-                    <a:bodyPr/>
-                    <a:lstStyle/>
-                    <a:p>
-                      <a:pPr>
-                        <a:buNone/>
-                      </a:pPr>
-                      <a:r>
-                        <a:rPr lang="zh-CN" altLang="en-US"/>
-                        <a:t>对比项目</a:t>
-                      </a:r>
-                    </a:p>
-                  </a:txBody>
-                  <a:tcPr anchor="ctr" anchorCtr="1"/>
-                </a:tc>
-                <a:tc>
-                  <a:txBody>
-                    <a:bodyPr/>
-                    <a:lstStyle/>
-                    <a:p>
-                      <a:pPr>
-                        <a:buNone/>
-                      </a:pPr>
-                      <a:r>
-                        <a:rPr lang="zh-CN" altLang="en-US"/>
-                        <a:t>今日头条适配方案</a:t>
-                      </a:r>
-                    </a:p>
-                  </a:txBody>
-                  <a:tcPr anchor="ctr" anchorCtr="1"/>
-                </a:tc>
-                <a:tc>
-                  <a:txBody>
-                    <a:bodyPr/>
-                    <a:lstStyle/>
-                    <a:p>
-                      <a:pPr>
-                        <a:buNone/>
-                      </a:pPr>
-                      <a:r>
-                        <a:rPr lang="zh-CN" altLang="en-US"/>
-                        <a:t>SW 限定符适配方案</a:t>
-                      </a:r>
-                    </a:p>
-                  </a:txBody>
-                  <a:tcPr anchor="ctr" anchorCtr="1"/>
-                </a:tc>
-                <a:tc>
-                  <a:txBody>
-                    <a:bodyPr/>
-                    <a:lstStyle/>
-                    <a:p>
-                      <a:pPr>
-                        <a:buNone/>
-                      </a:pPr>
-                      <a:r>
-                        <a:rPr lang="zh-CN" altLang="en-US" sz="1800">
-                          <a:solidFill>
-                            <a:schemeClr val="bg1"/>
-                          </a:solidFill>
-                          <a:sym typeface="+mn-ea"/>
-                        </a:rPr>
-                        <a:t>懒人车载版方案</a:t>
-                      </a:r>
-                    </a:p>
-                  </a:txBody>
-                  <a:tcPr anchor="ctr" anchorCtr="1"/>
-                </a:tc>
-                <a:extLst>
-                  <a:ext uri="{0D108BD9-81ED-4DB2-BD59-A6C34878D82A}">
-                    <a16:rowId xmlns:a16="http://schemas.microsoft.com/office/drawing/2014/main" val="10000"/>
-                  </a:ext>
-                </a:extLst>
-              </a:tr>
-              <a:tr h="767080">
-                <a:tc>
-                  <a:txBody>
-                    <a:bodyPr/>
-                    <a:lstStyle/>
-                    <a:p>
-                      <a:pPr>
-                        <a:buNone/>
-                      </a:pPr>
-                      <a:r>
-                        <a:rPr lang="zh-CN" altLang="en-US"/>
-                        <a:t>适配效果(越高越好)</a:t>
-                      </a:r>
-                    </a:p>
-                  </a:txBody>
-                  <a:tcPr anchor="ctr" anchorCtr="1"/>
-                </a:tc>
-                <a:tc>
-                  <a:txBody>
-                    <a:bodyPr/>
-                    <a:lstStyle/>
-                    <a:p>
-                      <a:pPr>
-                        <a:buNone/>
-                      </a:pPr>
-                      <a:r>
-                        <a:rPr lang="zh-CN" altLang="en-US"/>
-                        <a:t>好</a:t>
-                      </a:r>
-                    </a:p>
-                  </a:txBody>
-                  <a:tcPr anchor="ctr" anchorCtr="1"/>
-                </a:tc>
-                <a:tc>
-                  <a:txBody>
-                    <a:bodyPr/>
-                    <a:lstStyle/>
-                    <a:p>
-                      <a:pPr>
-                        <a:buNone/>
-                      </a:pPr>
-                      <a:r>
-                        <a:rPr lang="zh-CN" altLang="en-US"/>
-                        <a:t>好</a:t>
-                      </a:r>
-                    </a:p>
-                  </a:txBody>
-                  <a:tcPr anchor="ctr" anchorCtr="1"/>
-                </a:tc>
-                <a:tc>
-                  <a:txBody>
-                    <a:bodyPr/>
-                    <a:lstStyle/>
-                    <a:p>
-                      <a:pPr>
-                        <a:buNone/>
-                      </a:pPr>
-                      <a:r>
-                        <a:rPr lang="zh-CN" altLang="en-US"/>
-                        <a:t>好</a:t>
-                      </a:r>
-                    </a:p>
-                  </a:txBody>
-                  <a:tcPr anchor="ctr" anchorCtr="1"/>
-                </a:tc>
-                <a:extLst>
-                  <a:ext uri="{0D108BD9-81ED-4DB2-BD59-A6C34878D82A}">
-                    <a16:rowId xmlns:a16="http://schemas.microsoft.com/office/drawing/2014/main" val="10001"/>
-                  </a:ext>
-                </a:extLst>
-              </a:tr>
-              <a:tr h="767080">
-                <a:tc>
-                  <a:txBody>
-                    <a:bodyPr/>
-                    <a:lstStyle/>
-                    <a:p>
-                      <a:pPr>
-                        <a:buNone/>
-                      </a:pPr>
-                      <a:r>
-                        <a:rPr lang="zh-CN" altLang="en-US"/>
-                        <a:t>使用成本(越低越好)</a:t>
-                      </a:r>
-                    </a:p>
-                  </a:txBody>
-                  <a:tcPr anchor="ctr" anchorCtr="1"/>
-                </a:tc>
-                <a:tc>
-                  <a:txBody>
-                    <a:bodyPr/>
-                    <a:lstStyle/>
-                    <a:p>
-                      <a:pPr>
-                        <a:buNone/>
-                      </a:pPr>
-                      <a:r>
-                        <a:rPr lang="zh-CN" altLang="en-US"/>
-                        <a:t>高</a:t>
-                      </a:r>
-                    </a:p>
-                  </a:txBody>
-                  <a:tcPr anchor="ctr" anchorCtr="1"/>
-                </a:tc>
-                <a:tc>
-                  <a:txBody>
-                    <a:bodyPr/>
-                    <a:lstStyle/>
-                    <a:p>
-                      <a:pPr>
-                        <a:buNone/>
-                      </a:pPr>
-                      <a:r>
-                        <a:rPr lang="zh-CN" altLang="en-US"/>
-                        <a:t>低</a:t>
-                      </a:r>
-                    </a:p>
-                  </a:txBody>
-                  <a:tcPr anchor="ctr" anchorCtr="1"/>
-                </a:tc>
-                <a:tc>
-                  <a:txBody>
-                    <a:bodyPr/>
-                    <a:lstStyle/>
-                    <a:p>
-                      <a:pPr>
-                        <a:buNone/>
-                      </a:pPr>
-                      <a:r>
-                        <a:rPr lang="zh-CN" altLang="en-US"/>
-                        <a:t>低</a:t>
-                      </a:r>
-                    </a:p>
-                  </a:txBody>
-                  <a:tcPr anchor="ctr" anchorCtr="1"/>
-                </a:tc>
-                <a:extLst>
-                  <a:ext uri="{0D108BD9-81ED-4DB2-BD59-A6C34878D82A}">
-                    <a16:rowId xmlns:a16="http://schemas.microsoft.com/office/drawing/2014/main" val="10002"/>
-                  </a:ext>
-                </a:extLst>
-              </a:tr>
-              <a:tr h="767080">
-                <a:tc>
-                  <a:txBody>
-                    <a:bodyPr/>
-                    <a:lstStyle/>
-                    <a:p>
-                      <a:pPr>
-                        <a:buNone/>
-                      </a:pPr>
-                      <a:r>
-                        <a:rPr lang="zh-CN" altLang="en-US"/>
-                        <a:t>维护成本(越低越好)</a:t>
-                      </a:r>
-                    </a:p>
-                  </a:txBody>
-                  <a:tcPr anchor="ctr" anchorCtr="1"/>
-                </a:tc>
-                <a:tc>
-                  <a:txBody>
-                    <a:bodyPr/>
-                    <a:lstStyle/>
-                    <a:p>
-                      <a:pPr>
-                        <a:buNone/>
-                      </a:pPr>
-                      <a:r>
-                        <a:rPr lang="zh-CN" altLang="en-US"/>
-                        <a:t>高</a:t>
-                      </a:r>
-                    </a:p>
-                  </a:txBody>
-                  <a:tcPr anchor="ctr" anchorCtr="1"/>
-                </a:tc>
-                <a:tc>
-                  <a:txBody>
-                    <a:bodyPr/>
-                    <a:lstStyle/>
-                    <a:p>
-                      <a:pPr>
-                        <a:buNone/>
-                      </a:pPr>
-                      <a:r>
-                        <a:rPr lang="zh-CN" altLang="en-US"/>
-                        <a:t>低</a:t>
-                      </a:r>
-                    </a:p>
-                  </a:txBody>
-                  <a:tcPr anchor="ctr" anchorCtr="1"/>
-                </a:tc>
-                <a:tc>
-                  <a:txBody>
-                    <a:bodyPr/>
-                    <a:lstStyle/>
-                    <a:p>
-                      <a:pPr>
-                        <a:buNone/>
-                      </a:pPr>
-                      <a:r>
-                        <a:rPr lang="zh-CN" altLang="en-US"/>
-                        <a:t>低</a:t>
-                      </a:r>
-                    </a:p>
-                  </a:txBody>
-                  <a:tcPr anchor="ctr" anchorCtr="1"/>
-                </a:tc>
-                <a:extLst>
-                  <a:ext uri="{0D108BD9-81ED-4DB2-BD59-A6C34878D82A}">
-                    <a16:rowId xmlns:a16="http://schemas.microsoft.com/office/drawing/2014/main" val="10003"/>
-                  </a:ext>
-                </a:extLst>
-              </a:tr>
-              <a:tr h="767080">
-                <a:tc>
-                  <a:txBody>
-                    <a:bodyPr/>
-                    <a:lstStyle/>
-                    <a:p>
-                      <a:pPr>
-                        <a:buNone/>
-                      </a:pPr>
-                      <a:r>
-                        <a:rPr lang="zh-CN" altLang="en-US"/>
-                        <a:t>副作用</a:t>
-                      </a:r>
-                    </a:p>
-                  </a:txBody>
-                  <a:tcPr anchor="ctr" anchorCtr="1"/>
-                </a:tc>
-                <a:tc>
-                  <a:txBody>
-                    <a:bodyPr/>
-                    <a:lstStyle/>
-                    <a:p>
-                      <a:pPr>
-                        <a:buNone/>
-                      </a:pPr>
-                      <a:r>
-                        <a:rPr lang="zh-CN" altLang="en-US"/>
-                        <a:t>今日头条适配方案会影响一些三方库和系统控件</a:t>
-                      </a:r>
-                    </a:p>
-                  </a:txBody>
-                  <a:tcPr anchor="ctr" anchorCtr="1"/>
-                </a:tc>
-                <a:tc>
-                  <a:txBody>
-                    <a:bodyPr/>
-                    <a:lstStyle/>
-                    <a:p>
-                      <a:pPr>
-                        <a:buNone/>
-                      </a:pPr>
-                      <a:r>
-                        <a:rPr lang="zh-CN" altLang="en-US"/>
-                        <a:t>SW 限定符适配方案会影响 App 的体积</a:t>
-                      </a:r>
-                    </a:p>
-                  </a:txBody>
-                  <a:tcPr anchor="ctr" anchorCtr="1"/>
-                </a:tc>
-                <a:tc>
-                  <a:txBody>
-                    <a:bodyPr/>
-                    <a:lstStyle/>
-                    <a:p>
-                      <a:pPr>
-                        <a:buNone/>
-                      </a:pPr>
-                      <a:r>
-                        <a:rPr lang="zh-CN" altLang="en-US"/>
-                        <a:t>性能损耗</a:t>
-                      </a:r>
-                    </a:p>
-                  </a:txBody>
-                  <a:tcPr anchor="ctr" anchorCtr="1"/>
-                </a:tc>
-                <a:extLst>
-                  <a:ext uri="{0D108BD9-81ED-4DB2-BD59-A6C34878D82A}">
-                    <a16:rowId xmlns:a16="http://schemas.microsoft.com/office/drawing/2014/main" val="10004"/>
-                  </a:ext>
-                </a:extLst>
-              </a:tr>
-            </a:tbl>
-          </a:graphicData>
-        </a:graphic>
-      </p:graphicFrame>
+      <p:sp>
+        <p:nvSpPr>
+          <p:cNvPr id="3" name="文本框 2"/>
+          <p:cNvSpPr txBox="1"/>
+          <p:nvPr/>
+        </p:nvSpPr>
+        <p:spPr>
+          <a:xfrm>
+            <a:off x="955675" y="1293495"/>
+            <a:ext cx="8778875" cy="3745865"/>
+          </a:xfrm>
+          <a:prstGeom prst="rect">
+            <a:avLst/>
+          </a:prstGeom>
+          <a:noFill/>
+        </p:spPr>
+        <p:txBody>
+          <a:bodyPr wrap="square" rtlCol="0">
+            <a:spAutoFit/>
+          </a:bodyPr>
+          <a:lstStyle/>
+          <a:p>
+            <a:r>
+              <a:rPr lang="zh-CN" altLang="en-US">
+                <a:solidFill>
+                  <a:srgbClr val="FF0000"/>
+                </a:solidFill>
+              </a:rPr>
+              <a:t>懒人车载版方案</a:t>
+            </a:r>
+          </a:p>
+          <a:p>
+            <a:endParaRPr lang="zh-CN" altLang="en-US"/>
+          </a:p>
+          <a:p>
+            <a:pPr>
+              <a:lnSpc>
+                <a:spcPct val="150000"/>
+              </a:lnSpc>
+            </a:pPr>
+            <a:r>
+              <a:rPr lang="zh-CN" altLang="en-US"/>
+              <a:t>原理</a:t>
+            </a:r>
+          </a:p>
+          <a:p>
+            <a:pPr marL="285750" indent="-285750">
+              <a:lnSpc>
+                <a:spcPct val="120000"/>
+              </a:lnSpc>
+              <a:spcBef>
+                <a:spcPts val="0"/>
+              </a:spcBef>
+              <a:spcAft>
+                <a:spcPts val="0"/>
+              </a:spcAft>
+              <a:buFont typeface="Arial" panose="020B0604020202020204" pitchFamily="34" charset="0"/>
+              <a:buChar char="•"/>
+            </a:pPr>
+            <a:r>
+              <a:rPr lang="zh-CN" altLang="en-US"/>
+              <a:t>基于设计图的宽度值（或高度值）和对应的dpi适配，即根据设备的实际宽度（或高度）相对应的缩放view的尺寸。</a:t>
+            </a:r>
+          </a:p>
+          <a:p>
+            <a:pPr marL="285750" indent="-285750">
+              <a:lnSpc>
+                <a:spcPct val="120000"/>
+              </a:lnSpc>
+              <a:spcBef>
+                <a:spcPts val="0"/>
+              </a:spcBef>
+              <a:spcAft>
+                <a:spcPts val="0"/>
+              </a:spcAft>
+              <a:buFont typeface="Arial" panose="020B0604020202020204" pitchFamily="34" charset="0"/>
+              <a:buChar char="•"/>
+            </a:pPr>
+            <a:r>
+              <a:rPr lang="zh-CN" altLang="en-US"/>
+              <a:t>缩放比率 = value * ((float) actualWidth / (float) designWidth)</a:t>
+            </a:r>
+          </a:p>
+          <a:p>
+            <a:pPr indent="0">
+              <a:buFont typeface="Arial" panose="020B0604020202020204" pitchFamily="34" charset="0"/>
+              <a:buNone/>
+            </a:pPr>
+            <a:endParaRPr lang="zh-CN" altLang="en-US"/>
+          </a:p>
+          <a:p>
+            <a:pPr>
+              <a:lnSpc>
+                <a:spcPct val="150000"/>
+              </a:lnSpc>
+            </a:pPr>
+            <a:r>
+              <a:rPr lang="zh-CN" altLang="en-US"/>
+              <a:t>适配方案</a:t>
+            </a:r>
+          </a:p>
+          <a:p>
+            <a:pPr marL="285750" indent="-285750">
+              <a:lnSpc>
+                <a:spcPct val="120000"/>
+              </a:lnSpc>
+              <a:spcBef>
+                <a:spcPts val="0"/>
+              </a:spcBef>
+              <a:spcAft>
+                <a:spcPts val="0"/>
+              </a:spcAft>
+              <a:buFont typeface="Arial" panose="020B0604020202020204" pitchFamily="34" charset="0"/>
+              <a:buChar char="•"/>
+            </a:pPr>
+            <a:r>
+              <a:rPr lang="zh-CN" altLang="en-US"/>
+              <a:t>给定一个宽高大小固定的标准设计图，支持以宽或高一个维度自适应适配，保持宽高比和设计图一致；</a:t>
+            </a:r>
+          </a:p>
+          <a:p>
+            <a:pPr marL="285750" indent="-285750">
+              <a:lnSpc>
+                <a:spcPct val="120000"/>
+              </a:lnSpc>
+              <a:spcBef>
+                <a:spcPts val="0"/>
+              </a:spcBef>
+              <a:spcAft>
+                <a:spcPts val="0"/>
+              </a:spcAft>
+              <a:buFont typeface="Arial" panose="020B0604020202020204" pitchFamily="34" charset="0"/>
+              <a:buChar char="•"/>
+            </a:pPr>
+            <a:r>
+              <a:rPr lang="zh-CN" altLang="en-US"/>
+              <a:t>支持dp和sp单位。</a:t>
+            </a:r>
+            <a:endParaRPr lang="en-US" altLang="zh-CN"/>
+          </a:p>
+        </p:txBody>
+      </p:sp>
     </p:spTree>
   </p:cSld>
   <p:clrMapOvr>
@@ -13453,156 +13013,445 @@
                 <a:cs typeface="TTTGB Medium" panose="020C06030202040F0204" pitchFamily="34" charset="-122"/>
                 <a:sym typeface="+mn-ea"/>
               </a:rPr>
-              <a:t>——APP</a:t>
-            </a:r>
-            <a:r>
-              <a:rPr kumimoji="1" lang="zh-CN" altLang="en-US" sz="2800" dirty="0">
+              <a:t>——</a:t>
+            </a:r>
+            <a:r>
+              <a:rPr lang="zh-CN" altLang="en-US" sz="2800" dirty="0">
                 <a:solidFill>
                   <a:srgbClr val="1672FB"/>
                 </a:solidFill>
                 <a:latin typeface="微软雅黑" panose="020B0503020204020204" charset="-122"/>
                 <a:ea typeface="微软雅黑" panose="020B0503020204020204" charset="-122"/>
-                <a:cs typeface="TTTGB Medium" panose="020C06030202040F0204" pitchFamily="34" charset="-122"/>
                 <a:sym typeface="+mn-ea"/>
               </a:rPr>
-              <a:t>内存泄漏和</a:t>
-            </a:r>
-            <a:r>
-              <a:rPr kumimoji="1" lang="en-US" altLang="zh-CN" sz="2800" dirty="0">
-                <a:solidFill>
-                  <a:srgbClr val="1672FB"/>
-                </a:solidFill>
-                <a:latin typeface="微软雅黑" panose="020B0503020204020204" charset="-122"/>
-                <a:ea typeface="微软雅黑" panose="020B0503020204020204" charset="-122"/>
-                <a:cs typeface="TTTGB Medium" panose="020C06030202040F0204" pitchFamily="34" charset="-122"/>
-                <a:sym typeface="+mn-ea"/>
-              </a:rPr>
-              <a:t>anr</a:t>
-            </a:r>
-            <a:r>
-              <a:rPr kumimoji="1" lang="zh-CN" altLang="en-US" sz="2800" dirty="0">
-                <a:solidFill>
-                  <a:srgbClr val="1672FB"/>
-                </a:solidFill>
-                <a:latin typeface="微软雅黑" panose="020B0503020204020204" charset="-122"/>
-                <a:ea typeface="微软雅黑" panose="020B0503020204020204" charset="-122"/>
-                <a:cs typeface="TTTGB Medium" panose="020C06030202040F0204" pitchFamily="34" charset="-122"/>
-                <a:sym typeface="+mn-ea"/>
-              </a:rPr>
-              <a:t>治理</a:t>
-            </a:r>
+              <a:t>懒人听书车载版适配方案与实践</a:t>
+            </a:r>
+            <a:endParaRPr kumimoji="1" lang="zh-CN" altLang="en-US" sz="2800" dirty="0">
+              <a:solidFill>
+                <a:srgbClr val="1672FB"/>
+              </a:solidFill>
+              <a:latin typeface="微软雅黑" panose="020B0503020204020204" charset="-122"/>
+              <a:ea typeface="微软雅黑" panose="020B0503020204020204" charset="-122"/>
+              <a:cs typeface="TTTGB Medium" panose="020C06030202040F0204" pitchFamily="34" charset="-122"/>
+              <a:sym typeface="+mn-ea"/>
+            </a:endParaRPr>
           </a:p>
         </p:txBody>
       </p:sp>
-      <p:sp>
-        <p:nvSpPr>
-          <p:cNvPr id="2" name="文本框 1"/>
-          <p:cNvSpPr txBox="1"/>
-          <p:nvPr/>
-        </p:nvSpPr>
-        <p:spPr>
-          <a:xfrm>
-            <a:off x="937895" y="1103630"/>
-            <a:ext cx="9693275" cy="829945"/>
-          </a:xfrm>
-          <a:prstGeom prst="rect">
-            <a:avLst/>
-          </a:prstGeom>
-          <a:noFill/>
-        </p:spPr>
-        <p:txBody>
-          <a:bodyPr wrap="none" rtlCol="0">
-            <a:spAutoFit/>
-          </a:bodyPr>
-          <a:lstStyle/>
-          <a:p>
-            <a:pPr algn="l">
-              <a:lnSpc>
-                <a:spcPct val="120000"/>
-              </a:lnSpc>
-              <a:spcBef>
-                <a:spcPts val="0"/>
-              </a:spcBef>
-              <a:spcAft>
-                <a:spcPts val="0"/>
-              </a:spcAft>
-            </a:pPr>
-            <a:r>
-              <a:rPr lang="en-US" altLang="zh-CN" sz="2000"/>
-              <a:t>Android</a:t>
-            </a:r>
-            <a:r>
-              <a:rPr lang="zh-CN" altLang="en-US" sz="2000"/>
-              <a:t>内存泄漏：该被释放的对象没有释放，一直被某个或某些实例所持有却不再被</a:t>
-            </a:r>
-          </a:p>
-          <a:p>
-            <a:pPr algn="l">
-              <a:lnSpc>
-                <a:spcPct val="120000"/>
-              </a:lnSpc>
-              <a:spcBef>
-                <a:spcPts val="0"/>
-              </a:spcBef>
-              <a:spcAft>
-                <a:spcPts val="0"/>
-              </a:spcAft>
-            </a:pPr>
-            <a:r>
-              <a:rPr lang="zh-CN" altLang="en-US" sz="2000"/>
-              <a:t>使用导致 GC 不能回收。</a:t>
-            </a:r>
-            <a:r>
-              <a:rPr lang="en-US" altLang="zh-CN"/>
-              <a:t> </a:t>
-            </a:r>
-          </a:p>
-        </p:txBody>
-      </p:sp>
-      <p:sp>
-        <p:nvSpPr>
-          <p:cNvPr id="7" name="文本框 6"/>
-          <p:cNvSpPr txBox="1"/>
-          <p:nvPr/>
-        </p:nvSpPr>
-        <p:spPr>
-          <a:xfrm>
-            <a:off x="937895" y="2351405"/>
-            <a:ext cx="9250680" cy="423545"/>
-          </a:xfrm>
-          <a:prstGeom prst="rect">
-            <a:avLst/>
-          </a:prstGeom>
-          <a:noFill/>
-        </p:spPr>
-        <p:txBody>
-          <a:bodyPr wrap="none" rtlCol="0">
-            <a:spAutoFit/>
-          </a:bodyPr>
-          <a:lstStyle/>
-          <a:p>
-            <a:pPr algn="l">
-              <a:lnSpc>
-                <a:spcPct val="120000"/>
-              </a:lnSpc>
-              <a:spcBef>
-                <a:spcPts val="0"/>
-              </a:spcBef>
-              <a:spcAft>
-                <a:spcPts val="0"/>
-              </a:spcAft>
-            </a:pPr>
-            <a:r>
-              <a:rPr lang="zh-CN" altLang="en-US"/>
-              <a:t>解决方法：使用LeakCanary工具查找内存泄漏，根据它生成的报告定位具体的泄漏位置。</a:t>
-            </a:r>
-            <a:r>
-              <a:rPr lang="en-US" altLang="zh-CN"/>
-              <a:t> </a:t>
-            </a:r>
-          </a:p>
-        </p:txBody>
-      </p:sp>
+      <p:graphicFrame>
+        <p:nvGraphicFramePr>
+          <p:cNvPr id="5" name="表格 4"/>
+          <p:cNvGraphicFramePr/>
+          <p:nvPr>
+            <p:custDataLst>
+              <p:tags r:id="rId1"/>
+            </p:custDataLst>
+          </p:nvPr>
+        </p:nvGraphicFramePr>
+        <p:xfrm>
+          <a:off x="948055" y="1420495"/>
+          <a:ext cx="8827770" cy="3982720"/>
+        </p:xfrm>
+        <a:graphic>
+          <a:graphicData uri="http://schemas.openxmlformats.org/drawingml/2006/table">
+            <a:tbl>
+              <a:tblPr firstRow="1" bandRow="1">
+                <a:tableStyleId>{5C22544A-7EE6-4342-B048-85BDC9FD1C3A}</a:tableStyleId>
+              </a:tblPr>
+              <a:tblGrid>
+                <a:gridCol w="2207260">
+                  <a:extLst>
+                    <a:ext uri="{9D8B030D-6E8A-4147-A177-3AD203B41FA5}">
+                      <a16:colId xmlns:a16="http://schemas.microsoft.com/office/drawing/2014/main" val="20000"/>
+                    </a:ext>
+                  </a:extLst>
+                </a:gridCol>
+                <a:gridCol w="2206625">
+                  <a:extLst>
+                    <a:ext uri="{9D8B030D-6E8A-4147-A177-3AD203B41FA5}">
+                      <a16:colId xmlns:a16="http://schemas.microsoft.com/office/drawing/2014/main" val="20001"/>
+                    </a:ext>
+                  </a:extLst>
+                </a:gridCol>
+                <a:gridCol w="2415540">
+                  <a:extLst>
+                    <a:ext uri="{9D8B030D-6E8A-4147-A177-3AD203B41FA5}">
+                      <a16:colId xmlns:a16="http://schemas.microsoft.com/office/drawing/2014/main" val="20002"/>
+                    </a:ext>
+                  </a:extLst>
+                </a:gridCol>
+                <a:gridCol w="1998345">
+                  <a:extLst>
+                    <a:ext uri="{9D8B030D-6E8A-4147-A177-3AD203B41FA5}">
+                      <a16:colId xmlns:a16="http://schemas.microsoft.com/office/drawing/2014/main" val="20003"/>
+                    </a:ext>
+                  </a:extLst>
+                </a:gridCol>
+              </a:tblGrid>
+              <a:tr h="767080">
+                <a:tc>
+                  <a:txBody>
+                    <a:bodyPr/>
+                    <a:lstStyle/>
+                    <a:p>
+                      <a:pPr>
+                        <a:buNone/>
+                      </a:pPr>
+                      <a:r>
+                        <a:rPr lang="zh-CN" altLang="en-US"/>
+                        <a:t>对比项目</a:t>
+                      </a:r>
+                    </a:p>
+                  </a:txBody>
+                  <a:tcPr anchor="ctr" anchorCtr="1"/>
+                </a:tc>
+                <a:tc>
+                  <a:txBody>
+                    <a:bodyPr/>
+                    <a:lstStyle/>
+                    <a:p>
+                      <a:pPr>
+                        <a:buNone/>
+                      </a:pPr>
+                      <a:r>
+                        <a:rPr lang="zh-CN" altLang="en-US"/>
+                        <a:t>今日头条适配方案</a:t>
+                      </a:r>
+                    </a:p>
+                  </a:txBody>
+                  <a:tcPr anchor="ctr" anchorCtr="1"/>
+                </a:tc>
+                <a:tc>
+                  <a:txBody>
+                    <a:bodyPr/>
+                    <a:lstStyle/>
+                    <a:p>
+                      <a:pPr>
+                        <a:buNone/>
+                      </a:pPr>
+                      <a:r>
+                        <a:rPr lang="zh-CN" altLang="en-US"/>
+                        <a:t>SW 限定符适配方案</a:t>
+                      </a:r>
+                    </a:p>
+                  </a:txBody>
+                  <a:tcPr anchor="ctr" anchorCtr="1"/>
+                </a:tc>
+                <a:tc>
+                  <a:txBody>
+                    <a:bodyPr/>
+                    <a:lstStyle/>
+                    <a:p>
+                      <a:pPr>
+                        <a:buNone/>
+                      </a:pPr>
+                      <a:r>
+                        <a:rPr lang="zh-CN" altLang="en-US" sz="1800">
+                          <a:solidFill>
+                            <a:schemeClr val="bg1"/>
+                          </a:solidFill>
+                          <a:sym typeface="+mn-ea"/>
+                        </a:rPr>
+                        <a:t>懒人车载版方案</a:t>
+                      </a:r>
+                    </a:p>
+                  </a:txBody>
+                  <a:tcPr anchor="ctr" anchorCtr="1"/>
+                </a:tc>
+                <a:extLst>
+                  <a:ext uri="{0D108BD9-81ED-4DB2-BD59-A6C34878D82A}">
+                    <a16:rowId xmlns:a16="http://schemas.microsoft.com/office/drawing/2014/main" val="10000"/>
+                  </a:ext>
+                </a:extLst>
+              </a:tr>
+              <a:tr h="767080">
+                <a:tc>
+                  <a:txBody>
+                    <a:bodyPr/>
+                    <a:lstStyle/>
+                    <a:p>
+                      <a:pPr>
+                        <a:buNone/>
+                      </a:pPr>
+                      <a:r>
+                        <a:rPr lang="zh-CN" altLang="en-US"/>
+                        <a:t>适配效果(越高越好)</a:t>
+                      </a:r>
+                    </a:p>
+                  </a:txBody>
+                  <a:tcPr anchor="ctr" anchorCtr="1"/>
+                </a:tc>
+                <a:tc>
+                  <a:txBody>
+                    <a:bodyPr/>
+                    <a:lstStyle/>
+                    <a:p>
+                      <a:pPr>
+                        <a:buNone/>
+                      </a:pPr>
+                      <a:r>
+                        <a:rPr lang="zh-CN" altLang="en-US"/>
+                        <a:t>好</a:t>
+                      </a:r>
+                    </a:p>
+                  </a:txBody>
+                  <a:tcPr anchor="ctr" anchorCtr="1"/>
+                </a:tc>
+                <a:tc>
+                  <a:txBody>
+                    <a:bodyPr/>
+                    <a:lstStyle/>
+                    <a:p>
+                      <a:pPr>
+                        <a:buNone/>
+                      </a:pPr>
+                      <a:r>
+                        <a:rPr lang="zh-CN" altLang="en-US"/>
+                        <a:t>好</a:t>
+                      </a:r>
+                    </a:p>
+                  </a:txBody>
+                  <a:tcPr anchor="ctr" anchorCtr="1"/>
+                </a:tc>
+                <a:tc>
+                  <a:txBody>
+                    <a:bodyPr/>
+                    <a:lstStyle/>
+                    <a:p>
+                      <a:pPr>
+                        <a:buNone/>
+                      </a:pPr>
+                      <a:r>
+                        <a:rPr lang="zh-CN" altLang="en-US"/>
+                        <a:t>好</a:t>
+                      </a:r>
+                    </a:p>
+                  </a:txBody>
+                  <a:tcPr anchor="ctr" anchorCtr="1"/>
+                </a:tc>
+                <a:extLst>
+                  <a:ext uri="{0D108BD9-81ED-4DB2-BD59-A6C34878D82A}">
+                    <a16:rowId xmlns:a16="http://schemas.microsoft.com/office/drawing/2014/main" val="10001"/>
+                  </a:ext>
+                </a:extLst>
+              </a:tr>
+              <a:tr h="767080">
+                <a:tc>
+                  <a:txBody>
+                    <a:bodyPr/>
+                    <a:lstStyle/>
+                    <a:p>
+                      <a:pPr>
+                        <a:buNone/>
+                      </a:pPr>
+                      <a:r>
+                        <a:rPr lang="zh-CN" altLang="en-US"/>
+                        <a:t>使用成本(越低越好)</a:t>
+                      </a:r>
+                    </a:p>
+                  </a:txBody>
+                  <a:tcPr anchor="ctr" anchorCtr="1"/>
+                </a:tc>
+                <a:tc>
+                  <a:txBody>
+                    <a:bodyPr/>
+                    <a:lstStyle/>
+                    <a:p>
+                      <a:pPr>
+                        <a:buNone/>
+                      </a:pPr>
+                      <a:r>
+                        <a:rPr lang="zh-CN" altLang="en-US"/>
+                        <a:t>高</a:t>
+                      </a:r>
+                    </a:p>
+                  </a:txBody>
+                  <a:tcPr anchor="ctr" anchorCtr="1"/>
+                </a:tc>
+                <a:tc>
+                  <a:txBody>
+                    <a:bodyPr/>
+                    <a:lstStyle/>
+                    <a:p>
+                      <a:pPr>
+                        <a:buNone/>
+                      </a:pPr>
+                      <a:r>
+                        <a:rPr lang="zh-CN" altLang="en-US"/>
+                        <a:t>低</a:t>
+                      </a:r>
+                    </a:p>
+                  </a:txBody>
+                  <a:tcPr anchor="ctr" anchorCtr="1"/>
+                </a:tc>
+                <a:tc>
+                  <a:txBody>
+                    <a:bodyPr/>
+                    <a:lstStyle/>
+                    <a:p>
+                      <a:pPr>
+                        <a:buNone/>
+                      </a:pPr>
+                      <a:r>
+                        <a:rPr lang="zh-CN" altLang="en-US"/>
+                        <a:t>低</a:t>
+                      </a:r>
+                    </a:p>
+                  </a:txBody>
+                  <a:tcPr anchor="ctr" anchorCtr="1"/>
+                </a:tc>
+                <a:extLst>
+                  <a:ext uri="{0D108BD9-81ED-4DB2-BD59-A6C34878D82A}">
+                    <a16:rowId xmlns:a16="http://schemas.microsoft.com/office/drawing/2014/main" val="10002"/>
+                  </a:ext>
+                </a:extLst>
+              </a:tr>
+              <a:tr h="767080">
+                <a:tc>
+                  <a:txBody>
+                    <a:bodyPr/>
+                    <a:lstStyle/>
+                    <a:p>
+                      <a:pPr>
+                        <a:buNone/>
+                      </a:pPr>
+                      <a:r>
+                        <a:rPr lang="zh-CN" altLang="en-US"/>
+                        <a:t>维护成本(越低越好)</a:t>
+                      </a:r>
+                    </a:p>
+                  </a:txBody>
+                  <a:tcPr anchor="ctr" anchorCtr="1"/>
+                </a:tc>
+                <a:tc>
+                  <a:txBody>
+                    <a:bodyPr/>
+                    <a:lstStyle/>
+                    <a:p>
+                      <a:pPr>
+                        <a:buNone/>
+                      </a:pPr>
+                      <a:r>
+                        <a:rPr lang="zh-CN" altLang="en-US"/>
+                        <a:t>高</a:t>
+                      </a:r>
+                    </a:p>
+                  </a:txBody>
+                  <a:tcPr anchor="ctr" anchorCtr="1"/>
+                </a:tc>
+                <a:tc>
+                  <a:txBody>
+                    <a:bodyPr/>
+                    <a:lstStyle/>
+                    <a:p>
+                      <a:pPr>
+                        <a:buNone/>
+                      </a:pPr>
+                      <a:r>
+                        <a:rPr lang="zh-CN" altLang="en-US"/>
+                        <a:t>低</a:t>
+                      </a:r>
+                    </a:p>
+                  </a:txBody>
+                  <a:tcPr anchor="ctr" anchorCtr="1"/>
+                </a:tc>
+                <a:tc>
+                  <a:txBody>
+                    <a:bodyPr/>
+                    <a:lstStyle/>
+                    <a:p>
+                      <a:pPr>
+                        <a:buNone/>
+                      </a:pPr>
+                      <a:r>
+                        <a:rPr lang="zh-CN" altLang="en-US"/>
+                        <a:t>低</a:t>
+                      </a:r>
+                    </a:p>
+                  </a:txBody>
+                  <a:tcPr anchor="ctr" anchorCtr="1"/>
+                </a:tc>
+                <a:extLst>
+                  <a:ext uri="{0D108BD9-81ED-4DB2-BD59-A6C34878D82A}">
+                    <a16:rowId xmlns:a16="http://schemas.microsoft.com/office/drawing/2014/main" val="10003"/>
+                  </a:ext>
+                </a:extLst>
+              </a:tr>
+              <a:tr h="767080">
+                <a:tc>
+                  <a:txBody>
+                    <a:bodyPr/>
+                    <a:lstStyle/>
+                    <a:p>
+                      <a:pPr>
+                        <a:buNone/>
+                      </a:pPr>
+                      <a:r>
+                        <a:rPr lang="zh-CN" altLang="en-US"/>
+                        <a:t>副作用</a:t>
+                      </a:r>
+                    </a:p>
+                  </a:txBody>
+                  <a:tcPr anchor="ctr" anchorCtr="1"/>
+                </a:tc>
+                <a:tc>
+                  <a:txBody>
+                    <a:bodyPr/>
+                    <a:lstStyle/>
+                    <a:p>
+                      <a:pPr>
+                        <a:buNone/>
+                      </a:pPr>
+                      <a:r>
+                        <a:rPr lang="zh-CN" altLang="en-US"/>
+                        <a:t>今日头条适配方案会影响一些三方库和系统控件</a:t>
+                      </a:r>
+                    </a:p>
+                  </a:txBody>
+                  <a:tcPr anchor="ctr" anchorCtr="1"/>
+                </a:tc>
+                <a:tc>
+                  <a:txBody>
+                    <a:bodyPr/>
+                    <a:lstStyle/>
+                    <a:p>
+                      <a:pPr>
+                        <a:buNone/>
+                      </a:pPr>
+                      <a:r>
+                        <a:rPr lang="zh-CN" altLang="en-US"/>
+                        <a:t>SW 限定符适配方案会影响 App 的体积</a:t>
+                      </a:r>
+                    </a:p>
+                  </a:txBody>
+                  <a:tcPr anchor="ctr" anchorCtr="1"/>
+                </a:tc>
+                <a:tc>
+                  <a:txBody>
+                    <a:bodyPr/>
+                    <a:lstStyle/>
+                    <a:p>
+                      <a:pPr>
+                        <a:buNone/>
+                      </a:pPr>
+                      <a:r>
+                        <a:rPr lang="zh-CN" altLang="en-US"/>
+                        <a:t>性能损耗</a:t>
+                      </a:r>
+                    </a:p>
+                  </a:txBody>
+                  <a:tcPr anchor="ctr" anchorCtr="1"/>
+                </a:tc>
+                <a:extLst>
+                  <a:ext uri="{0D108BD9-81ED-4DB2-BD59-A6C34878D82A}">
+                    <a16:rowId xmlns:a16="http://schemas.microsoft.com/office/drawing/2014/main" val="10004"/>
+                  </a:ext>
+                </a:extLst>
+              </a:tr>
+            </a:tbl>
+          </a:graphicData>
+        </a:graphic>
+      </p:graphicFrame>
     </p:spTree>
   </p:cSld>
   <p:clrMapOvr>
@@ -13655,6 +13504,229 @@
           <a:lstStyle/>
           <a:p>
             <a:r>
+              <a:rPr kumimoji="1" lang="zh-CN" altLang="en-US" sz="2800" dirty="0">
+                <a:solidFill>
+                  <a:srgbClr val="1672FB"/>
+                </a:solidFill>
+                <a:latin typeface="微软雅黑" panose="020B0503020204020204" charset="-122"/>
+                <a:ea typeface="微软雅黑" panose="020B0503020204020204" charset="-122"/>
+                <a:cs typeface="TTTGB Medium" panose="020C06030202040F0204" pitchFamily="34" charset="-122"/>
+                <a:sym typeface="+mn-ea"/>
+              </a:rPr>
+              <a:t>工作成果</a:t>
+            </a:r>
+            <a:r>
+              <a:rPr kumimoji="1" lang="en-US" altLang="zh-CN" sz="2800" dirty="0">
+                <a:solidFill>
+                  <a:srgbClr val="1672FB"/>
+                </a:solidFill>
+                <a:latin typeface="微软雅黑" panose="020B0503020204020204" charset="-122"/>
+                <a:ea typeface="微软雅黑" panose="020B0503020204020204" charset="-122"/>
+                <a:cs typeface="TTTGB Medium" panose="020C06030202040F0204" pitchFamily="34" charset="-122"/>
+                <a:sym typeface="+mn-ea"/>
+              </a:rPr>
+              <a:t>——APP</a:t>
+            </a:r>
+            <a:r>
+              <a:rPr kumimoji="1" lang="zh-CN" altLang="en-US" sz="2800" dirty="0">
+                <a:solidFill>
+                  <a:srgbClr val="1672FB"/>
+                </a:solidFill>
+                <a:latin typeface="微软雅黑" panose="020B0503020204020204" charset="-122"/>
+                <a:ea typeface="微软雅黑" panose="020B0503020204020204" charset="-122"/>
+                <a:cs typeface="TTTGB Medium" panose="020C06030202040F0204" pitchFamily="34" charset="-122"/>
+                <a:sym typeface="+mn-ea"/>
+              </a:rPr>
+              <a:t>内存泄漏和</a:t>
+            </a:r>
+            <a:r>
+              <a:rPr kumimoji="1" lang="en-US" altLang="zh-CN" sz="2800" dirty="0">
+                <a:solidFill>
+                  <a:srgbClr val="1672FB"/>
+                </a:solidFill>
+                <a:latin typeface="微软雅黑" panose="020B0503020204020204" charset="-122"/>
+                <a:ea typeface="微软雅黑" panose="020B0503020204020204" charset="-122"/>
+                <a:cs typeface="TTTGB Medium" panose="020C06030202040F0204" pitchFamily="34" charset="-122"/>
+                <a:sym typeface="+mn-ea"/>
+              </a:rPr>
+              <a:t>anr</a:t>
+            </a:r>
+            <a:r>
+              <a:rPr kumimoji="1" lang="zh-CN" altLang="en-US" sz="2800" dirty="0">
+                <a:solidFill>
+                  <a:srgbClr val="1672FB"/>
+                </a:solidFill>
+                <a:latin typeface="微软雅黑" panose="020B0503020204020204" charset="-122"/>
+                <a:ea typeface="微软雅黑" panose="020B0503020204020204" charset="-122"/>
+                <a:cs typeface="TTTGB Medium" panose="020C06030202040F0204" pitchFamily="34" charset="-122"/>
+                <a:sym typeface="+mn-ea"/>
+              </a:rPr>
+              <a:t>治理</a:t>
+            </a:r>
+          </a:p>
+        </p:txBody>
+      </p:sp>
+      <p:sp>
+        <p:nvSpPr>
+          <p:cNvPr id="2" name="文本框 1"/>
+          <p:cNvSpPr txBox="1"/>
+          <p:nvPr/>
+        </p:nvSpPr>
+        <p:spPr>
+          <a:xfrm>
+            <a:off x="937895" y="1103630"/>
+            <a:ext cx="9693275" cy="829945"/>
+          </a:xfrm>
+          <a:prstGeom prst="rect">
+            <a:avLst/>
+          </a:prstGeom>
+          <a:noFill/>
+        </p:spPr>
+        <p:txBody>
+          <a:bodyPr wrap="none" rtlCol="0">
+            <a:spAutoFit/>
+          </a:bodyPr>
+          <a:lstStyle/>
+          <a:p>
+            <a:pPr algn="l">
+              <a:lnSpc>
+                <a:spcPct val="120000"/>
+              </a:lnSpc>
+              <a:spcBef>
+                <a:spcPts val="0"/>
+              </a:spcBef>
+              <a:spcAft>
+                <a:spcPts val="0"/>
+              </a:spcAft>
+            </a:pPr>
+            <a:r>
+              <a:rPr lang="en-US" altLang="zh-CN" sz="2000"/>
+              <a:t>Android</a:t>
+            </a:r>
+            <a:r>
+              <a:rPr lang="zh-CN" altLang="en-US" sz="2000"/>
+              <a:t>内存泄漏：该被释放的对象没有释放，一直被某个或某些实例所持有却不再被</a:t>
+            </a:r>
+          </a:p>
+          <a:p>
+            <a:pPr algn="l">
+              <a:lnSpc>
+                <a:spcPct val="120000"/>
+              </a:lnSpc>
+              <a:spcBef>
+                <a:spcPts val="0"/>
+              </a:spcBef>
+              <a:spcAft>
+                <a:spcPts val="0"/>
+              </a:spcAft>
+            </a:pPr>
+            <a:r>
+              <a:rPr lang="zh-CN" altLang="en-US" sz="2000"/>
+              <a:t>使用导致 GC 不能回收。</a:t>
+            </a:r>
+            <a:r>
+              <a:rPr lang="en-US" altLang="zh-CN"/>
+              <a:t> </a:t>
+            </a:r>
+          </a:p>
+        </p:txBody>
+      </p:sp>
+      <p:sp>
+        <p:nvSpPr>
+          <p:cNvPr id="7" name="文本框 6"/>
+          <p:cNvSpPr txBox="1"/>
+          <p:nvPr/>
+        </p:nvSpPr>
+        <p:spPr>
+          <a:xfrm>
+            <a:off x="937895" y="2351405"/>
+            <a:ext cx="9250680" cy="423545"/>
+          </a:xfrm>
+          <a:prstGeom prst="rect">
+            <a:avLst/>
+          </a:prstGeom>
+          <a:noFill/>
+        </p:spPr>
+        <p:txBody>
+          <a:bodyPr wrap="none" rtlCol="0">
+            <a:spAutoFit/>
+          </a:bodyPr>
+          <a:lstStyle/>
+          <a:p>
+            <a:pPr algn="l">
+              <a:lnSpc>
+                <a:spcPct val="120000"/>
+              </a:lnSpc>
+              <a:spcBef>
+                <a:spcPts val="0"/>
+              </a:spcBef>
+              <a:spcAft>
+                <a:spcPts val="0"/>
+              </a:spcAft>
+            </a:pPr>
+            <a:r>
+              <a:rPr lang="zh-CN" altLang="en-US"/>
+              <a:t>解决方法：使用LeakCanary工具查找内存泄漏，根据它生成的报告定位具体的泄漏位置。</a:t>
+            </a:r>
+            <a:r>
+              <a:rPr lang="en-US" altLang="zh-CN"/>
+              <a:t> </a:t>
+            </a:r>
+          </a:p>
+        </p:txBody>
+      </p:sp>
+    </p:spTree>
+  </p:cSld>
+  <p:clrMapOvr>
+    <a:masterClrMapping/>
+  </p:clrMapOvr>
+</p:sld>
+</file>
+
+<file path=ppt/slides/slide22.xml><?xml version="1.0" encoding="utf-8"?>
+<p:sld xmlns:a="http://schemas.openxmlformats.org/drawingml/2006/main" xmlns:r="http://schemas.openxmlformats.org/officeDocument/2006/relationships" xmlns:p="http://schemas.openxmlformats.org/presentationml/2006/main">
+  <p:cSld>
+    <p:spTree>
+      <p:nvGrpSpPr>
+        <p:cNvPr id="1" name=""/>
+        <p:cNvGrpSpPr/>
+        <p:nvPr/>
+      </p:nvGrpSpPr>
+      <p:grpSpPr>
+        <a:xfrm>
+          <a:off x="0" y="0"/>
+          <a:ext cx="0" cy="0"/>
+          <a:chOff x="0" y="0"/>
+          <a:chExt cx="0" cy="0"/>
+        </a:xfrm>
+      </p:grpSpPr>
+      <p:sp>
+        <p:nvSpPr>
+          <p:cNvPr id="4" name="标题 3"/>
+          <p:cNvSpPr txBox="1">
+            <a:spLocks noGrp="1"/>
+          </p:cNvSpPr>
+          <p:nvPr>
+            <p:ph type="title"/>
+          </p:nvPr>
+        </p:nvSpPr>
+        <p:spPr>
+          <a:xfrm>
+            <a:off x="838199" y="316742"/>
+            <a:ext cx="10486333" cy="478155"/>
+          </a:xfrm>
+          <a:prstGeom prst="rect">
+            <a:avLst/>
+          </a:prstGeom>
+          <a:noFill/>
+        </p:spPr>
+        <p:txBody>
+          <a:bodyPr wrap="square" rtlCol="0">
+            <a:spAutoFit/>
+          </a:bodyPr>
+          <a:lstStyle/>
+          <a:p>
+            <a:r>
               <a:rPr lang="zh-CN" altLang="en-US" sz="2800" dirty="0">
                 <a:solidFill>
                   <a:srgbClr val="1672FB"/>
@@ -13807,7 +13879,7 @@
 </p:sld>
 </file>
 
-<file path=ppt/slides/slide22.xml><?xml version="1.0" encoding="utf-8"?>
+<file path=ppt/slides/slide23.xml><?xml version="1.0" encoding="utf-8"?>
 <p:sld xmlns:a="http://schemas.openxmlformats.org/drawingml/2006/main" xmlns:r="http://schemas.openxmlformats.org/officeDocument/2006/relationships" xmlns:p="http://schemas.openxmlformats.org/presentationml/2006/main">
   <p:cSld>
     <p:spTree>
@@ -14002,7 +14074,7 @@
 </p:sld>
 </file>
 
-<file path=ppt/slides/slide23.xml><?xml version="1.0" encoding="utf-8"?>
+<file path=ppt/slides/slide24.xml><?xml version="1.0" encoding="utf-8"?>
 <p:sld xmlns:a="http://schemas.openxmlformats.org/drawingml/2006/main" xmlns:r="http://schemas.openxmlformats.org/officeDocument/2006/relationships" xmlns:p="http://schemas.openxmlformats.org/presentationml/2006/main">
   <p:cSld>
     <p:spTree>
